--- a/shpora-2018-fsharp.pptx
+++ b/shpora-2018-fsharp.pptx
@@ -7,16 +7,36 @@
     <p:sldMasterId id="2147483684" r:id="rId3"/>
   </p:sldMasterIdLst>
   <p:notesMasterIdLst>
-    <p:notesMasterId r:id="rId11"/>
+    <p:notesMasterId r:id="rId31"/>
   </p:notesMasterIdLst>
   <p:sldIdLst>
     <p:sldId id="256" r:id="rId4"/>
-    <p:sldId id="263" r:id="rId5"/>
+    <p:sldId id="266" r:id="rId5"/>
     <p:sldId id="259" r:id="rId6"/>
     <p:sldId id="261" r:id="rId7"/>
     <p:sldId id="262" r:id="rId8"/>
-    <p:sldId id="257" r:id="rId9"/>
-    <p:sldId id="258" r:id="rId10"/>
+    <p:sldId id="282" r:id="rId9"/>
+    <p:sldId id="264" r:id="rId10"/>
+    <p:sldId id="265" r:id="rId11"/>
+    <p:sldId id="283" r:id="rId12"/>
+    <p:sldId id="268" r:id="rId13"/>
+    <p:sldId id="269" r:id="rId14"/>
+    <p:sldId id="270" r:id="rId15"/>
+    <p:sldId id="272" r:id="rId16"/>
+    <p:sldId id="284" r:id="rId17"/>
+    <p:sldId id="271" r:id="rId18"/>
+    <p:sldId id="277" r:id="rId19"/>
+    <p:sldId id="278" r:id="rId20"/>
+    <p:sldId id="279" r:id="rId21"/>
+    <p:sldId id="280" r:id="rId22"/>
+    <p:sldId id="281" r:id="rId23"/>
+    <p:sldId id="285" r:id="rId24"/>
+    <p:sldId id="276" r:id="rId25"/>
+    <p:sldId id="274" r:id="rId26"/>
+    <p:sldId id="275" r:id="rId27"/>
+    <p:sldId id="273" r:id="rId28"/>
+    <p:sldId id="257" r:id="rId29"/>
+    <p:sldId id="258" r:id="rId30"/>
   </p:sldIdLst>
   <p:sldSz cx="12192000" cy="6858000"/>
   <p:notesSz cx="6858000" cy="9144000"/>
@@ -7070,7 +7090,7 @@
           <a:p>
             <a:fld id="{67EF4D87-D104-4806-A82F-4CCABB5F55B7}" type="datetimeFigureOut">
               <a:rPr lang="en-GB" smtClean="0"/>
-              <a:t>15/05/18</a:t>
+              <a:t>17/05/18</a:t>
             </a:fld>
             <a:endParaRPr lang="en-GB"/>
           </a:p>
@@ -9105,7 +9125,7 @@
           <a:p>
             <a:fld id="{5274EABA-8A01-44E8-B2EF-7402ECB8286C}" type="datetimeFigureOut">
               <a:rPr lang="en-GB" smtClean="0"/>
-              <a:t>15/05/18</a:t>
+              <a:t>17/05/18</a:t>
             </a:fld>
             <a:endParaRPr lang="en-GB"/>
           </a:p>
@@ -9983,7 +10003,7 @@
           <a:p>
             <a:fld id="{9ADA1282-584F-4118-A9C5-33610434ADC8}" type="datetimeFigureOut">
               <a:rPr lang="en-GB" smtClean="0"/>
-              <a:t>15/05/18</a:t>
+              <a:t>17/05/18</a:t>
             </a:fld>
             <a:endParaRPr lang="en-GB"/>
           </a:p>
@@ -10209,7 +10229,7 @@
           <a:p>
             <a:fld id="{9ADA1282-584F-4118-A9C5-33610434ADC8}" type="datetimeFigureOut">
               <a:rPr lang="en-GB" smtClean="0"/>
-              <a:t>15/05/18</a:t>
+              <a:t>17/05/18</a:t>
             </a:fld>
             <a:endParaRPr lang="en-GB"/>
           </a:p>
@@ -10417,7 +10437,7 @@
           <a:p>
             <a:fld id="{9ADA1282-584F-4118-A9C5-33610434ADC8}" type="datetimeFigureOut">
               <a:rPr lang="en-GB" smtClean="0"/>
-              <a:t>15/05/18</a:t>
+              <a:t>17/05/18</a:t>
             </a:fld>
             <a:endParaRPr lang="en-GB"/>
           </a:p>
@@ -10567,7 +10587,7 @@
           <a:p>
             <a:fld id="{9ADA1282-584F-4118-A9C5-33610434ADC8}" type="datetimeFigureOut">
               <a:rPr lang="en-GB" smtClean="0"/>
-              <a:t>15/05/18</a:t>
+              <a:t>17/05/18</a:t>
             </a:fld>
             <a:endParaRPr lang="en-GB"/>
           </a:p>
@@ -10843,7 +10863,7 @@
           <a:p>
             <a:fld id="{9ADA1282-584F-4118-A9C5-33610434ADC8}" type="datetimeFigureOut">
               <a:rPr lang="en-GB" smtClean="0"/>
-              <a:t>15/05/18</a:t>
+              <a:t>17/05/18</a:t>
             </a:fld>
             <a:endParaRPr lang="en-GB"/>
           </a:p>
@@ -11274,7 +11294,7 @@
           <a:p>
             <a:fld id="{9ADA1282-584F-4118-A9C5-33610434ADC8}" type="datetimeFigureOut">
               <a:rPr lang="en-GB" smtClean="0"/>
-              <a:t>15/05/18</a:t>
+              <a:t>17/05/18</a:t>
             </a:fld>
             <a:endParaRPr lang="en-GB"/>
           </a:p>
@@ -11392,7 +11412,7 @@
           <a:p>
             <a:fld id="{9ADA1282-584F-4118-A9C5-33610434ADC8}" type="datetimeFigureOut">
               <a:rPr lang="en-GB" smtClean="0"/>
-              <a:t>15/05/18</a:t>
+              <a:t>17/05/18</a:t>
             </a:fld>
             <a:endParaRPr lang="en-GB"/>
           </a:p>
@@ -13443,7 +13463,7 @@
           <a:p>
             <a:fld id="{9ADA1282-584F-4118-A9C5-33610434ADC8}" type="datetimeFigureOut">
               <a:rPr lang="en-GB" smtClean="0"/>
-              <a:t>15/05/18</a:t>
+              <a:t>17/05/18</a:t>
             </a:fld>
             <a:endParaRPr lang="en-GB"/>
           </a:p>
@@ -13979,6 +13999,2971 @@
 </p:sld>
 </file>
 
+<file path=ppt/slides/slide10.xml><?xml version="1.0" encoding="utf-8"?>
+<p:sld xmlns:a="http://schemas.openxmlformats.org/drawingml/2006/main" xmlns:r="http://schemas.openxmlformats.org/officeDocument/2006/relationships" xmlns:p="http://schemas.openxmlformats.org/presentationml/2006/main">
+  <p:cSld>
+    <p:spTree>
+      <p:nvGrpSpPr>
+        <p:cNvPr id="1" name=""/>
+        <p:cNvGrpSpPr/>
+        <p:nvPr/>
+      </p:nvGrpSpPr>
+      <p:grpSpPr>
+        <a:xfrm>
+          <a:off x="0" y="0"/>
+          <a:ext cx="0" cy="0"/>
+          <a:chOff x="0" y="0"/>
+          <a:chExt cx="0" cy="0"/>
+        </a:xfrm>
+      </p:grpSpPr>
+      <p:sp>
+        <p:nvSpPr>
+          <p:cNvPr id="2" name="Заголовок 1">
+            <a:extLst>
+              <a:ext uri="{FF2B5EF4-FFF2-40B4-BE49-F238E27FC236}">
+                <a16:creationId xmlns:a16="http://schemas.microsoft.com/office/drawing/2014/main" id="{8F3A76A3-6C41-4712-B6A9-2D528E821976}"/>
+              </a:ext>
+            </a:extLst>
+          </p:cNvPr>
+          <p:cNvSpPr>
+            <a:spLocks noGrp="1"/>
+          </p:cNvSpPr>
+          <p:nvPr>
+            <p:ph type="title"/>
+          </p:nvPr>
+        </p:nvSpPr>
+        <p:spPr/>
+        <p:txBody>
+          <a:bodyPr/>
+          <a:lstStyle/>
+          <a:p>
+            <a:r>
+              <a:rPr lang="en-US" dirty="0" err="1"/>
+              <a:t>Result.cs</a:t>
+            </a:r>
+            <a:endParaRPr lang="en-GB" dirty="0"/>
+          </a:p>
+        </p:txBody>
+      </p:sp>
+      <p:pic>
+        <p:nvPicPr>
+          <p:cNvPr id="5" name="Рисунок 4">
+            <a:extLst>
+              <a:ext uri="{FF2B5EF4-FFF2-40B4-BE49-F238E27FC236}">
+                <a16:creationId xmlns:a16="http://schemas.microsoft.com/office/drawing/2014/main" id="{F4E9A85A-DC30-4989-9483-F36601AE26C0}"/>
+              </a:ext>
+            </a:extLst>
+          </p:cNvPr>
+          <p:cNvPicPr>
+            <a:picLocks noChangeAspect="1"/>
+          </p:cNvPicPr>
+          <p:nvPr/>
+        </p:nvPicPr>
+        <p:blipFill>
+          <a:blip r:embed="rId2"/>
+          <a:stretch>
+            <a:fillRect/>
+          </a:stretch>
+        </p:blipFill>
+        <p:spPr>
+          <a:xfrm>
+            <a:off x="928352" y="1690688"/>
+            <a:ext cx="7927428" cy="4595102"/>
+          </a:xfrm>
+          <a:prstGeom prst="rect">
+            <a:avLst/>
+          </a:prstGeom>
+        </p:spPr>
+      </p:pic>
+    </p:spTree>
+    <p:extLst>
+      <p:ext uri="{BB962C8B-B14F-4D97-AF65-F5344CB8AC3E}">
+        <p14:creationId xmlns:p14="http://schemas.microsoft.com/office/powerpoint/2010/main" val="1505426631"/>
+      </p:ext>
+    </p:extLst>
+  </p:cSld>
+  <p:clrMapOvr>
+    <a:masterClrMapping/>
+  </p:clrMapOvr>
+</p:sld>
+</file>
+
+<file path=ppt/slides/slide11.xml><?xml version="1.0" encoding="utf-8"?>
+<p:sld xmlns:a="http://schemas.openxmlformats.org/drawingml/2006/main" xmlns:r="http://schemas.openxmlformats.org/officeDocument/2006/relationships" xmlns:p="http://schemas.openxmlformats.org/presentationml/2006/main">
+  <p:cSld>
+    <p:spTree>
+      <p:nvGrpSpPr>
+        <p:cNvPr id="1" name=""/>
+        <p:cNvGrpSpPr/>
+        <p:nvPr/>
+      </p:nvGrpSpPr>
+      <p:grpSpPr>
+        <a:xfrm>
+          <a:off x="0" y="0"/>
+          <a:ext cx="0" cy="0"/>
+          <a:chOff x="0" y="0"/>
+          <a:chExt cx="0" cy="0"/>
+        </a:xfrm>
+      </p:grpSpPr>
+      <p:sp>
+        <p:nvSpPr>
+          <p:cNvPr id="2" name="Заголовок 1">
+            <a:extLst>
+              <a:ext uri="{FF2B5EF4-FFF2-40B4-BE49-F238E27FC236}">
+                <a16:creationId xmlns:a16="http://schemas.microsoft.com/office/drawing/2014/main" id="{1D42C66D-4211-4912-89DF-BA9B9980D613}"/>
+              </a:ext>
+            </a:extLst>
+          </p:cNvPr>
+          <p:cNvSpPr>
+            <a:spLocks noGrp="1"/>
+          </p:cNvSpPr>
+          <p:nvPr>
+            <p:ph type="title"/>
+          </p:nvPr>
+        </p:nvSpPr>
+        <p:spPr/>
+        <p:txBody>
+          <a:bodyPr/>
+          <a:lstStyle/>
+          <a:p>
+            <a:r>
+              <a:rPr lang="en-US" dirty="0" err="1"/>
+              <a:t>Result.cs</a:t>
+            </a:r>
+            <a:r>
+              <a:rPr lang="en-US" dirty="0"/>
+              <a:t> </a:t>
+            </a:r>
+            <a:r>
+              <a:rPr lang="en-US" dirty="0">
+                <a:solidFill>
+                  <a:schemeClr val="tx1"/>
+                </a:solidFill>
+                <a:sym typeface="Wingdings" panose="05000000000000000000" pitchFamily="2" charset="2"/>
+              </a:rPr>
+              <a:t>– </a:t>
+            </a:r>
+            <a:r>
+              <a:rPr lang="ru-RU" dirty="0">
+                <a:solidFill>
+                  <a:schemeClr val="tx1"/>
+                </a:solidFill>
+                <a:sym typeface="Wingdings" panose="05000000000000000000" pitchFamily="2" charset="2"/>
+              </a:rPr>
+              <a:t>что не так?</a:t>
+            </a:r>
+            <a:endParaRPr lang="en-GB" dirty="0">
+              <a:solidFill>
+                <a:schemeClr val="tx1"/>
+              </a:solidFill>
+            </a:endParaRPr>
+          </a:p>
+        </p:txBody>
+      </p:sp>
+      <p:sp>
+        <p:nvSpPr>
+          <p:cNvPr id="3" name="Объект 2">
+            <a:extLst>
+              <a:ext uri="{FF2B5EF4-FFF2-40B4-BE49-F238E27FC236}">
+                <a16:creationId xmlns:a16="http://schemas.microsoft.com/office/drawing/2014/main" id="{4CBAFD2D-D736-47EE-9AB7-1A03FC08E003}"/>
+              </a:ext>
+            </a:extLst>
+          </p:cNvPr>
+          <p:cNvSpPr>
+            <a:spLocks noGrp="1"/>
+          </p:cNvSpPr>
+          <p:nvPr>
+            <p:ph idx="1"/>
+          </p:nvPr>
+        </p:nvSpPr>
+        <p:spPr/>
+        <p:txBody>
+          <a:bodyPr>
+            <a:normAutofit/>
+          </a:bodyPr>
+          <a:lstStyle/>
+          <a:p>
+            <a:r>
+              <a:rPr lang="ru-RU" dirty="0"/>
+              <a:t>Нужен тип </a:t>
+            </a:r>
+            <a:r>
+              <a:rPr lang="en-US" dirty="0">
+                <a:solidFill>
+                  <a:srgbClr val="002060"/>
+                </a:solidFill>
+                <a:latin typeface="Consolas" panose="020B0609020204030204" pitchFamily="49" charset="0"/>
+              </a:rPr>
+              <a:t>None</a:t>
+            </a:r>
+          </a:p>
+          <a:p>
+            <a:r>
+              <a:rPr lang="ru-RU" dirty="0"/>
+              <a:t>Дублирование </a:t>
+            </a:r>
+            <a:r>
+              <a:rPr lang="en-US" dirty="0">
+                <a:sym typeface="Wingdings" panose="05000000000000000000" pitchFamily="2" charset="2"/>
+              </a:rPr>
+              <a:t></a:t>
+            </a:r>
+            <a:endParaRPr lang="ru-RU" dirty="0">
+              <a:solidFill>
+                <a:srgbClr val="002060"/>
+              </a:solidFill>
+              <a:latin typeface="Consolas" panose="020B0609020204030204" pitchFamily="49" charset="0"/>
+            </a:endParaRPr>
+          </a:p>
+          <a:p>
+            <a:r>
+              <a:rPr lang="ru-RU" dirty="0"/>
+              <a:t>Нужны вспомогательные методы</a:t>
+            </a:r>
+            <a:endParaRPr lang="en-US" dirty="0"/>
+          </a:p>
+          <a:p>
+            <a:pPr marL="269875" indent="0">
+              <a:buNone/>
+            </a:pPr>
+            <a:r>
+              <a:rPr lang="en-GB" sz="2400" dirty="0">
+                <a:solidFill>
+                  <a:srgbClr val="0033CC"/>
+                </a:solidFill>
+                <a:latin typeface="Consolas" panose="020B0609020204030204" pitchFamily="49" charset="0"/>
+              </a:rPr>
+              <a:t>public static </a:t>
+            </a:r>
+            <a:r>
+              <a:rPr lang="en-GB" sz="2400" dirty="0">
+                <a:solidFill>
+                  <a:srgbClr val="002060"/>
+                </a:solidFill>
+                <a:latin typeface="Consolas" panose="020B0609020204030204" pitchFamily="49" charset="0"/>
+              </a:rPr>
+              <a:t>Result</a:t>
+            </a:r>
+            <a:r>
+              <a:rPr lang="en-GB" sz="2400" dirty="0">
+                <a:latin typeface="Consolas" panose="020B0609020204030204" pitchFamily="49" charset="0"/>
+              </a:rPr>
+              <a:t>&lt;</a:t>
+            </a:r>
+            <a:r>
+              <a:rPr lang="en-GB" sz="2400" dirty="0">
+                <a:solidFill>
+                  <a:srgbClr val="002060"/>
+                </a:solidFill>
+                <a:latin typeface="Consolas" panose="020B0609020204030204" pitchFamily="49" charset="0"/>
+              </a:rPr>
+              <a:t>None</a:t>
+            </a:r>
+            <a:r>
+              <a:rPr lang="en-GB" sz="2400" dirty="0">
+                <a:latin typeface="Consolas" panose="020B0609020204030204" pitchFamily="49" charset="0"/>
+              </a:rPr>
+              <a:t>&gt; </a:t>
+            </a:r>
+            <a:r>
+              <a:rPr lang="en-GB" sz="2400" dirty="0">
+                <a:solidFill>
+                  <a:srgbClr val="0070C0"/>
+                </a:solidFill>
+                <a:latin typeface="Consolas" panose="020B0609020204030204" pitchFamily="49" charset="0"/>
+              </a:rPr>
+              <a:t>Ok</a:t>
+            </a:r>
+            <a:r>
+              <a:rPr lang="en-GB" sz="2400" dirty="0">
+                <a:latin typeface="Consolas" panose="020B0609020204030204" pitchFamily="49" charset="0"/>
+              </a:rPr>
+              <a:t>()</a:t>
+            </a:r>
+            <a:endParaRPr lang="ru-RU" sz="2400" dirty="0">
+              <a:latin typeface="Consolas" panose="020B0609020204030204" pitchFamily="49" charset="0"/>
+            </a:endParaRPr>
+          </a:p>
+          <a:p>
+            <a:pPr marL="269875" indent="0">
+              <a:buNone/>
+            </a:pPr>
+            <a:r>
+              <a:rPr lang="en-GB" sz="2400" dirty="0">
+                <a:solidFill>
+                  <a:srgbClr val="0033CC"/>
+                </a:solidFill>
+                <a:latin typeface="Consolas" panose="020B0609020204030204" pitchFamily="49" charset="0"/>
+              </a:rPr>
+              <a:t>public static </a:t>
+            </a:r>
+            <a:r>
+              <a:rPr lang="en-GB" sz="2400" dirty="0">
+                <a:solidFill>
+                  <a:srgbClr val="002060"/>
+                </a:solidFill>
+                <a:latin typeface="Consolas" panose="020B0609020204030204" pitchFamily="49" charset="0"/>
+              </a:rPr>
+              <a:t>Result</a:t>
+            </a:r>
+            <a:r>
+              <a:rPr lang="en-GB" sz="2400" dirty="0">
+                <a:latin typeface="Consolas" panose="020B0609020204030204" pitchFamily="49" charset="0"/>
+              </a:rPr>
+              <a:t>&lt;</a:t>
+            </a:r>
+            <a:r>
+              <a:rPr lang="en-GB" sz="2400" dirty="0">
+                <a:solidFill>
+                  <a:srgbClr val="002060"/>
+                </a:solidFill>
+                <a:latin typeface="Consolas" panose="020B0609020204030204" pitchFamily="49" charset="0"/>
+              </a:rPr>
+              <a:t>T</a:t>
+            </a:r>
+            <a:r>
+              <a:rPr lang="en-GB" sz="2400" dirty="0">
+                <a:latin typeface="Consolas" panose="020B0609020204030204" pitchFamily="49" charset="0"/>
+              </a:rPr>
+              <a:t>&gt; </a:t>
+            </a:r>
+            <a:r>
+              <a:rPr lang="en-GB" sz="2400" dirty="0">
+                <a:solidFill>
+                  <a:srgbClr val="0070C0"/>
+                </a:solidFill>
+                <a:latin typeface="Consolas" panose="020B0609020204030204" pitchFamily="49" charset="0"/>
+              </a:rPr>
+              <a:t>Ok</a:t>
+            </a:r>
+            <a:r>
+              <a:rPr lang="en-GB" sz="2400" dirty="0">
+                <a:latin typeface="Consolas" panose="020B0609020204030204" pitchFamily="49" charset="0"/>
+              </a:rPr>
+              <a:t>&lt;</a:t>
+            </a:r>
+            <a:r>
+              <a:rPr lang="en-GB" sz="2400" dirty="0">
+                <a:solidFill>
+                  <a:srgbClr val="002060"/>
+                </a:solidFill>
+                <a:latin typeface="Consolas" panose="020B0609020204030204" pitchFamily="49" charset="0"/>
+              </a:rPr>
+              <a:t>T</a:t>
+            </a:r>
+            <a:r>
+              <a:rPr lang="en-GB" sz="2400" dirty="0">
+                <a:latin typeface="Consolas" panose="020B0609020204030204" pitchFamily="49" charset="0"/>
+              </a:rPr>
+              <a:t>&gt;(</a:t>
+            </a:r>
+            <a:r>
+              <a:rPr lang="en-GB" sz="2400" dirty="0">
+                <a:solidFill>
+                  <a:srgbClr val="002060"/>
+                </a:solidFill>
+                <a:latin typeface="Consolas" panose="020B0609020204030204" pitchFamily="49" charset="0"/>
+              </a:rPr>
+              <a:t>T</a:t>
+            </a:r>
+            <a:r>
+              <a:rPr lang="en-GB" sz="2400" dirty="0">
+                <a:latin typeface="Consolas" panose="020B0609020204030204" pitchFamily="49" charset="0"/>
+              </a:rPr>
+              <a:t> value</a:t>
+            </a:r>
+            <a:r>
+              <a:rPr lang="ru-RU" sz="2400" dirty="0">
+                <a:latin typeface="Consolas" panose="020B0609020204030204" pitchFamily="49" charset="0"/>
+              </a:rPr>
+              <a:t>)</a:t>
+            </a:r>
+            <a:r>
+              <a:rPr lang="en-GB" sz="2400" dirty="0">
+                <a:latin typeface="Consolas" panose="020B0609020204030204" pitchFamily="49" charset="0"/>
+              </a:rPr>
+              <a:t>        </a:t>
+            </a:r>
+            <a:endParaRPr lang="ru-RU" sz="2400" dirty="0">
+              <a:latin typeface="Consolas" panose="020B0609020204030204" pitchFamily="49" charset="0"/>
+            </a:endParaRPr>
+          </a:p>
+          <a:p>
+            <a:pPr marL="269875" indent="0">
+              <a:buNone/>
+            </a:pPr>
+            <a:r>
+              <a:rPr lang="en-GB" sz="2400" dirty="0">
+                <a:solidFill>
+                  <a:srgbClr val="0033CC"/>
+                </a:solidFill>
+                <a:latin typeface="Consolas" panose="020B0609020204030204" pitchFamily="49" charset="0"/>
+              </a:rPr>
+              <a:t>public static </a:t>
+            </a:r>
+            <a:r>
+              <a:rPr lang="en-GB" sz="2400" dirty="0">
+                <a:solidFill>
+                  <a:srgbClr val="002060"/>
+                </a:solidFill>
+                <a:latin typeface="Consolas" panose="020B0609020204030204" pitchFamily="49" charset="0"/>
+              </a:rPr>
+              <a:t>Result</a:t>
+            </a:r>
+            <a:r>
+              <a:rPr lang="en-GB" sz="2400" dirty="0">
+                <a:latin typeface="Consolas" panose="020B0609020204030204" pitchFamily="49" charset="0"/>
+              </a:rPr>
+              <a:t>&lt;</a:t>
+            </a:r>
+            <a:r>
+              <a:rPr lang="en-GB" sz="2400" dirty="0">
+                <a:solidFill>
+                  <a:srgbClr val="002060"/>
+                </a:solidFill>
+                <a:latin typeface="Consolas" panose="020B0609020204030204" pitchFamily="49" charset="0"/>
+              </a:rPr>
+              <a:t>T</a:t>
+            </a:r>
+            <a:r>
+              <a:rPr lang="en-GB" sz="2400" dirty="0">
+                <a:latin typeface="Consolas" panose="020B0609020204030204" pitchFamily="49" charset="0"/>
+              </a:rPr>
+              <a:t>&gt; </a:t>
+            </a:r>
+            <a:r>
+              <a:rPr lang="en-GB" sz="2400" dirty="0">
+                <a:solidFill>
+                  <a:srgbClr val="0070C0"/>
+                </a:solidFill>
+                <a:latin typeface="Consolas" panose="020B0609020204030204" pitchFamily="49" charset="0"/>
+              </a:rPr>
+              <a:t>Fail</a:t>
+            </a:r>
+            <a:r>
+              <a:rPr lang="en-GB" sz="2400" dirty="0">
+                <a:latin typeface="Consolas" panose="020B0609020204030204" pitchFamily="49" charset="0"/>
+              </a:rPr>
+              <a:t>&lt;</a:t>
+            </a:r>
+            <a:r>
+              <a:rPr lang="en-GB" sz="2400" dirty="0">
+                <a:solidFill>
+                  <a:srgbClr val="002060"/>
+                </a:solidFill>
+                <a:latin typeface="Consolas" panose="020B0609020204030204" pitchFamily="49" charset="0"/>
+              </a:rPr>
+              <a:t>T</a:t>
+            </a:r>
+            <a:r>
+              <a:rPr lang="en-GB" sz="2400" dirty="0">
+                <a:latin typeface="Consolas" panose="020B0609020204030204" pitchFamily="49" charset="0"/>
+              </a:rPr>
+              <a:t>&gt;(</a:t>
+            </a:r>
+            <a:r>
+              <a:rPr lang="en-GB" sz="2400" dirty="0">
+                <a:solidFill>
+                  <a:srgbClr val="0033CC"/>
+                </a:solidFill>
+                <a:latin typeface="Consolas" panose="020B0609020204030204" pitchFamily="49" charset="0"/>
+              </a:rPr>
+              <a:t>string</a:t>
+            </a:r>
+            <a:r>
+              <a:rPr lang="en-GB" sz="2400" dirty="0">
+                <a:latin typeface="Consolas" panose="020B0609020204030204" pitchFamily="49" charset="0"/>
+              </a:rPr>
+              <a:t> e</a:t>
+            </a:r>
+            <a:r>
+              <a:rPr lang="ru-RU" sz="2400" dirty="0">
+                <a:latin typeface="Consolas" panose="020B0609020204030204" pitchFamily="49" charset="0"/>
+              </a:rPr>
+              <a:t>)</a:t>
+            </a:r>
+          </a:p>
+          <a:p>
+            <a:r>
+              <a:rPr lang="ru-RU" dirty="0">
+                <a:sym typeface="Wingdings" panose="05000000000000000000" pitchFamily="2" charset="2"/>
+              </a:rPr>
+              <a:t>Можно написать</a:t>
+            </a:r>
+            <a:endParaRPr lang="en-US" dirty="0">
+              <a:sym typeface="Wingdings" panose="05000000000000000000" pitchFamily="2" charset="2"/>
+            </a:endParaRPr>
+          </a:p>
+          <a:p>
+            <a:pPr marL="269875" indent="0">
+              <a:buNone/>
+            </a:pPr>
+            <a:r>
+              <a:rPr lang="en-GB" sz="2400" dirty="0">
+                <a:solidFill>
+                  <a:srgbClr val="0033CC"/>
+                </a:solidFill>
+                <a:latin typeface="Consolas" panose="020B0609020204030204" pitchFamily="49" charset="0"/>
+              </a:rPr>
+              <a:t>var</a:t>
+            </a:r>
+            <a:r>
+              <a:rPr lang="en-GB" sz="2400" dirty="0">
+                <a:latin typeface="Consolas" panose="020B0609020204030204" pitchFamily="49" charset="0"/>
+              </a:rPr>
+              <a:t> fail = </a:t>
+            </a:r>
+            <a:r>
+              <a:rPr lang="en-GB" sz="2400" dirty="0" err="1">
+                <a:solidFill>
+                  <a:srgbClr val="002060"/>
+                </a:solidFill>
+                <a:latin typeface="Consolas" panose="020B0609020204030204" pitchFamily="49" charset="0"/>
+              </a:rPr>
+              <a:t>Result</a:t>
+            </a:r>
+            <a:r>
+              <a:rPr lang="en-GB" sz="2400" dirty="0" err="1">
+                <a:latin typeface="Consolas" panose="020B0609020204030204" pitchFamily="49" charset="0"/>
+              </a:rPr>
+              <a:t>.</a:t>
+            </a:r>
+            <a:r>
+              <a:rPr lang="en-GB" sz="2400" dirty="0" err="1">
+                <a:solidFill>
+                  <a:srgbClr val="0070C0"/>
+                </a:solidFill>
+                <a:latin typeface="Consolas" panose="020B0609020204030204" pitchFamily="49" charset="0"/>
+              </a:rPr>
+              <a:t>Fail</a:t>
+            </a:r>
+            <a:r>
+              <a:rPr lang="en-GB" sz="2400" dirty="0">
+                <a:latin typeface="Consolas" panose="020B0609020204030204" pitchFamily="49" charset="0"/>
+              </a:rPr>
+              <a:t>&lt;</a:t>
+            </a:r>
+            <a:r>
+              <a:rPr lang="en-GB" sz="2400" dirty="0">
+                <a:solidFill>
+                  <a:srgbClr val="0033CC"/>
+                </a:solidFill>
+                <a:latin typeface="Consolas" panose="020B0609020204030204" pitchFamily="49" charset="0"/>
+              </a:rPr>
+              <a:t>int</a:t>
+            </a:r>
+            <a:r>
+              <a:rPr lang="en-GB" sz="2400" dirty="0">
+                <a:latin typeface="Consolas" panose="020B0609020204030204" pitchFamily="49" charset="0"/>
+              </a:rPr>
+              <a:t>&gt;(</a:t>
+            </a:r>
+            <a:r>
+              <a:rPr lang="en-GB" sz="2400" dirty="0">
+                <a:solidFill>
+                  <a:srgbClr val="CC3300"/>
+                </a:solidFill>
+                <a:latin typeface="Consolas" panose="020B0609020204030204" pitchFamily="49" charset="0"/>
+              </a:rPr>
+              <a:t>"epic fail"</a:t>
+            </a:r>
+            <a:r>
+              <a:rPr lang="en-GB" sz="2400" dirty="0">
+                <a:latin typeface="Consolas" panose="020B0609020204030204" pitchFamily="49" charset="0"/>
+              </a:rPr>
+              <a:t>);</a:t>
+            </a:r>
+          </a:p>
+          <a:p>
+            <a:pPr marL="269875" indent="0">
+              <a:buNone/>
+            </a:pPr>
+            <a:r>
+              <a:rPr lang="en-GB" sz="2400" dirty="0">
+                <a:solidFill>
+                  <a:srgbClr val="0033CC"/>
+                </a:solidFill>
+                <a:latin typeface="Consolas" panose="020B0609020204030204" pitchFamily="49" charset="0"/>
+              </a:rPr>
+              <a:t>var</a:t>
+            </a:r>
+            <a:r>
+              <a:rPr lang="en-GB" sz="2400" dirty="0">
+                <a:latin typeface="Consolas" panose="020B0609020204030204" pitchFamily="49" charset="0"/>
+              </a:rPr>
+              <a:t> value = </a:t>
+            </a:r>
+            <a:r>
+              <a:rPr lang="en-GB" sz="2400" dirty="0" err="1">
+                <a:latin typeface="Consolas" panose="020B0609020204030204" pitchFamily="49" charset="0"/>
+              </a:rPr>
+              <a:t>fail.</a:t>
+            </a:r>
+            <a:r>
+              <a:rPr lang="en-GB" sz="2400" dirty="0" err="1">
+                <a:solidFill>
+                  <a:srgbClr val="0070C0"/>
+                </a:solidFill>
+                <a:latin typeface="Consolas" panose="020B0609020204030204" pitchFamily="49" charset="0"/>
+              </a:rPr>
+              <a:t>GetValueOrThrow</a:t>
+            </a:r>
+            <a:r>
+              <a:rPr lang="en-GB" sz="2400" dirty="0">
+                <a:latin typeface="Consolas" panose="020B0609020204030204" pitchFamily="49" charset="0"/>
+              </a:rPr>
+              <a:t>();</a:t>
+            </a:r>
+          </a:p>
+        </p:txBody>
+      </p:sp>
+    </p:spTree>
+    <p:extLst>
+      <p:ext uri="{BB962C8B-B14F-4D97-AF65-F5344CB8AC3E}">
+        <p14:creationId xmlns:p14="http://schemas.microsoft.com/office/powerpoint/2010/main" val="3598043781"/>
+      </p:ext>
+    </p:extLst>
+  </p:cSld>
+  <p:clrMapOvr>
+    <a:masterClrMapping/>
+  </p:clrMapOvr>
+  <p:timing>
+    <p:tnLst>
+      <p:par>
+        <p:cTn id="1" dur="indefinite" restart="never" nodeType="tmRoot">
+          <p:childTnLst>
+            <p:seq concurrent="1" nextAc="seek">
+              <p:cTn id="2" dur="indefinite" nodeType="mainSeq">
+                <p:childTnLst>
+                  <p:par>
+                    <p:cTn id="3" fill="hold">
+                      <p:stCondLst>
+                        <p:cond delay="indefinite"/>
+                      </p:stCondLst>
+                      <p:childTnLst>
+                        <p:par>
+                          <p:cTn id="4" fill="hold">
+                            <p:stCondLst>
+                              <p:cond delay="0"/>
+                            </p:stCondLst>
+                            <p:childTnLst>
+                              <p:par>
+                                <p:cTn id="5" presetID="1" presetClass="entr" presetSubtype="0" fill="hold" grpId="0" nodeType="clickEffect">
+                                  <p:stCondLst>
+                                    <p:cond delay="0"/>
+                                  </p:stCondLst>
+                                  <p:childTnLst>
+                                    <p:set>
+                                      <p:cBhvr>
+                                        <p:cTn id="6" dur="1" fill="hold">
+                                          <p:stCondLst>
+                                            <p:cond delay="0"/>
+                                          </p:stCondLst>
+                                        </p:cTn>
+                                        <p:tgtEl>
+                                          <p:spTgt spid="3">
+                                            <p:txEl>
+                                              <p:pRg st="0" end="0"/>
+                                            </p:txEl>
+                                          </p:spTgt>
+                                        </p:tgtEl>
+                                        <p:attrNameLst>
+                                          <p:attrName>style.visibility</p:attrName>
+                                        </p:attrNameLst>
+                                      </p:cBhvr>
+                                      <p:to>
+                                        <p:strVal val="visible"/>
+                                      </p:to>
+                                    </p:set>
+                                  </p:childTnLst>
+                                </p:cTn>
+                              </p:par>
+                            </p:childTnLst>
+                          </p:cTn>
+                        </p:par>
+                      </p:childTnLst>
+                    </p:cTn>
+                  </p:par>
+                  <p:par>
+                    <p:cTn id="7" fill="hold">
+                      <p:stCondLst>
+                        <p:cond delay="indefinite"/>
+                      </p:stCondLst>
+                      <p:childTnLst>
+                        <p:par>
+                          <p:cTn id="8" fill="hold">
+                            <p:stCondLst>
+                              <p:cond delay="0"/>
+                            </p:stCondLst>
+                            <p:childTnLst>
+                              <p:par>
+                                <p:cTn id="9" presetID="1" presetClass="entr" presetSubtype="0" fill="hold" grpId="0" nodeType="clickEffect">
+                                  <p:stCondLst>
+                                    <p:cond delay="0"/>
+                                  </p:stCondLst>
+                                  <p:childTnLst>
+                                    <p:set>
+                                      <p:cBhvr>
+                                        <p:cTn id="10" dur="1" fill="hold">
+                                          <p:stCondLst>
+                                            <p:cond delay="0"/>
+                                          </p:stCondLst>
+                                        </p:cTn>
+                                        <p:tgtEl>
+                                          <p:spTgt spid="3">
+                                            <p:txEl>
+                                              <p:pRg st="1" end="1"/>
+                                            </p:txEl>
+                                          </p:spTgt>
+                                        </p:tgtEl>
+                                        <p:attrNameLst>
+                                          <p:attrName>style.visibility</p:attrName>
+                                        </p:attrNameLst>
+                                      </p:cBhvr>
+                                      <p:to>
+                                        <p:strVal val="visible"/>
+                                      </p:to>
+                                    </p:set>
+                                  </p:childTnLst>
+                                </p:cTn>
+                              </p:par>
+                            </p:childTnLst>
+                          </p:cTn>
+                        </p:par>
+                      </p:childTnLst>
+                    </p:cTn>
+                  </p:par>
+                  <p:par>
+                    <p:cTn id="11" fill="hold">
+                      <p:stCondLst>
+                        <p:cond delay="indefinite"/>
+                      </p:stCondLst>
+                      <p:childTnLst>
+                        <p:par>
+                          <p:cTn id="12" fill="hold">
+                            <p:stCondLst>
+                              <p:cond delay="0"/>
+                            </p:stCondLst>
+                            <p:childTnLst>
+                              <p:par>
+                                <p:cTn id="13" presetID="1" presetClass="entr" presetSubtype="0" fill="hold" grpId="0" nodeType="clickEffect">
+                                  <p:stCondLst>
+                                    <p:cond delay="0"/>
+                                  </p:stCondLst>
+                                  <p:childTnLst>
+                                    <p:set>
+                                      <p:cBhvr>
+                                        <p:cTn id="14" dur="1" fill="hold">
+                                          <p:stCondLst>
+                                            <p:cond delay="0"/>
+                                          </p:stCondLst>
+                                        </p:cTn>
+                                        <p:tgtEl>
+                                          <p:spTgt spid="3">
+                                            <p:txEl>
+                                              <p:pRg st="2" end="2"/>
+                                            </p:txEl>
+                                          </p:spTgt>
+                                        </p:tgtEl>
+                                        <p:attrNameLst>
+                                          <p:attrName>style.visibility</p:attrName>
+                                        </p:attrNameLst>
+                                      </p:cBhvr>
+                                      <p:to>
+                                        <p:strVal val="visible"/>
+                                      </p:to>
+                                    </p:set>
+                                  </p:childTnLst>
+                                </p:cTn>
+                              </p:par>
+                              <p:par>
+                                <p:cTn id="15" presetID="1" presetClass="entr" presetSubtype="0" fill="hold" grpId="0" nodeType="withEffect">
+                                  <p:stCondLst>
+                                    <p:cond delay="0"/>
+                                  </p:stCondLst>
+                                  <p:childTnLst>
+                                    <p:set>
+                                      <p:cBhvr>
+                                        <p:cTn id="16" dur="1" fill="hold">
+                                          <p:stCondLst>
+                                            <p:cond delay="0"/>
+                                          </p:stCondLst>
+                                        </p:cTn>
+                                        <p:tgtEl>
+                                          <p:spTgt spid="3">
+                                            <p:txEl>
+                                              <p:pRg st="3" end="3"/>
+                                            </p:txEl>
+                                          </p:spTgt>
+                                        </p:tgtEl>
+                                        <p:attrNameLst>
+                                          <p:attrName>style.visibility</p:attrName>
+                                        </p:attrNameLst>
+                                      </p:cBhvr>
+                                      <p:to>
+                                        <p:strVal val="visible"/>
+                                      </p:to>
+                                    </p:set>
+                                  </p:childTnLst>
+                                </p:cTn>
+                              </p:par>
+                              <p:par>
+                                <p:cTn id="17" presetID="1" presetClass="entr" presetSubtype="0" fill="hold" grpId="0" nodeType="withEffect">
+                                  <p:stCondLst>
+                                    <p:cond delay="0"/>
+                                  </p:stCondLst>
+                                  <p:childTnLst>
+                                    <p:set>
+                                      <p:cBhvr>
+                                        <p:cTn id="18" dur="1" fill="hold">
+                                          <p:stCondLst>
+                                            <p:cond delay="0"/>
+                                          </p:stCondLst>
+                                        </p:cTn>
+                                        <p:tgtEl>
+                                          <p:spTgt spid="3">
+                                            <p:txEl>
+                                              <p:pRg st="4" end="4"/>
+                                            </p:txEl>
+                                          </p:spTgt>
+                                        </p:tgtEl>
+                                        <p:attrNameLst>
+                                          <p:attrName>style.visibility</p:attrName>
+                                        </p:attrNameLst>
+                                      </p:cBhvr>
+                                      <p:to>
+                                        <p:strVal val="visible"/>
+                                      </p:to>
+                                    </p:set>
+                                  </p:childTnLst>
+                                </p:cTn>
+                              </p:par>
+                              <p:par>
+                                <p:cTn id="19" presetID="1" presetClass="entr" presetSubtype="0" fill="hold" grpId="0" nodeType="withEffect">
+                                  <p:stCondLst>
+                                    <p:cond delay="0"/>
+                                  </p:stCondLst>
+                                  <p:childTnLst>
+                                    <p:set>
+                                      <p:cBhvr>
+                                        <p:cTn id="20" dur="1" fill="hold">
+                                          <p:stCondLst>
+                                            <p:cond delay="0"/>
+                                          </p:stCondLst>
+                                        </p:cTn>
+                                        <p:tgtEl>
+                                          <p:spTgt spid="3">
+                                            <p:txEl>
+                                              <p:pRg st="5" end="5"/>
+                                            </p:txEl>
+                                          </p:spTgt>
+                                        </p:tgtEl>
+                                        <p:attrNameLst>
+                                          <p:attrName>style.visibility</p:attrName>
+                                        </p:attrNameLst>
+                                      </p:cBhvr>
+                                      <p:to>
+                                        <p:strVal val="visible"/>
+                                      </p:to>
+                                    </p:set>
+                                  </p:childTnLst>
+                                </p:cTn>
+                              </p:par>
+                            </p:childTnLst>
+                          </p:cTn>
+                        </p:par>
+                      </p:childTnLst>
+                    </p:cTn>
+                  </p:par>
+                  <p:par>
+                    <p:cTn id="21" fill="hold">
+                      <p:stCondLst>
+                        <p:cond delay="indefinite"/>
+                      </p:stCondLst>
+                      <p:childTnLst>
+                        <p:par>
+                          <p:cTn id="22" fill="hold">
+                            <p:stCondLst>
+                              <p:cond delay="0"/>
+                            </p:stCondLst>
+                            <p:childTnLst>
+                              <p:par>
+                                <p:cTn id="23" presetID="1" presetClass="entr" presetSubtype="0" fill="hold" grpId="0" nodeType="clickEffect">
+                                  <p:stCondLst>
+                                    <p:cond delay="0"/>
+                                  </p:stCondLst>
+                                  <p:childTnLst>
+                                    <p:set>
+                                      <p:cBhvr>
+                                        <p:cTn id="24" dur="1" fill="hold">
+                                          <p:stCondLst>
+                                            <p:cond delay="0"/>
+                                          </p:stCondLst>
+                                        </p:cTn>
+                                        <p:tgtEl>
+                                          <p:spTgt spid="3">
+                                            <p:txEl>
+                                              <p:pRg st="6" end="6"/>
+                                            </p:txEl>
+                                          </p:spTgt>
+                                        </p:tgtEl>
+                                        <p:attrNameLst>
+                                          <p:attrName>style.visibility</p:attrName>
+                                        </p:attrNameLst>
+                                      </p:cBhvr>
+                                      <p:to>
+                                        <p:strVal val="visible"/>
+                                      </p:to>
+                                    </p:set>
+                                  </p:childTnLst>
+                                </p:cTn>
+                              </p:par>
+                            </p:childTnLst>
+                          </p:cTn>
+                        </p:par>
+                        <p:par>
+                          <p:cTn id="25" fill="hold">
+                            <p:stCondLst>
+                              <p:cond delay="0"/>
+                            </p:stCondLst>
+                            <p:childTnLst>
+                              <p:par>
+                                <p:cTn id="26" presetID="1" presetClass="entr" presetSubtype="0" fill="hold" grpId="0" nodeType="afterEffect">
+                                  <p:stCondLst>
+                                    <p:cond delay="0"/>
+                                  </p:stCondLst>
+                                  <p:childTnLst>
+                                    <p:set>
+                                      <p:cBhvr>
+                                        <p:cTn id="27" dur="1" fill="hold">
+                                          <p:stCondLst>
+                                            <p:cond delay="0"/>
+                                          </p:stCondLst>
+                                        </p:cTn>
+                                        <p:tgtEl>
+                                          <p:spTgt spid="3">
+                                            <p:txEl>
+                                              <p:pRg st="7" end="7"/>
+                                            </p:txEl>
+                                          </p:spTgt>
+                                        </p:tgtEl>
+                                        <p:attrNameLst>
+                                          <p:attrName>style.visibility</p:attrName>
+                                        </p:attrNameLst>
+                                      </p:cBhvr>
+                                      <p:to>
+                                        <p:strVal val="visible"/>
+                                      </p:to>
+                                    </p:set>
+                                  </p:childTnLst>
+                                </p:cTn>
+                              </p:par>
+                            </p:childTnLst>
+                          </p:cTn>
+                        </p:par>
+                        <p:par>
+                          <p:cTn id="28" fill="hold">
+                            <p:stCondLst>
+                              <p:cond delay="0"/>
+                            </p:stCondLst>
+                            <p:childTnLst>
+                              <p:par>
+                                <p:cTn id="29" presetID="1" presetClass="entr" presetSubtype="0" fill="hold" grpId="0" nodeType="afterEffect">
+                                  <p:stCondLst>
+                                    <p:cond delay="0"/>
+                                  </p:stCondLst>
+                                  <p:childTnLst>
+                                    <p:set>
+                                      <p:cBhvr>
+                                        <p:cTn id="30" dur="1" fill="hold">
+                                          <p:stCondLst>
+                                            <p:cond delay="0"/>
+                                          </p:stCondLst>
+                                        </p:cTn>
+                                        <p:tgtEl>
+                                          <p:spTgt spid="3">
+                                            <p:txEl>
+                                              <p:pRg st="8" end="8"/>
+                                            </p:txEl>
+                                          </p:spTgt>
+                                        </p:tgtEl>
+                                        <p:attrNameLst>
+                                          <p:attrName>style.visibility</p:attrName>
+                                        </p:attrNameLst>
+                                      </p:cBhvr>
+                                      <p:to>
+                                        <p:strVal val="visible"/>
+                                      </p:to>
+                                    </p:set>
+                                  </p:childTnLst>
+                                </p:cTn>
+                              </p:par>
+                            </p:childTnLst>
+                          </p:cTn>
+                        </p:par>
+                      </p:childTnLst>
+                    </p:cTn>
+                  </p:par>
+                </p:childTnLst>
+              </p:cTn>
+              <p:prevCondLst>
+                <p:cond evt="onPrev" delay="0">
+                  <p:tgtEl>
+                    <p:sldTgt/>
+                  </p:tgtEl>
+                </p:cond>
+              </p:prevCondLst>
+              <p:nextCondLst>
+                <p:cond evt="onNext" delay="0">
+                  <p:tgtEl>
+                    <p:sldTgt/>
+                  </p:tgtEl>
+                </p:cond>
+              </p:nextCondLst>
+            </p:seq>
+          </p:childTnLst>
+        </p:cTn>
+      </p:par>
+    </p:tnLst>
+    <p:bldLst>
+      <p:bldP spid="3" grpId="0" uiExpand="1" build="p"/>
+    </p:bldLst>
+  </p:timing>
+</p:sld>
+</file>
+
+<file path=ppt/slides/slide12.xml><?xml version="1.0" encoding="utf-8"?>
+<p:sld xmlns:a="http://schemas.openxmlformats.org/drawingml/2006/main" xmlns:r="http://schemas.openxmlformats.org/officeDocument/2006/relationships" xmlns:p="http://schemas.openxmlformats.org/presentationml/2006/main">
+  <p:cSld>
+    <p:spTree>
+      <p:nvGrpSpPr>
+        <p:cNvPr id="1" name=""/>
+        <p:cNvGrpSpPr/>
+        <p:nvPr/>
+      </p:nvGrpSpPr>
+      <p:grpSpPr>
+        <a:xfrm>
+          <a:off x="0" y="0"/>
+          <a:ext cx="0" cy="0"/>
+          <a:chOff x="0" y="0"/>
+          <a:chExt cx="0" cy="0"/>
+        </a:xfrm>
+      </p:grpSpPr>
+      <p:sp>
+        <p:nvSpPr>
+          <p:cNvPr id="2" name="Заголовок 1">
+            <a:extLst>
+              <a:ext uri="{FF2B5EF4-FFF2-40B4-BE49-F238E27FC236}">
+                <a16:creationId xmlns:a16="http://schemas.microsoft.com/office/drawing/2014/main" id="{7171BCBB-FA03-430A-8E33-E8A22B486140}"/>
+              </a:ext>
+            </a:extLst>
+          </p:cNvPr>
+          <p:cNvSpPr>
+            <a:spLocks noGrp="1"/>
+          </p:cNvSpPr>
+          <p:nvPr>
+            <p:ph type="title"/>
+          </p:nvPr>
+        </p:nvSpPr>
+        <p:spPr/>
+        <p:txBody>
+          <a:bodyPr/>
+          <a:lstStyle/>
+          <a:p>
+            <a:r>
+              <a:rPr lang="en-US" dirty="0"/>
+              <a:t>Discriminated Union</a:t>
+            </a:r>
+            <a:endParaRPr lang="en-GB" dirty="0"/>
+          </a:p>
+        </p:txBody>
+      </p:sp>
+      <p:sp>
+        <p:nvSpPr>
+          <p:cNvPr id="3" name="Объект 2">
+            <a:extLst>
+              <a:ext uri="{FF2B5EF4-FFF2-40B4-BE49-F238E27FC236}">
+                <a16:creationId xmlns:a16="http://schemas.microsoft.com/office/drawing/2014/main" id="{D5BAA2CD-2643-4CB3-ACED-93DE8E3FD209}"/>
+              </a:ext>
+            </a:extLst>
+          </p:cNvPr>
+          <p:cNvSpPr>
+            <a:spLocks noGrp="1"/>
+          </p:cNvSpPr>
+          <p:nvPr>
+            <p:ph idx="1"/>
+          </p:nvPr>
+        </p:nvSpPr>
+        <p:spPr/>
+        <p:txBody>
+          <a:bodyPr/>
+          <a:lstStyle/>
+          <a:p>
+            <a:pPr marL="0" indent="0">
+              <a:buNone/>
+            </a:pPr>
+            <a:r>
+              <a:rPr lang="en-GB" dirty="0">
+                <a:solidFill>
+                  <a:srgbClr val="0033CC"/>
+                </a:solidFill>
+                <a:latin typeface="Consolas" panose="020B0609020204030204" pitchFamily="49" charset="0"/>
+              </a:rPr>
+              <a:t>type</a:t>
+            </a:r>
+            <a:r>
+              <a:rPr lang="en-GB" dirty="0">
+                <a:latin typeface="Consolas" panose="020B0609020204030204" pitchFamily="49" charset="0"/>
+              </a:rPr>
+              <a:t> </a:t>
+            </a:r>
+            <a:r>
+              <a:rPr lang="en-GB" dirty="0">
+                <a:solidFill>
+                  <a:srgbClr val="0070C0"/>
+                </a:solidFill>
+                <a:latin typeface="Consolas" panose="020B0609020204030204" pitchFamily="49" charset="0"/>
+              </a:rPr>
+              <a:t>Result</a:t>
+            </a:r>
+            <a:r>
+              <a:rPr lang="en-GB" dirty="0">
+                <a:latin typeface="Consolas" panose="020B0609020204030204" pitchFamily="49" charset="0"/>
+              </a:rPr>
+              <a:t>&lt;</a:t>
+            </a:r>
+            <a:r>
+              <a:rPr lang="en-GB" dirty="0">
+                <a:solidFill>
+                  <a:srgbClr val="0070C0"/>
+                </a:solidFill>
+                <a:latin typeface="Consolas" panose="020B0609020204030204" pitchFamily="49" charset="0"/>
+              </a:rPr>
+              <a:t>'a</a:t>
+            </a:r>
+            <a:r>
+              <a:rPr lang="en-GB" dirty="0">
+                <a:latin typeface="Consolas" panose="020B0609020204030204" pitchFamily="49" charset="0"/>
+              </a:rPr>
+              <a:t>&gt; =  </a:t>
+            </a:r>
+          </a:p>
+          <a:p>
+            <a:pPr marL="0" indent="0">
+              <a:buNone/>
+            </a:pPr>
+            <a:r>
+              <a:rPr lang="en-GB" dirty="0">
+                <a:latin typeface="Consolas" panose="020B0609020204030204" pitchFamily="49" charset="0"/>
+              </a:rPr>
+              <a:t>    | </a:t>
+            </a:r>
+            <a:r>
+              <a:rPr lang="en-GB" dirty="0">
+                <a:solidFill>
+                  <a:srgbClr val="0070C0"/>
+                </a:solidFill>
+                <a:latin typeface="Consolas" panose="020B0609020204030204" pitchFamily="49" charset="0"/>
+              </a:rPr>
+              <a:t>Ok</a:t>
+            </a:r>
+            <a:r>
+              <a:rPr lang="en-GB" dirty="0">
+                <a:latin typeface="Consolas" panose="020B0609020204030204" pitchFamily="49" charset="0"/>
+              </a:rPr>
+              <a:t> </a:t>
+            </a:r>
+            <a:r>
+              <a:rPr lang="en-GB" dirty="0">
+                <a:solidFill>
+                  <a:srgbClr val="0033CC"/>
+                </a:solidFill>
+                <a:latin typeface="Consolas" panose="020B0609020204030204" pitchFamily="49" charset="0"/>
+              </a:rPr>
+              <a:t>of</a:t>
+            </a:r>
+            <a:r>
+              <a:rPr lang="en-GB" dirty="0">
+                <a:latin typeface="Consolas" panose="020B0609020204030204" pitchFamily="49" charset="0"/>
+              </a:rPr>
+              <a:t> </a:t>
+            </a:r>
+            <a:r>
+              <a:rPr lang="en-GB" dirty="0">
+                <a:solidFill>
+                  <a:srgbClr val="0070C0"/>
+                </a:solidFill>
+                <a:latin typeface="Consolas" panose="020B0609020204030204" pitchFamily="49" charset="0"/>
+              </a:rPr>
+              <a:t>'a</a:t>
+            </a:r>
+            <a:r>
+              <a:rPr lang="en-GB" dirty="0">
+                <a:latin typeface="Consolas" panose="020B0609020204030204" pitchFamily="49" charset="0"/>
+              </a:rPr>
+              <a:t> </a:t>
+            </a:r>
+          </a:p>
+          <a:p>
+            <a:pPr marL="0" indent="0">
+              <a:buNone/>
+            </a:pPr>
+            <a:r>
+              <a:rPr lang="en-GB" dirty="0">
+                <a:latin typeface="Consolas" panose="020B0609020204030204" pitchFamily="49" charset="0"/>
+              </a:rPr>
+              <a:t>    | </a:t>
+            </a:r>
+            <a:r>
+              <a:rPr lang="en-GB" dirty="0">
+                <a:solidFill>
+                  <a:srgbClr val="0070C0"/>
+                </a:solidFill>
+                <a:latin typeface="Consolas" panose="020B0609020204030204" pitchFamily="49" charset="0"/>
+              </a:rPr>
+              <a:t>Fail</a:t>
+            </a:r>
+            <a:r>
+              <a:rPr lang="en-GB" dirty="0">
+                <a:latin typeface="Consolas" panose="020B0609020204030204" pitchFamily="49" charset="0"/>
+              </a:rPr>
+              <a:t> </a:t>
+            </a:r>
+            <a:r>
+              <a:rPr lang="en-GB" dirty="0">
+                <a:solidFill>
+                  <a:srgbClr val="0033CC"/>
+                </a:solidFill>
+                <a:latin typeface="Consolas" panose="020B0609020204030204" pitchFamily="49" charset="0"/>
+              </a:rPr>
+              <a:t>of</a:t>
+            </a:r>
+            <a:r>
+              <a:rPr lang="en-GB" dirty="0">
+                <a:latin typeface="Consolas" panose="020B0609020204030204" pitchFamily="49" charset="0"/>
+              </a:rPr>
+              <a:t> </a:t>
+            </a:r>
+            <a:r>
+              <a:rPr lang="en-GB" dirty="0">
+                <a:solidFill>
+                  <a:srgbClr val="0070C0"/>
+                </a:solidFill>
+                <a:latin typeface="Consolas" panose="020B0609020204030204" pitchFamily="49" charset="0"/>
+              </a:rPr>
+              <a:t>string</a:t>
+            </a:r>
+          </a:p>
+          <a:p>
+            <a:pPr marL="0" indent="0">
+              <a:buNone/>
+            </a:pPr>
+            <a:endParaRPr lang="en-US" dirty="0">
+              <a:solidFill>
+                <a:srgbClr val="0070C0"/>
+              </a:solidFill>
+              <a:latin typeface="Consolas" panose="020B0609020204030204" pitchFamily="49" charset="0"/>
+            </a:endParaRPr>
+          </a:p>
+          <a:p>
+            <a:pPr marL="0" indent="0">
+              <a:buNone/>
+            </a:pPr>
+            <a:r>
+              <a:rPr lang="en-GB" dirty="0">
+                <a:solidFill>
+                  <a:srgbClr val="0033CC"/>
+                </a:solidFill>
+                <a:latin typeface="Consolas" panose="020B0609020204030204" pitchFamily="49" charset="0"/>
+              </a:rPr>
+              <a:t>let</a:t>
+            </a:r>
+            <a:r>
+              <a:rPr lang="en-GB" dirty="0">
+                <a:latin typeface="Consolas" panose="020B0609020204030204" pitchFamily="49" charset="0"/>
+              </a:rPr>
+              <a:t> ok = </a:t>
+            </a:r>
+            <a:r>
+              <a:rPr lang="en-GB" dirty="0">
+                <a:solidFill>
+                  <a:srgbClr val="0070C0"/>
+                </a:solidFill>
+                <a:latin typeface="Consolas" panose="020B0609020204030204" pitchFamily="49" charset="0"/>
+              </a:rPr>
+              <a:t>Ok</a:t>
+            </a:r>
+            <a:r>
+              <a:rPr lang="en-GB" dirty="0">
+                <a:latin typeface="Consolas" panose="020B0609020204030204" pitchFamily="49" charset="0"/>
+              </a:rPr>
+              <a:t> 42</a:t>
+            </a:r>
+          </a:p>
+          <a:p>
+            <a:pPr marL="0" indent="0">
+              <a:buNone/>
+            </a:pPr>
+            <a:r>
+              <a:rPr lang="en-GB" dirty="0">
+                <a:solidFill>
+                  <a:srgbClr val="0033CC"/>
+                </a:solidFill>
+                <a:latin typeface="Consolas" panose="020B0609020204030204" pitchFamily="49" charset="0"/>
+              </a:rPr>
+              <a:t>let</a:t>
+            </a:r>
+            <a:r>
+              <a:rPr lang="en-GB" dirty="0">
+                <a:latin typeface="Consolas" panose="020B0609020204030204" pitchFamily="49" charset="0"/>
+              </a:rPr>
+              <a:t> fail = </a:t>
+            </a:r>
+            <a:r>
+              <a:rPr lang="en-GB" dirty="0">
+                <a:solidFill>
+                  <a:srgbClr val="0070C0"/>
+                </a:solidFill>
+                <a:latin typeface="Consolas" panose="020B0609020204030204" pitchFamily="49" charset="0"/>
+              </a:rPr>
+              <a:t>Fail</a:t>
+            </a:r>
+            <a:r>
+              <a:rPr lang="en-GB" dirty="0">
+                <a:latin typeface="Consolas" panose="020B0609020204030204" pitchFamily="49" charset="0"/>
+              </a:rPr>
+              <a:t> </a:t>
+            </a:r>
+            <a:r>
+              <a:rPr lang="en-GB" dirty="0">
+                <a:solidFill>
+                  <a:srgbClr val="CC3300"/>
+                </a:solidFill>
+                <a:latin typeface="Consolas" panose="020B0609020204030204" pitchFamily="49" charset="0"/>
+              </a:rPr>
+              <a:t>"epic fail"</a:t>
+            </a:r>
+          </a:p>
+        </p:txBody>
+      </p:sp>
+    </p:spTree>
+    <p:extLst>
+      <p:ext uri="{BB962C8B-B14F-4D97-AF65-F5344CB8AC3E}">
+        <p14:creationId xmlns:p14="http://schemas.microsoft.com/office/powerpoint/2010/main" val="1938375815"/>
+      </p:ext>
+    </p:extLst>
+  </p:cSld>
+  <p:clrMapOvr>
+    <a:masterClrMapping/>
+  </p:clrMapOvr>
+</p:sld>
+</file>
+
+<file path=ppt/slides/slide13.xml><?xml version="1.0" encoding="utf-8"?>
+<p:sld xmlns:a="http://schemas.openxmlformats.org/drawingml/2006/main" xmlns:r="http://schemas.openxmlformats.org/officeDocument/2006/relationships" xmlns:p="http://schemas.openxmlformats.org/presentationml/2006/main">
+  <p:cSld>
+    <p:spTree>
+      <p:nvGrpSpPr>
+        <p:cNvPr id="1" name=""/>
+        <p:cNvGrpSpPr/>
+        <p:nvPr/>
+      </p:nvGrpSpPr>
+      <p:grpSpPr>
+        <a:xfrm>
+          <a:off x="0" y="0"/>
+          <a:ext cx="0" cy="0"/>
+          <a:chOff x="0" y="0"/>
+          <a:chExt cx="0" cy="0"/>
+        </a:xfrm>
+      </p:grpSpPr>
+      <p:sp>
+        <p:nvSpPr>
+          <p:cNvPr id="2" name="Заголовок 1">
+            <a:extLst>
+              <a:ext uri="{FF2B5EF4-FFF2-40B4-BE49-F238E27FC236}">
+                <a16:creationId xmlns:a16="http://schemas.microsoft.com/office/drawing/2014/main" id="{7C099CBD-02F3-4D2B-8323-6558B2490916}"/>
+              </a:ext>
+            </a:extLst>
+          </p:cNvPr>
+          <p:cNvSpPr>
+            <a:spLocks noGrp="1"/>
+          </p:cNvSpPr>
+          <p:nvPr>
+            <p:ph type="ctrTitle"/>
+          </p:nvPr>
+        </p:nvSpPr>
+        <p:spPr/>
+        <p:txBody>
+          <a:bodyPr/>
+          <a:lstStyle/>
+          <a:p>
+            <a:r>
+              <a:rPr lang="en-GB" dirty="0"/>
+              <a:t>Demo</a:t>
+            </a:r>
+          </a:p>
+        </p:txBody>
+      </p:sp>
+      <p:sp>
+        <p:nvSpPr>
+          <p:cNvPr id="3" name="Подзаголовок 2">
+            <a:extLst>
+              <a:ext uri="{FF2B5EF4-FFF2-40B4-BE49-F238E27FC236}">
+                <a16:creationId xmlns:a16="http://schemas.microsoft.com/office/drawing/2014/main" id="{A0E703C0-9403-4FF6-807F-4286147DE6B5}"/>
+              </a:ext>
+            </a:extLst>
+          </p:cNvPr>
+          <p:cNvSpPr>
+            <a:spLocks noGrp="1"/>
+          </p:cNvSpPr>
+          <p:nvPr>
+            <p:ph type="subTitle" idx="1"/>
+          </p:nvPr>
+        </p:nvSpPr>
+        <p:spPr/>
+        <p:txBody>
+          <a:bodyPr/>
+          <a:lstStyle/>
+          <a:p>
+            <a:r>
+              <a:rPr lang="en-US" dirty="0"/>
+              <a:t>Discriminated Union</a:t>
+            </a:r>
+            <a:endParaRPr lang="en-GB" dirty="0"/>
+          </a:p>
+        </p:txBody>
+      </p:sp>
+    </p:spTree>
+    <p:extLst>
+      <p:ext uri="{BB962C8B-B14F-4D97-AF65-F5344CB8AC3E}">
+        <p14:creationId xmlns:p14="http://schemas.microsoft.com/office/powerpoint/2010/main" val="4164753797"/>
+      </p:ext>
+    </p:extLst>
+  </p:cSld>
+  <p:clrMapOvr>
+    <a:masterClrMapping/>
+  </p:clrMapOvr>
+</p:sld>
+</file>
+
+<file path=ppt/slides/slide14.xml><?xml version="1.0" encoding="utf-8"?>
+<p:sld xmlns:a="http://schemas.openxmlformats.org/drawingml/2006/main" xmlns:r="http://schemas.openxmlformats.org/officeDocument/2006/relationships" xmlns:p="http://schemas.openxmlformats.org/presentationml/2006/main">
+  <p:cSld>
+    <p:spTree>
+      <p:nvGrpSpPr>
+        <p:cNvPr id="1" name=""/>
+        <p:cNvGrpSpPr/>
+        <p:nvPr/>
+      </p:nvGrpSpPr>
+      <p:grpSpPr>
+        <a:xfrm>
+          <a:off x="0" y="0"/>
+          <a:ext cx="0" cy="0"/>
+          <a:chOff x="0" y="0"/>
+          <a:chExt cx="0" cy="0"/>
+        </a:xfrm>
+      </p:grpSpPr>
+      <p:sp>
+        <p:nvSpPr>
+          <p:cNvPr id="2" name="Заголовок 1">
+            <a:extLst>
+              <a:ext uri="{FF2B5EF4-FFF2-40B4-BE49-F238E27FC236}">
+                <a16:creationId xmlns:a16="http://schemas.microsoft.com/office/drawing/2014/main" id="{32638DAC-0D76-4838-B269-2FD3512C6CDF}"/>
+              </a:ext>
+            </a:extLst>
+          </p:cNvPr>
+          <p:cNvSpPr>
+            <a:spLocks noGrp="1"/>
+          </p:cNvSpPr>
+          <p:nvPr>
+            <p:ph type="title"/>
+          </p:nvPr>
+        </p:nvSpPr>
+        <p:spPr/>
+        <p:txBody>
+          <a:bodyPr/>
+          <a:lstStyle/>
+          <a:p>
+            <a:r>
+              <a:rPr lang="en-US" dirty="0"/>
+              <a:t>#3</a:t>
+            </a:r>
+            <a:endParaRPr lang="en-GB" dirty="0"/>
+          </a:p>
+        </p:txBody>
+      </p:sp>
+      <p:sp>
+        <p:nvSpPr>
+          <p:cNvPr id="3" name="Текст 2">
+            <a:extLst>
+              <a:ext uri="{FF2B5EF4-FFF2-40B4-BE49-F238E27FC236}">
+                <a16:creationId xmlns:a16="http://schemas.microsoft.com/office/drawing/2014/main" id="{23222EE4-9EAF-489B-8150-B0BE4BA555A8}"/>
+              </a:ext>
+            </a:extLst>
+          </p:cNvPr>
+          <p:cNvSpPr>
+            <a:spLocks noGrp="1"/>
+          </p:cNvSpPr>
+          <p:nvPr>
+            <p:ph type="body" idx="1"/>
+          </p:nvPr>
+        </p:nvSpPr>
+        <p:spPr/>
+        <p:txBody>
+          <a:bodyPr/>
+          <a:lstStyle/>
+          <a:p>
+            <a:r>
+              <a:rPr lang="en-US" dirty="0"/>
+              <a:t>Computation Expressions</a:t>
+            </a:r>
+            <a:endParaRPr lang="en-GB" dirty="0"/>
+          </a:p>
+        </p:txBody>
+      </p:sp>
+    </p:spTree>
+    <p:extLst>
+      <p:ext uri="{BB962C8B-B14F-4D97-AF65-F5344CB8AC3E}">
+        <p14:creationId xmlns:p14="http://schemas.microsoft.com/office/powerpoint/2010/main" val="2296807082"/>
+      </p:ext>
+    </p:extLst>
+  </p:cSld>
+  <p:clrMapOvr>
+    <a:masterClrMapping/>
+  </p:clrMapOvr>
+</p:sld>
+</file>
+
+<file path=ppt/slides/slide15.xml><?xml version="1.0" encoding="utf-8"?>
+<p:sld xmlns:a="http://schemas.openxmlformats.org/drawingml/2006/main" xmlns:r="http://schemas.openxmlformats.org/officeDocument/2006/relationships" xmlns:p="http://schemas.openxmlformats.org/presentationml/2006/main">
+  <p:cSld>
+    <p:spTree>
+      <p:nvGrpSpPr>
+        <p:cNvPr id="1" name=""/>
+        <p:cNvGrpSpPr/>
+        <p:nvPr/>
+      </p:nvGrpSpPr>
+      <p:grpSpPr>
+        <a:xfrm>
+          <a:off x="0" y="0"/>
+          <a:ext cx="0" cy="0"/>
+          <a:chOff x="0" y="0"/>
+          <a:chExt cx="0" cy="0"/>
+        </a:xfrm>
+      </p:grpSpPr>
+      <p:sp>
+        <p:nvSpPr>
+          <p:cNvPr id="2" name="Заголовок 1">
+            <a:extLst>
+              <a:ext uri="{FF2B5EF4-FFF2-40B4-BE49-F238E27FC236}">
+                <a16:creationId xmlns:a16="http://schemas.microsoft.com/office/drawing/2014/main" id="{E1BCD7F5-D49C-4148-BAAF-70668E50959B}"/>
+              </a:ext>
+            </a:extLst>
+          </p:cNvPr>
+          <p:cNvSpPr>
+            <a:spLocks noGrp="1"/>
+          </p:cNvSpPr>
+          <p:nvPr>
+            <p:ph type="title"/>
+          </p:nvPr>
+        </p:nvSpPr>
+        <p:spPr/>
+        <p:txBody>
+          <a:bodyPr/>
+          <a:lstStyle/>
+          <a:p>
+            <a:r>
+              <a:rPr lang="ru-RU" dirty="0"/>
+              <a:t>Что общего?</a:t>
+            </a:r>
+            <a:endParaRPr lang="en-GB" dirty="0"/>
+          </a:p>
+        </p:txBody>
+      </p:sp>
+      <p:sp>
+        <p:nvSpPr>
+          <p:cNvPr id="3" name="Объект 2">
+            <a:extLst>
+              <a:ext uri="{FF2B5EF4-FFF2-40B4-BE49-F238E27FC236}">
+                <a16:creationId xmlns:a16="http://schemas.microsoft.com/office/drawing/2014/main" id="{2BF317F3-CCCF-429C-A8BE-09564244C4A2}"/>
+              </a:ext>
+            </a:extLst>
+          </p:cNvPr>
+          <p:cNvSpPr>
+            <a:spLocks noGrp="1"/>
+          </p:cNvSpPr>
+          <p:nvPr>
+            <p:ph idx="1"/>
+          </p:nvPr>
+        </p:nvSpPr>
+        <p:spPr/>
+        <p:txBody>
+          <a:bodyPr/>
+          <a:lstStyle/>
+          <a:p>
+            <a:endParaRPr lang="en-US" dirty="0">
+              <a:latin typeface="Consolas" panose="020B0609020204030204" pitchFamily="49" charset="0"/>
+            </a:endParaRPr>
+          </a:p>
+          <a:p>
+            <a:r>
+              <a:rPr lang="en-US" sz="2400" dirty="0">
+                <a:latin typeface="Consolas" panose="020B0609020204030204" pitchFamily="49" charset="0"/>
+              </a:rPr>
+              <a:t> </a:t>
+            </a:r>
+            <a:r>
+              <a:rPr lang="en-US" sz="2400" dirty="0">
+                <a:solidFill>
+                  <a:srgbClr val="0033CC"/>
+                </a:solidFill>
+                <a:latin typeface="Consolas" panose="020B0609020204030204" pitchFamily="49" charset="0"/>
+              </a:rPr>
+              <a:t>yield return </a:t>
+            </a:r>
+            <a:r>
+              <a:rPr lang="en-US" sz="2400" dirty="0">
+                <a:latin typeface="Consolas" panose="020B0609020204030204" pitchFamily="49" charset="0"/>
+              </a:rPr>
+              <a:t>1;</a:t>
+            </a:r>
+          </a:p>
+          <a:p>
+            <a:endParaRPr lang="en-US" sz="2400" dirty="0">
+              <a:latin typeface="Consolas" panose="020B0609020204030204" pitchFamily="49" charset="0"/>
+            </a:endParaRPr>
+          </a:p>
+          <a:p>
+            <a:r>
+              <a:rPr lang="en-US" sz="2400" dirty="0">
+                <a:latin typeface="Consolas" panose="020B0609020204030204" pitchFamily="49" charset="0"/>
+              </a:rPr>
+              <a:t> </a:t>
+            </a:r>
+            <a:r>
+              <a:rPr lang="en-US" sz="2400" dirty="0">
+                <a:solidFill>
+                  <a:srgbClr val="0033CC"/>
+                </a:solidFill>
+                <a:latin typeface="Consolas" panose="020B0609020204030204" pitchFamily="49" charset="0"/>
+              </a:rPr>
+              <a:t>await</a:t>
+            </a:r>
+            <a:r>
+              <a:rPr lang="en-US" sz="2400" dirty="0">
+                <a:latin typeface="Consolas" panose="020B0609020204030204" pitchFamily="49" charset="0"/>
+              </a:rPr>
+              <a:t> </a:t>
+            </a:r>
+            <a:r>
+              <a:rPr lang="en-US" sz="2400" dirty="0" err="1">
+                <a:solidFill>
+                  <a:srgbClr val="002060"/>
+                </a:solidFill>
+                <a:latin typeface="Consolas" panose="020B0609020204030204" pitchFamily="49" charset="0"/>
+              </a:rPr>
+              <a:t>Task</a:t>
+            </a:r>
+            <a:r>
+              <a:rPr lang="en-US" sz="2400" dirty="0" err="1">
+                <a:latin typeface="Consolas" panose="020B0609020204030204" pitchFamily="49" charset="0"/>
+              </a:rPr>
+              <a:t>.</a:t>
+            </a:r>
+            <a:r>
+              <a:rPr lang="en-US" sz="2400" dirty="0" err="1">
+                <a:solidFill>
+                  <a:srgbClr val="0070C0"/>
+                </a:solidFill>
+                <a:latin typeface="Consolas" panose="020B0609020204030204" pitchFamily="49" charset="0"/>
+              </a:rPr>
+              <a:t>Run</a:t>
+            </a:r>
+            <a:r>
+              <a:rPr lang="en-US" sz="2400" dirty="0">
+                <a:latin typeface="Consolas" panose="020B0609020204030204" pitchFamily="49" charset="0"/>
+              </a:rPr>
+              <a:t>(1000);</a:t>
+            </a:r>
+          </a:p>
+          <a:p>
+            <a:endParaRPr lang="en-US" sz="2400" dirty="0">
+              <a:latin typeface="Consolas" panose="020B0609020204030204" pitchFamily="49" charset="0"/>
+            </a:endParaRPr>
+          </a:p>
+          <a:p>
+            <a:r>
+              <a:rPr lang="en-US" sz="2400" dirty="0">
+                <a:latin typeface="Consolas" panose="020B0609020204030204" pitchFamily="49" charset="0"/>
+              </a:rPr>
+              <a:t> </a:t>
+            </a:r>
+            <a:r>
+              <a:rPr lang="en-US" sz="2400" dirty="0">
+                <a:solidFill>
+                  <a:srgbClr val="0033CC"/>
+                </a:solidFill>
+                <a:latin typeface="Consolas" panose="020B0609020204030204" pitchFamily="49" charset="0"/>
+              </a:rPr>
+              <a:t>var</a:t>
+            </a:r>
+            <a:r>
+              <a:rPr lang="en-US" sz="2400" dirty="0">
+                <a:latin typeface="Consolas" panose="020B0609020204030204" pitchFamily="49" charset="0"/>
+              </a:rPr>
+              <a:t> squares = </a:t>
+            </a:r>
+            <a:r>
+              <a:rPr lang="en-US" sz="2400" dirty="0">
+                <a:solidFill>
+                  <a:srgbClr val="0033CC"/>
+                </a:solidFill>
+                <a:latin typeface="Consolas" panose="020B0609020204030204" pitchFamily="49" charset="0"/>
+              </a:rPr>
+              <a:t>from</a:t>
+            </a:r>
+            <a:r>
+              <a:rPr lang="en-US" sz="2400" dirty="0">
+                <a:latin typeface="Consolas" panose="020B0609020204030204" pitchFamily="49" charset="0"/>
+              </a:rPr>
+              <a:t> item </a:t>
+            </a:r>
+            <a:r>
+              <a:rPr lang="en-US" sz="2400" dirty="0">
+                <a:solidFill>
+                  <a:srgbClr val="0033CC"/>
+                </a:solidFill>
+                <a:latin typeface="Consolas" panose="020B0609020204030204" pitchFamily="49" charset="0"/>
+              </a:rPr>
+              <a:t>in</a:t>
+            </a:r>
+            <a:r>
+              <a:rPr lang="en-US" sz="2400" dirty="0">
+                <a:latin typeface="Consolas" panose="020B0609020204030204" pitchFamily="49" charset="0"/>
+              </a:rPr>
+              <a:t> items </a:t>
+            </a:r>
+          </a:p>
+          <a:p>
+            <a:pPr marL="2784475" indent="0">
+              <a:buNone/>
+            </a:pPr>
+            <a:r>
+              <a:rPr lang="en-US" sz="2400" dirty="0">
+                <a:solidFill>
+                  <a:srgbClr val="0033CC"/>
+                </a:solidFill>
+                <a:latin typeface="Consolas" panose="020B0609020204030204" pitchFamily="49" charset="0"/>
+              </a:rPr>
+              <a:t>select</a:t>
+            </a:r>
+            <a:r>
+              <a:rPr lang="en-US" sz="2400" dirty="0">
+                <a:latin typeface="Consolas" panose="020B0609020204030204" pitchFamily="49" charset="0"/>
+              </a:rPr>
+              <a:t> item * item;</a:t>
+            </a:r>
+            <a:endParaRPr lang="en-GB" sz="2400" dirty="0">
+              <a:latin typeface="Consolas" panose="020B0609020204030204" pitchFamily="49" charset="0"/>
+            </a:endParaRPr>
+          </a:p>
+        </p:txBody>
+      </p:sp>
+    </p:spTree>
+    <p:extLst>
+      <p:ext uri="{BB962C8B-B14F-4D97-AF65-F5344CB8AC3E}">
+        <p14:creationId xmlns:p14="http://schemas.microsoft.com/office/powerpoint/2010/main" val="581238387"/>
+      </p:ext>
+    </p:extLst>
+  </p:cSld>
+  <p:clrMapOvr>
+    <a:masterClrMapping/>
+  </p:clrMapOvr>
+</p:sld>
+</file>
+
+<file path=ppt/slides/slide16.xml><?xml version="1.0" encoding="utf-8"?>
+<p:sld xmlns:a="http://schemas.openxmlformats.org/drawingml/2006/main" xmlns:r="http://schemas.openxmlformats.org/officeDocument/2006/relationships" xmlns:p="http://schemas.openxmlformats.org/presentationml/2006/main">
+  <p:cSld>
+    <p:spTree>
+      <p:nvGrpSpPr>
+        <p:cNvPr id="1" name=""/>
+        <p:cNvGrpSpPr/>
+        <p:nvPr/>
+      </p:nvGrpSpPr>
+      <p:grpSpPr>
+        <a:xfrm>
+          <a:off x="0" y="0"/>
+          <a:ext cx="0" cy="0"/>
+          <a:chOff x="0" y="0"/>
+          <a:chExt cx="0" cy="0"/>
+        </a:xfrm>
+      </p:grpSpPr>
+      <p:sp>
+        <p:nvSpPr>
+          <p:cNvPr id="2" name="Заголовок 1">
+            <a:extLst>
+              <a:ext uri="{FF2B5EF4-FFF2-40B4-BE49-F238E27FC236}">
+                <a16:creationId xmlns:a16="http://schemas.microsoft.com/office/drawing/2014/main" id="{2B3F1638-4B6F-4129-BB20-9A98D5903152}"/>
+              </a:ext>
+            </a:extLst>
+          </p:cNvPr>
+          <p:cNvSpPr>
+            <a:spLocks noGrp="1"/>
+          </p:cNvSpPr>
+          <p:nvPr>
+            <p:ph type="title"/>
+          </p:nvPr>
+        </p:nvSpPr>
+        <p:spPr/>
+        <p:txBody>
+          <a:bodyPr/>
+          <a:lstStyle/>
+          <a:p>
+            <a:r>
+              <a:rPr lang="en-US" dirty="0"/>
+              <a:t>Computation Expression</a:t>
+            </a:r>
+            <a:r>
+              <a:rPr lang="en-US" dirty="0">
+                <a:solidFill>
+                  <a:schemeClr val="tx1"/>
+                </a:solidFill>
+              </a:rPr>
+              <a:t>: seq</a:t>
+            </a:r>
+            <a:endParaRPr lang="en-GB" dirty="0"/>
+          </a:p>
+        </p:txBody>
+      </p:sp>
+      <p:sp>
+        <p:nvSpPr>
+          <p:cNvPr id="3" name="Объект 2">
+            <a:extLst>
+              <a:ext uri="{FF2B5EF4-FFF2-40B4-BE49-F238E27FC236}">
+                <a16:creationId xmlns:a16="http://schemas.microsoft.com/office/drawing/2014/main" id="{9D2CAF65-5013-45BB-ABE9-F01EBA0D8EDF}"/>
+              </a:ext>
+            </a:extLst>
+          </p:cNvPr>
+          <p:cNvSpPr>
+            <a:spLocks noGrp="1"/>
+          </p:cNvSpPr>
+          <p:nvPr>
+            <p:ph idx="1"/>
+          </p:nvPr>
+        </p:nvSpPr>
+        <p:spPr/>
+        <p:txBody>
+          <a:bodyPr/>
+          <a:lstStyle/>
+          <a:p>
+            <a:pPr marL="0" indent="0">
+              <a:buNone/>
+            </a:pPr>
+            <a:r>
+              <a:rPr lang="en-GB" dirty="0">
+                <a:solidFill>
+                  <a:srgbClr val="0033CC"/>
+                </a:solidFill>
+                <a:latin typeface="Consolas" panose="020B0609020204030204" pitchFamily="49" charset="0"/>
+              </a:rPr>
+              <a:t>let</a:t>
+            </a:r>
+            <a:r>
+              <a:rPr lang="en-GB" dirty="0">
+                <a:latin typeface="Consolas" panose="020B0609020204030204" pitchFamily="49" charset="0"/>
+              </a:rPr>
+              <a:t> f() = </a:t>
+            </a:r>
+            <a:r>
+              <a:rPr lang="en-GB" dirty="0" err="1">
+                <a:solidFill>
+                  <a:srgbClr val="0033CC"/>
+                </a:solidFill>
+                <a:latin typeface="Consolas" panose="020B0609020204030204" pitchFamily="49" charset="0"/>
+              </a:rPr>
+              <a:t>seq</a:t>
+            </a:r>
+            <a:r>
+              <a:rPr lang="en-GB" dirty="0">
+                <a:latin typeface="Consolas" panose="020B0609020204030204" pitchFamily="49" charset="0"/>
+              </a:rPr>
+              <a:t> {</a:t>
+            </a:r>
+          </a:p>
+          <a:p>
+            <a:pPr marL="0" indent="0">
+              <a:buNone/>
+            </a:pPr>
+            <a:r>
+              <a:rPr lang="en-GB" dirty="0">
+                <a:latin typeface="Consolas" panose="020B0609020204030204" pitchFamily="49" charset="0"/>
+              </a:rPr>
+              <a:t>    </a:t>
+            </a:r>
+            <a:r>
+              <a:rPr lang="en-GB" dirty="0">
+                <a:solidFill>
+                  <a:srgbClr val="0033CC"/>
+                </a:solidFill>
+                <a:latin typeface="Consolas" panose="020B0609020204030204" pitchFamily="49" charset="0"/>
+              </a:rPr>
+              <a:t>yield</a:t>
+            </a:r>
+            <a:r>
+              <a:rPr lang="en-GB" dirty="0">
+                <a:latin typeface="Consolas" panose="020B0609020204030204" pitchFamily="49" charset="0"/>
+              </a:rPr>
+              <a:t> 1</a:t>
+            </a:r>
+          </a:p>
+          <a:p>
+            <a:pPr marL="0" indent="0">
+              <a:buNone/>
+            </a:pPr>
+            <a:r>
+              <a:rPr lang="en-GB" dirty="0">
+                <a:latin typeface="Consolas" panose="020B0609020204030204" pitchFamily="49" charset="0"/>
+              </a:rPr>
+              <a:t>    </a:t>
+            </a:r>
+            <a:r>
+              <a:rPr lang="en-GB" dirty="0">
+                <a:solidFill>
+                  <a:srgbClr val="0033CC"/>
+                </a:solidFill>
+                <a:latin typeface="Consolas" panose="020B0609020204030204" pitchFamily="49" charset="0"/>
+              </a:rPr>
+              <a:t>yield</a:t>
+            </a:r>
+            <a:r>
+              <a:rPr lang="en-GB" dirty="0">
+                <a:latin typeface="Consolas" panose="020B0609020204030204" pitchFamily="49" charset="0"/>
+              </a:rPr>
+              <a:t> 2</a:t>
+            </a:r>
+          </a:p>
+          <a:p>
+            <a:pPr marL="0" indent="0">
+              <a:buNone/>
+            </a:pPr>
+            <a:r>
+              <a:rPr lang="en-GB" dirty="0">
+                <a:latin typeface="Consolas" panose="020B0609020204030204" pitchFamily="49" charset="0"/>
+              </a:rPr>
+              <a:t>    </a:t>
+            </a:r>
+            <a:r>
+              <a:rPr lang="en-GB" dirty="0">
+                <a:solidFill>
+                  <a:srgbClr val="0033CC"/>
+                </a:solidFill>
+                <a:latin typeface="Consolas" panose="020B0609020204030204" pitchFamily="49" charset="0"/>
+              </a:rPr>
+              <a:t>yield</a:t>
+            </a:r>
+            <a:r>
+              <a:rPr lang="en-GB" dirty="0">
+                <a:latin typeface="Consolas" panose="020B0609020204030204" pitchFamily="49" charset="0"/>
+              </a:rPr>
+              <a:t> 3</a:t>
+            </a:r>
+          </a:p>
+          <a:p>
+            <a:pPr marL="0" indent="0">
+              <a:buNone/>
+            </a:pPr>
+            <a:r>
+              <a:rPr lang="en-GB" dirty="0">
+                <a:latin typeface="Consolas" panose="020B0609020204030204" pitchFamily="49" charset="0"/>
+              </a:rPr>
+              <a:t>}</a:t>
+            </a:r>
+          </a:p>
+        </p:txBody>
+      </p:sp>
+    </p:spTree>
+    <p:extLst>
+      <p:ext uri="{BB962C8B-B14F-4D97-AF65-F5344CB8AC3E}">
+        <p14:creationId xmlns:p14="http://schemas.microsoft.com/office/powerpoint/2010/main" val="3381606122"/>
+      </p:ext>
+    </p:extLst>
+  </p:cSld>
+  <p:clrMapOvr>
+    <a:masterClrMapping/>
+  </p:clrMapOvr>
+</p:sld>
+</file>
+
+<file path=ppt/slides/slide17.xml><?xml version="1.0" encoding="utf-8"?>
+<p:sld xmlns:a="http://schemas.openxmlformats.org/drawingml/2006/main" xmlns:r="http://schemas.openxmlformats.org/officeDocument/2006/relationships" xmlns:p="http://schemas.openxmlformats.org/presentationml/2006/main">
+  <p:cSld>
+    <p:spTree>
+      <p:nvGrpSpPr>
+        <p:cNvPr id="1" name=""/>
+        <p:cNvGrpSpPr/>
+        <p:nvPr/>
+      </p:nvGrpSpPr>
+      <p:grpSpPr>
+        <a:xfrm>
+          <a:off x="0" y="0"/>
+          <a:ext cx="0" cy="0"/>
+          <a:chOff x="0" y="0"/>
+          <a:chExt cx="0" cy="0"/>
+        </a:xfrm>
+      </p:grpSpPr>
+      <p:sp>
+        <p:nvSpPr>
+          <p:cNvPr id="2" name="Заголовок 1">
+            <a:extLst>
+              <a:ext uri="{FF2B5EF4-FFF2-40B4-BE49-F238E27FC236}">
+                <a16:creationId xmlns:a16="http://schemas.microsoft.com/office/drawing/2014/main" id="{727C5464-07F2-41AE-87A0-223D58869973}"/>
+              </a:ext>
+            </a:extLst>
+          </p:cNvPr>
+          <p:cNvSpPr>
+            <a:spLocks noGrp="1"/>
+          </p:cNvSpPr>
+          <p:nvPr>
+            <p:ph type="title"/>
+          </p:nvPr>
+        </p:nvSpPr>
+        <p:spPr/>
+        <p:txBody>
+          <a:bodyPr/>
+          <a:lstStyle/>
+          <a:p>
+            <a:r>
+              <a:rPr lang="en-US" dirty="0"/>
+              <a:t>Computation Expression</a:t>
+            </a:r>
+            <a:r>
+              <a:rPr lang="en-US" dirty="0">
+                <a:solidFill>
+                  <a:schemeClr val="tx1"/>
+                </a:solidFill>
+              </a:rPr>
+              <a:t>: async</a:t>
+            </a:r>
+            <a:endParaRPr lang="en-GB" dirty="0"/>
+          </a:p>
+        </p:txBody>
+      </p:sp>
+      <p:sp>
+        <p:nvSpPr>
+          <p:cNvPr id="3" name="Объект 2">
+            <a:extLst>
+              <a:ext uri="{FF2B5EF4-FFF2-40B4-BE49-F238E27FC236}">
+                <a16:creationId xmlns:a16="http://schemas.microsoft.com/office/drawing/2014/main" id="{3EEF2A7F-7A09-477C-A3A4-4EB5A37C3FF3}"/>
+              </a:ext>
+            </a:extLst>
+          </p:cNvPr>
+          <p:cNvSpPr>
+            <a:spLocks noGrp="1"/>
+          </p:cNvSpPr>
+          <p:nvPr>
+            <p:ph idx="1"/>
+          </p:nvPr>
+        </p:nvSpPr>
+        <p:spPr/>
+        <p:txBody>
+          <a:bodyPr/>
+          <a:lstStyle/>
+          <a:p>
+            <a:pPr marL="0" indent="0">
+              <a:buNone/>
+            </a:pPr>
+            <a:r>
+              <a:rPr lang="en-US" dirty="0">
+                <a:solidFill>
+                  <a:srgbClr val="0033CC"/>
+                </a:solidFill>
+                <a:latin typeface="Consolas" panose="020B0609020204030204" pitchFamily="49" charset="0"/>
+              </a:rPr>
+              <a:t>let</a:t>
+            </a:r>
+            <a:r>
+              <a:rPr lang="en-US" dirty="0">
+                <a:latin typeface="Consolas" panose="020B0609020204030204" pitchFamily="49" charset="0"/>
+              </a:rPr>
+              <a:t> f() = </a:t>
+            </a:r>
+            <a:r>
+              <a:rPr lang="en-US" dirty="0">
+                <a:solidFill>
+                  <a:srgbClr val="0033CC"/>
+                </a:solidFill>
+                <a:latin typeface="Consolas" panose="020B0609020204030204" pitchFamily="49" charset="0"/>
+              </a:rPr>
+              <a:t>async</a:t>
+            </a:r>
+            <a:r>
+              <a:rPr lang="en-US" dirty="0">
+                <a:latin typeface="Consolas" panose="020B0609020204030204" pitchFamily="49" charset="0"/>
+              </a:rPr>
+              <a:t> {</a:t>
+            </a:r>
+          </a:p>
+          <a:p>
+            <a:pPr marL="0" indent="0">
+              <a:buNone/>
+            </a:pPr>
+            <a:r>
+              <a:rPr lang="en-US" dirty="0">
+                <a:latin typeface="Consolas" panose="020B0609020204030204" pitchFamily="49" charset="0"/>
+              </a:rPr>
+              <a:t>    </a:t>
+            </a:r>
+            <a:r>
+              <a:rPr lang="en-US" dirty="0">
+                <a:solidFill>
+                  <a:srgbClr val="0033CC"/>
+                </a:solidFill>
+                <a:latin typeface="Consolas" panose="020B0609020204030204" pitchFamily="49" charset="0"/>
+              </a:rPr>
+              <a:t>do!</a:t>
+            </a:r>
+            <a:r>
+              <a:rPr lang="en-US" dirty="0">
+                <a:latin typeface="Consolas" panose="020B0609020204030204" pitchFamily="49" charset="0"/>
+              </a:rPr>
+              <a:t> </a:t>
+            </a:r>
+            <a:r>
+              <a:rPr lang="en-US" dirty="0" err="1">
+                <a:solidFill>
+                  <a:srgbClr val="0070C0"/>
+                </a:solidFill>
+                <a:latin typeface="Consolas" panose="020B0609020204030204" pitchFamily="49" charset="0"/>
+              </a:rPr>
+              <a:t>Async</a:t>
+            </a:r>
+            <a:r>
+              <a:rPr lang="en-US" dirty="0" err="1">
+                <a:latin typeface="Consolas" panose="020B0609020204030204" pitchFamily="49" charset="0"/>
+              </a:rPr>
+              <a:t>.Sleep</a:t>
+            </a:r>
+            <a:r>
+              <a:rPr lang="en-US" dirty="0">
+                <a:latin typeface="Consolas" panose="020B0609020204030204" pitchFamily="49" charset="0"/>
+              </a:rPr>
+              <a:t> 1000</a:t>
+            </a:r>
+          </a:p>
+          <a:p>
+            <a:pPr marL="0" indent="0">
+              <a:buNone/>
+            </a:pPr>
+            <a:r>
+              <a:rPr lang="en-US" dirty="0">
+                <a:latin typeface="Consolas" panose="020B0609020204030204" pitchFamily="49" charset="0"/>
+              </a:rPr>
+              <a:t>}</a:t>
+            </a:r>
+            <a:endParaRPr lang="en-GB" dirty="0">
+              <a:latin typeface="Consolas" panose="020B0609020204030204" pitchFamily="49" charset="0"/>
+            </a:endParaRPr>
+          </a:p>
+        </p:txBody>
+      </p:sp>
+    </p:spTree>
+    <p:extLst>
+      <p:ext uri="{BB962C8B-B14F-4D97-AF65-F5344CB8AC3E}">
+        <p14:creationId xmlns:p14="http://schemas.microsoft.com/office/powerpoint/2010/main" val="2694294321"/>
+      </p:ext>
+    </p:extLst>
+  </p:cSld>
+  <p:clrMapOvr>
+    <a:masterClrMapping/>
+  </p:clrMapOvr>
+</p:sld>
+</file>
+
+<file path=ppt/slides/slide18.xml><?xml version="1.0" encoding="utf-8"?>
+<p:sld xmlns:a="http://schemas.openxmlformats.org/drawingml/2006/main" xmlns:r="http://schemas.openxmlformats.org/officeDocument/2006/relationships" xmlns:p="http://schemas.openxmlformats.org/presentationml/2006/main">
+  <p:cSld>
+    <p:spTree>
+      <p:nvGrpSpPr>
+        <p:cNvPr id="1" name=""/>
+        <p:cNvGrpSpPr/>
+        <p:nvPr/>
+      </p:nvGrpSpPr>
+      <p:grpSpPr>
+        <a:xfrm>
+          <a:off x="0" y="0"/>
+          <a:ext cx="0" cy="0"/>
+          <a:chOff x="0" y="0"/>
+          <a:chExt cx="0" cy="0"/>
+        </a:xfrm>
+      </p:grpSpPr>
+      <p:sp>
+        <p:nvSpPr>
+          <p:cNvPr id="2" name="Заголовок 1">
+            <a:extLst>
+              <a:ext uri="{FF2B5EF4-FFF2-40B4-BE49-F238E27FC236}">
+                <a16:creationId xmlns:a16="http://schemas.microsoft.com/office/drawing/2014/main" id="{1E72314B-519E-4720-86BA-698C64557C1B}"/>
+              </a:ext>
+            </a:extLst>
+          </p:cNvPr>
+          <p:cNvSpPr>
+            <a:spLocks noGrp="1"/>
+          </p:cNvSpPr>
+          <p:nvPr>
+            <p:ph type="title"/>
+          </p:nvPr>
+        </p:nvSpPr>
+        <p:spPr/>
+        <p:txBody>
+          <a:bodyPr/>
+          <a:lstStyle/>
+          <a:p>
+            <a:r>
+              <a:rPr lang="en-US" dirty="0"/>
+              <a:t>Computation Expression</a:t>
+            </a:r>
+            <a:r>
+              <a:rPr lang="en-US" dirty="0">
+                <a:solidFill>
+                  <a:schemeClr val="tx1"/>
+                </a:solidFill>
+              </a:rPr>
+              <a:t>: async</a:t>
+            </a:r>
+            <a:endParaRPr lang="en-GB" dirty="0">
+              <a:solidFill>
+                <a:schemeClr val="tx1"/>
+              </a:solidFill>
+            </a:endParaRPr>
+          </a:p>
+        </p:txBody>
+      </p:sp>
+      <p:sp>
+        <p:nvSpPr>
+          <p:cNvPr id="3" name="Объект 2">
+            <a:extLst>
+              <a:ext uri="{FF2B5EF4-FFF2-40B4-BE49-F238E27FC236}">
+                <a16:creationId xmlns:a16="http://schemas.microsoft.com/office/drawing/2014/main" id="{748766FC-2550-4710-9425-59D7E56EECF8}"/>
+              </a:ext>
+            </a:extLst>
+          </p:cNvPr>
+          <p:cNvSpPr>
+            <a:spLocks noGrp="1"/>
+          </p:cNvSpPr>
+          <p:nvPr>
+            <p:ph idx="1"/>
+          </p:nvPr>
+        </p:nvSpPr>
+        <p:spPr/>
+        <p:txBody>
+          <a:bodyPr>
+            <a:normAutofit/>
+          </a:bodyPr>
+          <a:lstStyle/>
+          <a:p>
+            <a:pPr marL="0" indent="0">
+              <a:buNone/>
+            </a:pPr>
+            <a:r>
+              <a:rPr lang="en-GB" sz="2400" dirty="0">
+                <a:solidFill>
+                  <a:srgbClr val="0033CC"/>
+                </a:solidFill>
+                <a:latin typeface="Consolas" panose="020B0609020204030204" pitchFamily="49" charset="0"/>
+              </a:rPr>
+              <a:t>let</a:t>
+            </a:r>
+            <a:r>
+              <a:rPr lang="en-GB" sz="2400" dirty="0">
+                <a:latin typeface="Consolas" panose="020B0609020204030204" pitchFamily="49" charset="0"/>
+              </a:rPr>
+              <a:t> </a:t>
+            </a:r>
+            <a:r>
+              <a:rPr lang="en-GB" sz="2400" dirty="0" err="1">
+                <a:latin typeface="Consolas" panose="020B0609020204030204" pitchFamily="49" charset="0"/>
+              </a:rPr>
+              <a:t>fetchUrlAsync</a:t>
+            </a:r>
+            <a:r>
+              <a:rPr lang="en-GB" sz="2400" dirty="0">
+                <a:latin typeface="Consolas" panose="020B0609020204030204" pitchFamily="49" charset="0"/>
+              </a:rPr>
+              <a:t> </a:t>
+            </a:r>
+            <a:r>
+              <a:rPr lang="en-GB" sz="2400" dirty="0" err="1">
+                <a:latin typeface="Consolas" panose="020B0609020204030204" pitchFamily="49" charset="0"/>
+              </a:rPr>
+              <a:t>url</a:t>
+            </a:r>
+            <a:r>
+              <a:rPr lang="en-GB" sz="2400" dirty="0">
+                <a:latin typeface="Consolas" panose="020B0609020204030204" pitchFamily="49" charset="0"/>
+              </a:rPr>
+              <a:t> = </a:t>
+            </a:r>
+            <a:r>
+              <a:rPr lang="en-GB" sz="2400" dirty="0">
+                <a:solidFill>
+                  <a:srgbClr val="0033CC"/>
+                </a:solidFill>
+                <a:latin typeface="Consolas" panose="020B0609020204030204" pitchFamily="49" charset="0"/>
+              </a:rPr>
+              <a:t>async</a:t>
+            </a:r>
+            <a:r>
+              <a:rPr lang="en-GB" sz="2400" dirty="0">
+                <a:latin typeface="Consolas" panose="020B0609020204030204" pitchFamily="49" charset="0"/>
+              </a:rPr>
+              <a:t> {                             </a:t>
+            </a:r>
+          </a:p>
+          <a:p>
+            <a:pPr marL="0" indent="0">
+              <a:buNone/>
+            </a:pPr>
+            <a:r>
+              <a:rPr lang="en-GB" sz="2400" dirty="0">
+                <a:latin typeface="Consolas" panose="020B0609020204030204" pitchFamily="49" charset="0"/>
+              </a:rPr>
+              <a:t>    </a:t>
+            </a:r>
+            <a:r>
+              <a:rPr lang="en-GB" sz="2400" dirty="0">
+                <a:solidFill>
+                  <a:srgbClr val="0033CC"/>
+                </a:solidFill>
+                <a:latin typeface="Consolas" panose="020B0609020204030204" pitchFamily="49" charset="0"/>
+              </a:rPr>
+              <a:t>let</a:t>
+            </a:r>
+            <a:r>
+              <a:rPr lang="en-GB" sz="2400" dirty="0">
+                <a:latin typeface="Consolas" panose="020B0609020204030204" pitchFamily="49" charset="0"/>
+              </a:rPr>
+              <a:t> </a:t>
+            </a:r>
+            <a:r>
+              <a:rPr lang="en-GB" sz="2400" dirty="0" err="1">
+                <a:latin typeface="Consolas" panose="020B0609020204030204" pitchFamily="49" charset="0"/>
+              </a:rPr>
+              <a:t>req</a:t>
+            </a:r>
+            <a:r>
+              <a:rPr lang="en-GB" sz="2400" dirty="0">
+                <a:latin typeface="Consolas" panose="020B0609020204030204" pitchFamily="49" charset="0"/>
+              </a:rPr>
+              <a:t> = </a:t>
+            </a:r>
+            <a:r>
+              <a:rPr lang="en-GB" sz="2400" dirty="0" err="1">
+                <a:solidFill>
+                  <a:srgbClr val="0070C0"/>
+                </a:solidFill>
+                <a:latin typeface="Consolas" panose="020B0609020204030204" pitchFamily="49" charset="0"/>
+              </a:rPr>
+              <a:t>WebRequest</a:t>
+            </a:r>
+            <a:r>
+              <a:rPr lang="en-GB" sz="2400" dirty="0" err="1">
+                <a:latin typeface="Consolas" panose="020B0609020204030204" pitchFamily="49" charset="0"/>
+              </a:rPr>
+              <a:t>.Create</a:t>
+            </a:r>
+            <a:r>
+              <a:rPr lang="en-GB" sz="2400" dirty="0">
+                <a:latin typeface="Consolas" panose="020B0609020204030204" pitchFamily="49" charset="0"/>
+              </a:rPr>
+              <a:t>(</a:t>
+            </a:r>
+            <a:r>
+              <a:rPr lang="en-GB" sz="2400" dirty="0">
+                <a:solidFill>
+                  <a:srgbClr val="0070C0"/>
+                </a:solidFill>
+                <a:latin typeface="Consolas" panose="020B0609020204030204" pitchFamily="49" charset="0"/>
+              </a:rPr>
+              <a:t>Uri</a:t>
+            </a:r>
+            <a:r>
+              <a:rPr lang="en-GB" sz="2400" dirty="0">
+                <a:latin typeface="Consolas" panose="020B0609020204030204" pitchFamily="49" charset="0"/>
+              </a:rPr>
+              <a:t>(</a:t>
+            </a:r>
+            <a:r>
+              <a:rPr lang="en-GB" sz="2400" dirty="0" err="1">
+                <a:latin typeface="Consolas" panose="020B0609020204030204" pitchFamily="49" charset="0"/>
+              </a:rPr>
+              <a:t>url</a:t>
+            </a:r>
+            <a:r>
+              <a:rPr lang="en-GB" sz="2400" dirty="0">
+                <a:latin typeface="Consolas" panose="020B0609020204030204" pitchFamily="49" charset="0"/>
+              </a:rPr>
+              <a:t>)) </a:t>
+            </a:r>
+          </a:p>
+          <a:p>
+            <a:pPr marL="0" indent="0">
+              <a:buNone/>
+            </a:pPr>
+            <a:r>
+              <a:rPr lang="en-GB" sz="2400" dirty="0">
+                <a:latin typeface="Consolas" panose="020B0609020204030204" pitchFamily="49" charset="0"/>
+              </a:rPr>
+              <a:t>    </a:t>
+            </a:r>
+            <a:r>
+              <a:rPr lang="en-GB" sz="2400" dirty="0">
+                <a:solidFill>
+                  <a:srgbClr val="0033CC"/>
+                </a:solidFill>
+                <a:latin typeface="Consolas" panose="020B0609020204030204" pitchFamily="49" charset="0"/>
+              </a:rPr>
+              <a:t>use! </a:t>
+            </a:r>
+            <a:r>
+              <a:rPr lang="en-GB" sz="2400" dirty="0" err="1">
+                <a:latin typeface="Consolas" panose="020B0609020204030204" pitchFamily="49" charset="0"/>
+              </a:rPr>
+              <a:t>resp</a:t>
+            </a:r>
+            <a:r>
+              <a:rPr lang="en-GB" sz="2400" dirty="0">
+                <a:latin typeface="Consolas" panose="020B0609020204030204" pitchFamily="49" charset="0"/>
+              </a:rPr>
+              <a:t> = </a:t>
+            </a:r>
+            <a:r>
+              <a:rPr lang="en-GB" sz="2400" dirty="0" err="1">
+                <a:latin typeface="Consolas" panose="020B0609020204030204" pitchFamily="49" charset="0"/>
+              </a:rPr>
+              <a:t>req.AsyncGetResponse</a:t>
+            </a:r>
+            <a:r>
+              <a:rPr lang="en-GB" sz="2400" dirty="0">
+                <a:latin typeface="Consolas" panose="020B0609020204030204" pitchFamily="49" charset="0"/>
+              </a:rPr>
+              <a:t>()</a:t>
+            </a:r>
+          </a:p>
+          <a:p>
+            <a:pPr marL="0" indent="0">
+              <a:buNone/>
+            </a:pPr>
+            <a:r>
+              <a:rPr lang="en-GB" sz="2400" dirty="0">
+                <a:latin typeface="Consolas" panose="020B0609020204030204" pitchFamily="49" charset="0"/>
+              </a:rPr>
+              <a:t>    </a:t>
+            </a:r>
+            <a:r>
+              <a:rPr lang="en-GB" sz="2400" dirty="0">
+                <a:solidFill>
+                  <a:srgbClr val="0033CC"/>
+                </a:solidFill>
+                <a:latin typeface="Consolas" panose="020B0609020204030204" pitchFamily="49" charset="0"/>
+              </a:rPr>
+              <a:t>use</a:t>
+            </a:r>
+            <a:r>
+              <a:rPr lang="en-GB" sz="2400" dirty="0">
+                <a:latin typeface="Consolas" panose="020B0609020204030204" pitchFamily="49" charset="0"/>
+              </a:rPr>
+              <a:t> stream = </a:t>
+            </a:r>
+            <a:r>
+              <a:rPr lang="en-GB" sz="2400" dirty="0" err="1">
+                <a:latin typeface="Consolas" panose="020B0609020204030204" pitchFamily="49" charset="0"/>
+              </a:rPr>
+              <a:t>resp.GetResponseStream</a:t>
+            </a:r>
+            <a:r>
+              <a:rPr lang="en-GB" sz="2400" dirty="0">
+                <a:latin typeface="Consolas" panose="020B0609020204030204" pitchFamily="49" charset="0"/>
+              </a:rPr>
+              <a:t>() </a:t>
+            </a:r>
+          </a:p>
+          <a:p>
+            <a:pPr marL="0" indent="0">
+              <a:buNone/>
+            </a:pPr>
+            <a:r>
+              <a:rPr lang="en-GB" sz="2400" dirty="0">
+                <a:latin typeface="Consolas" panose="020B0609020204030204" pitchFamily="49" charset="0"/>
+              </a:rPr>
+              <a:t>    </a:t>
+            </a:r>
+            <a:r>
+              <a:rPr lang="en-GB" sz="2400" dirty="0">
+                <a:solidFill>
+                  <a:srgbClr val="0033CC"/>
+                </a:solidFill>
+                <a:latin typeface="Consolas" panose="020B0609020204030204" pitchFamily="49" charset="0"/>
+              </a:rPr>
+              <a:t>use</a:t>
+            </a:r>
+            <a:r>
+              <a:rPr lang="en-GB" sz="2400" dirty="0">
+                <a:latin typeface="Consolas" panose="020B0609020204030204" pitchFamily="49" charset="0"/>
+              </a:rPr>
+              <a:t> reader = </a:t>
+            </a:r>
+            <a:r>
+              <a:rPr lang="en-GB" sz="2400" dirty="0">
+                <a:solidFill>
+                  <a:srgbClr val="0033CC"/>
+                </a:solidFill>
+                <a:latin typeface="Consolas" panose="020B0609020204030204" pitchFamily="49" charset="0"/>
+              </a:rPr>
+              <a:t>new</a:t>
+            </a:r>
+            <a:r>
+              <a:rPr lang="en-GB" sz="2400" dirty="0">
+                <a:latin typeface="Consolas" panose="020B0609020204030204" pitchFamily="49" charset="0"/>
+              </a:rPr>
+              <a:t> </a:t>
+            </a:r>
+            <a:r>
+              <a:rPr lang="en-GB" sz="2400" dirty="0" err="1">
+                <a:latin typeface="Consolas" panose="020B0609020204030204" pitchFamily="49" charset="0"/>
+              </a:rPr>
+              <a:t>IO.</a:t>
+            </a:r>
+            <a:r>
+              <a:rPr lang="en-GB" sz="2400" dirty="0" err="1">
+                <a:solidFill>
+                  <a:srgbClr val="0070C0"/>
+                </a:solidFill>
+                <a:latin typeface="Consolas" panose="020B0609020204030204" pitchFamily="49" charset="0"/>
+              </a:rPr>
+              <a:t>StreamReader</a:t>
+            </a:r>
+            <a:r>
+              <a:rPr lang="en-GB" sz="2400" dirty="0">
+                <a:latin typeface="Consolas" panose="020B0609020204030204" pitchFamily="49" charset="0"/>
+              </a:rPr>
+              <a:t>(stream) </a:t>
+            </a:r>
+          </a:p>
+          <a:p>
+            <a:pPr marL="0" indent="0">
+              <a:buNone/>
+            </a:pPr>
+            <a:r>
+              <a:rPr lang="en-GB" sz="2400" dirty="0">
+                <a:latin typeface="Consolas" panose="020B0609020204030204" pitchFamily="49" charset="0"/>
+              </a:rPr>
+              <a:t>    </a:t>
+            </a:r>
+            <a:r>
+              <a:rPr lang="en-GB" sz="2400" dirty="0">
+                <a:solidFill>
+                  <a:srgbClr val="0033CC"/>
+                </a:solidFill>
+                <a:latin typeface="Consolas" panose="020B0609020204030204" pitchFamily="49" charset="0"/>
+              </a:rPr>
+              <a:t>let!</a:t>
+            </a:r>
+            <a:r>
+              <a:rPr lang="en-GB" sz="2400" dirty="0">
+                <a:latin typeface="Consolas" panose="020B0609020204030204" pitchFamily="49" charset="0"/>
+              </a:rPr>
+              <a:t> html = </a:t>
+            </a:r>
+            <a:r>
+              <a:rPr lang="en-GB" sz="2400" dirty="0" err="1">
+                <a:latin typeface="Consolas" panose="020B0609020204030204" pitchFamily="49" charset="0"/>
+              </a:rPr>
+              <a:t>reader.ReadToEndAsync</a:t>
+            </a:r>
+            <a:r>
+              <a:rPr lang="en-GB" sz="2400" dirty="0">
+                <a:latin typeface="Consolas" panose="020B0609020204030204" pitchFamily="49" charset="0"/>
+              </a:rPr>
+              <a:t>() |&gt; </a:t>
+            </a:r>
+            <a:r>
+              <a:rPr lang="en-GB" sz="2400" dirty="0" err="1">
+                <a:solidFill>
+                  <a:srgbClr val="0070C0"/>
+                </a:solidFill>
+                <a:latin typeface="Consolas" panose="020B0609020204030204" pitchFamily="49" charset="0"/>
+              </a:rPr>
+              <a:t>Async</a:t>
+            </a:r>
+            <a:r>
+              <a:rPr lang="en-GB" sz="2400" dirty="0" err="1">
+                <a:latin typeface="Consolas" panose="020B0609020204030204" pitchFamily="49" charset="0"/>
+              </a:rPr>
+              <a:t>.AwaitTask</a:t>
+            </a:r>
+            <a:endParaRPr lang="ru-RU" sz="2400" dirty="0">
+              <a:latin typeface="Consolas" panose="020B0609020204030204" pitchFamily="49" charset="0"/>
+            </a:endParaRPr>
+          </a:p>
+          <a:p>
+            <a:pPr marL="0" indent="0">
+              <a:buNone/>
+            </a:pPr>
+            <a:r>
+              <a:rPr lang="en-GB" sz="2400" dirty="0">
+                <a:latin typeface="Consolas" panose="020B0609020204030204" pitchFamily="49" charset="0"/>
+              </a:rPr>
+              <a:t>    </a:t>
+            </a:r>
+            <a:r>
+              <a:rPr lang="en-GB" sz="2400" dirty="0" err="1">
+                <a:latin typeface="Consolas" panose="020B0609020204030204" pitchFamily="49" charset="0"/>
+              </a:rPr>
+              <a:t>printfn</a:t>
+            </a:r>
+            <a:r>
+              <a:rPr lang="en-GB" sz="2400" dirty="0">
+                <a:latin typeface="Consolas" panose="020B0609020204030204" pitchFamily="49" charset="0"/>
+              </a:rPr>
+              <a:t> </a:t>
+            </a:r>
+            <a:r>
+              <a:rPr lang="en-GB" sz="2400" dirty="0">
+                <a:solidFill>
+                  <a:srgbClr val="C00000"/>
+                </a:solidFill>
+                <a:latin typeface="Consolas" panose="020B0609020204030204" pitchFamily="49" charset="0"/>
+              </a:rPr>
+              <a:t>"finished downloading </a:t>
+            </a:r>
+            <a:r>
+              <a:rPr lang="en-GB" sz="2400" dirty="0">
+                <a:solidFill>
+                  <a:srgbClr val="0070C0"/>
+                </a:solidFill>
+                <a:latin typeface="Consolas" panose="020B0609020204030204" pitchFamily="49" charset="0"/>
+              </a:rPr>
+              <a:t>%s</a:t>
+            </a:r>
+            <a:r>
+              <a:rPr lang="en-GB" sz="2400" dirty="0">
+                <a:solidFill>
+                  <a:srgbClr val="C00000"/>
+                </a:solidFill>
+                <a:latin typeface="Consolas" panose="020B0609020204030204" pitchFamily="49" charset="0"/>
+              </a:rPr>
+              <a:t>"</a:t>
+            </a:r>
+            <a:r>
+              <a:rPr lang="en-GB" sz="2400" dirty="0">
+                <a:latin typeface="Consolas" panose="020B0609020204030204" pitchFamily="49" charset="0"/>
+              </a:rPr>
+              <a:t> </a:t>
+            </a:r>
+            <a:r>
+              <a:rPr lang="en-GB" sz="2400" dirty="0" err="1">
+                <a:latin typeface="Consolas" panose="020B0609020204030204" pitchFamily="49" charset="0"/>
+              </a:rPr>
+              <a:t>url</a:t>
+            </a:r>
+            <a:r>
+              <a:rPr lang="en-GB" sz="2400" dirty="0">
+                <a:latin typeface="Consolas" panose="020B0609020204030204" pitchFamily="49" charset="0"/>
+              </a:rPr>
+              <a:t> </a:t>
+            </a:r>
+          </a:p>
+          <a:p>
+            <a:pPr marL="0" indent="0">
+              <a:buNone/>
+            </a:pPr>
+            <a:r>
+              <a:rPr lang="en-GB" sz="2400" dirty="0">
+                <a:latin typeface="Consolas" panose="020B0609020204030204" pitchFamily="49" charset="0"/>
+              </a:rPr>
+              <a:t>    </a:t>
+            </a:r>
+            <a:r>
+              <a:rPr lang="en-GB" sz="2400" dirty="0">
+                <a:solidFill>
+                  <a:srgbClr val="0033CC"/>
+                </a:solidFill>
+                <a:latin typeface="Consolas" panose="020B0609020204030204" pitchFamily="49" charset="0"/>
+              </a:rPr>
+              <a:t>return</a:t>
+            </a:r>
+            <a:r>
+              <a:rPr lang="en-GB" sz="2400" dirty="0">
+                <a:latin typeface="Consolas" panose="020B0609020204030204" pitchFamily="49" charset="0"/>
+              </a:rPr>
+              <a:t> html</a:t>
+            </a:r>
+          </a:p>
+          <a:p>
+            <a:pPr marL="0" indent="0">
+              <a:buNone/>
+            </a:pPr>
+            <a:r>
+              <a:rPr lang="en-GB" sz="2400" dirty="0">
+                <a:latin typeface="Consolas" panose="020B0609020204030204" pitchFamily="49" charset="0"/>
+              </a:rPr>
+              <a:t>}</a:t>
+            </a:r>
+          </a:p>
+        </p:txBody>
+      </p:sp>
+    </p:spTree>
+    <p:extLst>
+      <p:ext uri="{BB962C8B-B14F-4D97-AF65-F5344CB8AC3E}">
+        <p14:creationId xmlns:p14="http://schemas.microsoft.com/office/powerpoint/2010/main" val="1074559417"/>
+      </p:ext>
+    </p:extLst>
+  </p:cSld>
+  <p:clrMapOvr>
+    <a:masterClrMapping/>
+  </p:clrMapOvr>
+</p:sld>
+</file>
+
+<file path=ppt/slides/slide19.xml><?xml version="1.0" encoding="utf-8"?>
+<p:sld xmlns:a="http://schemas.openxmlformats.org/drawingml/2006/main" xmlns:r="http://schemas.openxmlformats.org/officeDocument/2006/relationships" xmlns:p="http://schemas.openxmlformats.org/presentationml/2006/main">
+  <p:cSld>
+    <p:spTree>
+      <p:nvGrpSpPr>
+        <p:cNvPr id="1" name=""/>
+        <p:cNvGrpSpPr/>
+        <p:nvPr/>
+      </p:nvGrpSpPr>
+      <p:grpSpPr>
+        <a:xfrm>
+          <a:off x="0" y="0"/>
+          <a:ext cx="0" cy="0"/>
+          <a:chOff x="0" y="0"/>
+          <a:chExt cx="0" cy="0"/>
+        </a:xfrm>
+      </p:grpSpPr>
+      <p:sp>
+        <p:nvSpPr>
+          <p:cNvPr id="2" name="Заголовок 1">
+            <a:extLst>
+              <a:ext uri="{FF2B5EF4-FFF2-40B4-BE49-F238E27FC236}">
+                <a16:creationId xmlns:a16="http://schemas.microsoft.com/office/drawing/2014/main" id="{BAF18736-18A6-4975-A2E4-0938D129E125}"/>
+              </a:ext>
+            </a:extLst>
+          </p:cNvPr>
+          <p:cNvSpPr>
+            <a:spLocks noGrp="1"/>
+          </p:cNvSpPr>
+          <p:nvPr>
+            <p:ph type="title"/>
+          </p:nvPr>
+        </p:nvSpPr>
+        <p:spPr/>
+        <p:txBody>
+          <a:bodyPr/>
+          <a:lstStyle/>
+          <a:p>
+            <a:r>
+              <a:rPr lang="en-US" dirty="0"/>
+              <a:t>Computation Expression</a:t>
+            </a:r>
+            <a:r>
+              <a:rPr lang="en-US" dirty="0">
+                <a:solidFill>
+                  <a:schemeClr val="tx1"/>
+                </a:solidFill>
+              </a:rPr>
+              <a:t>: query</a:t>
+            </a:r>
+            <a:endParaRPr lang="en-GB" dirty="0"/>
+          </a:p>
+        </p:txBody>
+      </p:sp>
+      <p:sp>
+        <p:nvSpPr>
+          <p:cNvPr id="3" name="Объект 2">
+            <a:extLst>
+              <a:ext uri="{FF2B5EF4-FFF2-40B4-BE49-F238E27FC236}">
+                <a16:creationId xmlns:a16="http://schemas.microsoft.com/office/drawing/2014/main" id="{20BB6064-9452-462D-A149-C3C32E4A268F}"/>
+              </a:ext>
+            </a:extLst>
+          </p:cNvPr>
+          <p:cNvSpPr>
+            <a:spLocks noGrp="1"/>
+          </p:cNvSpPr>
+          <p:nvPr>
+            <p:ph idx="1"/>
+          </p:nvPr>
+        </p:nvSpPr>
+        <p:spPr/>
+        <p:txBody>
+          <a:bodyPr/>
+          <a:lstStyle/>
+          <a:p>
+            <a:pPr marL="0" indent="0">
+              <a:buNone/>
+            </a:pPr>
+            <a:r>
+              <a:rPr lang="en-GB" dirty="0">
+                <a:solidFill>
+                  <a:srgbClr val="0033CC"/>
+                </a:solidFill>
+                <a:latin typeface="Consolas" panose="020B0609020204030204" pitchFamily="49" charset="0"/>
+              </a:rPr>
+              <a:t>let</a:t>
+            </a:r>
+            <a:r>
+              <a:rPr lang="en-GB" dirty="0">
+                <a:latin typeface="Consolas" panose="020B0609020204030204" pitchFamily="49" charset="0"/>
+              </a:rPr>
+              <a:t> items = [1;2;3]</a:t>
+            </a:r>
+          </a:p>
+          <a:p>
+            <a:pPr marL="0" indent="0">
+              <a:buNone/>
+            </a:pPr>
+            <a:endParaRPr lang="en-GB" dirty="0">
+              <a:latin typeface="Consolas" panose="020B0609020204030204" pitchFamily="49" charset="0"/>
+            </a:endParaRPr>
+          </a:p>
+          <a:p>
+            <a:pPr marL="0" indent="0">
+              <a:buNone/>
+            </a:pPr>
+            <a:r>
+              <a:rPr lang="en-GB" dirty="0">
+                <a:solidFill>
+                  <a:srgbClr val="0033CC"/>
+                </a:solidFill>
+                <a:latin typeface="Consolas" panose="020B0609020204030204" pitchFamily="49" charset="0"/>
+              </a:rPr>
+              <a:t>let</a:t>
+            </a:r>
+            <a:r>
+              <a:rPr lang="en-GB" dirty="0">
+                <a:latin typeface="Consolas" panose="020B0609020204030204" pitchFamily="49" charset="0"/>
+              </a:rPr>
+              <a:t> squares = </a:t>
+            </a:r>
+            <a:r>
+              <a:rPr lang="en-GB" dirty="0">
+                <a:solidFill>
+                  <a:srgbClr val="0033CC"/>
+                </a:solidFill>
+                <a:latin typeface="Consolas" panose="020B0609020204030204" pitchFamily="49" charset="0"/>
+              </a:rPr>
+              <a:t>query</a:t>
+            </a:r>
+            <a:r>
+              <a:rPr lang="en-GB" dirty="0">
+                <a:latin typeface="Consolas" panose="020B0609020204030204" pitchFamily="49" charset="0"/>
+              </a:rPr>
+              <a:t> {</a:t>
+            </a:r>
+          </a:p>
+          <a:p>
+            <a:pPr marL="0" indent="0">
+              <a:buNone/>
+            </a:pPr>
+            <a:r>
+              <a:rPr lang="en-GB" dirty="0">
+                <a:latin typeface="Consolas" panose="020B0609020204030204" pitchFamily="49" charset="0"/>
+              </a:rPr>
+              <a:t>    </a:t>
+            </a:r>
+            <a:r>
+              <a:rPr lang="en-GB" dirty="0">
+                <a:solidFill>
+                  <a:srgbClr val="0033CC"/>
+                </a:solidFill>
+                <a:latin typeface="Consolas" panose="020B0609020204030204" pitchFamily="49" charset="0"/>
+              </a:rPr>
+              <a:t>for</a:t>
+            </a:r>
+            <a:r>
+              <a:rPr lang="en-GB" dirty="0">
+                <a:latin typeface="Consolas" panose="020B0609020204030204" pitchFamily="49" charset="0"/>
+              </a:rPr>
+              <a:t> item </a:t>
+            </a:r>
+            <a:r>
+              <a:rPr lang="en-GB" dirty="0">
+                <a:solidFill>
+                  <a:srgbClr val="0033CC"/>
+                </a:solidFill>
+                <a:latin typeface="Consolas" panose="020B0609020204030204" pitchFamily="49" charset="0"/>
+              </a:rPr>
+              <a:t>in</a:t>
+            </a:r>
+            <a:r>
+              <a:rPr lang="en-GB" dirty="0">
+                <a:latin typeface="Consolas" panose="020B0609020204030204" pitchFamily="49" charset="0"/>
+              </a:rPr>
+              <a:t> items </a:t>
+            </a:r>
+            <a:r>
+              <a:rPr lang="en-GB" dirty="0">
+                <a:solidFill>
+                  <a:srgbClr val="0033CC"/>
+                </a:solidFill>
+                <a:latin typeface="Consolas" panose="020B0609020204030204" pitchFamily="49" charset="0"/>
+              </a:rPr>
+              <a:t>do</a:t>
+            </a:r>
+          </a:p>
+          <a:p>
+            <a:pPr marL="0" indent="0">
+              <a:buNone/>
+            </a:pPr>
+            <a:r>
+              <a:rPr lang="en-GB" dirty="0">
+                <a:latin typeface="Consolas" panose="020B0609020204030204" pitchFamily="49" charset="0"/>
+              </a:rPr>
+              <a:t>    </a:t>
+            </a:r>
+            <a:r>
+              <a:rPr lang="en-GB" dirty="0">
+                <a:solidFill>
+                  <a:srgbClr val="0033CC"/>
+                </a:solidFill>
+                <a:latin typeface="Consolas" panose="020B0609020204030204" pitchFamily="49" charset="0"/>
+              </a:rPr>
+              <a:t>select</a:t>
+            </a:r>
+            <a:r>
+              <a:rPr lang="en-GB" dirty="0">
+                <a:latin typeface="Consolas" panose="020B0609020204030204" pitchFamily="49" charset="0"/>
+              </a:rPr>
+              <a:t> (item * item)</a:t>
+            </a:r>
+          </a:p>
+          <a:p>
+            <a:pPr marL="0" indent="0">
+              <a:buNone/>
+            </a:pPr>
+            <a:r>
+              <a:rPr lang="en-GB" dirty="0">
+                <a:latin typeface="Consolas" panose="020B0609020204030204" pitchFamily="49" charset="0"/>
+              </a:rPr>
+              <a:t>}</a:t>
+            </a:r>
+          </a:p>
+        </p:txBody>
+      </p:sp>
+    </p:spTree>
+    <p:extLst>
+      <p:ext uri="{BB962C8B-B14F-4D97-AF65-F5344CB8AC3E}">
+        <p14:creationId xmlns:p14="http://schemas.microsoft.com/office/powerpoint/2010/main" val="535541325"/>
+      </p:ext>
+    </p:extLst>
+  </p:cSld>
+  <p:clrMapOvr>
+    <a:masterClrMapping/>
+  </p:clrMapOvr>
+</p:sld>
+</file>
+
 <file path=ppt/slides/slide2.xml><?xml version="1.0" encoding="utf-8"?>
 <p:sld xmlns:a="http://schemas.openxmlformats.org/drawingml/2006/main" xmlns:r="http://schemas.openxmlformats.org/officeDocument/2006/relationships" xmlns:p="http://schemas.openxmlformats.org/presentationml/2006/main">
   <p:cSld>
@@ -14001,7 +16986,94 @@
           <p:cNvPr id="2" name="Заголовок 1">
             <a:extLst>
               <a:ext uri="{FF2B5EF4-FFF2-40B4-BE49-F238E27FC236}">
-                <a16:creationId xmlns:a16="http://schemas.microsoft.com/office/drawing/2014/main" id="{CC5EB5A3-5B6E-4AA4-BB4A-3E7B7A9F13BF}"/>
+                <a16:creationId xmlns:a16="http://schemas.microsoft.com/office/drawing/2014/main" id="{7C099CBD-02F3-4D2B-8323-6558B2490916}"/>
+              </a:ext>
+            </a:extLst>
+          </p:cNvPr>
+          <p:cNvSpPr>
+            <a:spLocks noGrp="1"/>
+          </p:cNvSpPr>
+          <p:nvPr>
+            <p:ph type="ctrTitle"/>
+          </p:nvPr>
+        </p:nvSpPr>
+        <p:spPr/>
+        <p:txBody>
+          <a:bodyPr/>
+          <a:lstStyle/>
+          <a:p>
+            <a:r>
+              <a:rPr lang="en-GB" dirty="0"/>
+              <a:t>Demo</a:t>
+            </a:r>
+          </a:p>
+        </p:txBody>
+      </p:sp>
+      <p:sp>
+        <p:nvSpPr>
+          <p:cNvPr id="3" name="Подзаголовок 2">
+            <a:extLst>
+              <a:ext uri="{FF2B5EF4-FFF2-40B4-BE49-F238E27FC236}">
+                <a16:creationId xmlns:a16="http://schemas.microsoft.com/office/drawing/2014/main" id="{A0E703C0-9403-4FF6-807F-4286147DE6B5}"/>
+              </a:ext>
+            </a:extLst>
+          </p:cNvPr>
+          <p:cNvSpPr>
+            <a:spLocks noGrp="1"/>
+          </p:cNvSpPr>
+          <p:nvPr>
+            <p:ph type="subTitle" idx="1"/>
+          </p:nvPr>
+        </p:nvSpPr>
+        <p:spPr/>
+        <p:txBody>
+          <a:bodyPr/>
+          <a:lstStyle/>
+          <a:p>
+            <a:r>
+              <a:rPr lang="en-US" dirty="0"/>
+              <a:t>Type Provider</a:t>
+            </a:r>
+            <a:endParaRPr lang="en-GB" dirty="0"/>
+          </a:p>
+        </p:txBody>
+      </p:sp>
+    </p:spTree>
+    <p:extLst>
+      <p:ext uri="{BB962C8B-B14F-4D97-AF65-F5344CB8AC3E}">
+        <p14:creationId xmlns:p14="http://schemas.microsoft.com/office/powerpoint/2010/main" val="1823388050"/>
+      </p:ext>
+    </p:extLst>
+  </p:cSld>
+  <p:clrMapOvr>
+    <a:masterClrMapping/>
+  </p:clrMapOvr>
+</p:sld>
+</file>
+
+<file path=ppt/slides/slide20.xml><?xml version="1.0" encoding="utf-8"?>
+<p:sld xmlns:a="http://schemas.openxmlformats.org/drawingml/2006/main" xmlns:r="http://schemas.openxmlformats.org/officeDocument/2006/relationships" xmlns:p="http://schemas.openxmlformats.org/presentationml/2006/main">
+  <p:cSld>
+    <p:spTree>
+      <p:nvGrpSpPr>
+        <p:cNvPr id="1" name=""/>
+        <p:cNvGrpSpPr/>
+        <p:nvPr/>
+      </p:nvGrpSpPr>
+      <p:grpSpPr>
+        <a:xfrm>
+          <a:off x="0" y="0"/>
+          <a:ext cx="0" cy="0"/>
+          <a:chOff x="0" y="0"/>
+          <a:chExt cx="0" cy="0"/>
+        </a:xfrm>
+      </p:grpSpPr>
+      <p:sp>
+        <p:nvSpPr>
+          <p:cNvPr id="2" name="Заголовок 1">
+            <a:extLst>
+              <a:ext uri="{FF2B5EF4-FFF2-40B4-BE49-F238E27FC236}">
+                <a16:creationId xmlns:a16="http://schemas.microsoft.com/office/drawing/2014/main" id="{33F895AC-127F-4CA7-B4E3-09A451424254}"/>
               </a:ext>
             </a:extLst>
           </p:cNvPr>
@@ -14019,7 +17091,471 @@
           <a:p>
             <a:r>
               <a:rPr lang="en-US" dirty="0"/>
-              <a:t>Demo</a:t>
+              <a:t>Custom Computation Expression</a:t>
+            </a:r>
+            <a:r>
+              <a:rPr lang="en-US" dirty="0">
+                <a:solidFill>
+                  <a:schemeClr val="tx1"/>
+                </a:solidFill>
+              </a:rPr>
+              <a:t>: result</a:t>
+            </a:r>
+            <a:endParaRPr lang="en-GB" dirty="0"/>
+          </a:p>
+        </p:txBody>
+      </p:sp>
+      <p:sp>
+        <p:nvSpPr>
+          <p:cNvPr id="3" name="Объект 2">
+            <a:extLst>
+              <a:ext uri="{FF2B5EF4-FFF2-40B4-BE49-F238E27FC236}">
+                <a16:creationId xmlns:a16="http://schemas.microsoft.com/office/drawing/2014/main" id="{3E1BF1F2-3E56-4244-A04E-E38654917557}"/>
+              </a:ext>
+            </a:extLst>
+          </p:cNvPr>
+          <p:cNvSpPr>
+            <a:spLocks noGrp="1"/>
+          </p:cNvSpPr>
+          <p:nvPr>
+            <p:ph idx="1"/>
+          </p:nvPr>
+        </p:nvSpPr>
+        <p:spPr/>
+        <p:txBody>
+          <a:bodyPr>
+            <a:normAutofit fontScale="85000" lnSpcReduction="20000"/>
+          </a:bodyPr>
+          <a:lstStyle/>
+          <a:p>
+            <a:pPr marL="0" indent="0">
+              <a:buNone/>
+            </a:pPr>
+            <a:r>
+              <a:rPr lang="en-GB" dirty="0">
+                <a:solidFill>
+                  <a:srgbClr val="0033CC"/>
+                </a:solidFill>
+                <a:latin typeface="Consolas" panose="020B0609020204030204" pitchFamily="49" charset="0"/>
+              </a:rPr>
+              <a:t>let</a:t>
+            </a:r>
+            <a:r>
+              <a:rPr lang="en-GB" dirty="0">
+                <a:latin typeface="Consolas" panose="020B0609020204030204" pitchFamily="49" charset="0"/>
+              </a:rPr>
+              <a:t> </a:t>
+            </a:r>
+            <a:r>
+              <a:rPr lang="en-GB" dirty="0" err="1">
+                <a:latin typeface="Consolas" panose="020B0609020204030204" pitchFamily="49" charset="0"/>
+              </a:rPr>
+              <a:t>readFromDb</a:t>
+            </a:r>
+            <a:r>
+              <a:rPr lang="en-GB" dirty="0">
+                <a:latin typeface="Consolas" panose="020B0609020204030204" pitchFamily="49" charset="0"/>
+              </a:rPr>
+              <a:t> id = </a:t>
+            </a:r>
+          </a:p>
+          <a:p>
+            <a:pPr marL="0" indent="0">
+              <a:buNone/>
+            </a:pPr>
+            <a:r>
+              <a:rPr lang="en-GB" dirty="0">
+                <a:latin typeface="Consolas" panose="020B0609020204030204" pitchFamily="49" charset="0"/>
+              </a:rPr>
+              <a:t>    </a:t>
+            </a:r>
+            <a:r>
+              <a:rPr lang="en-GB" dirty="0">
+                <a:solidFill>
+                  <a:srgbClr val="0033CC"/>
+                </a:solidFill>
+                <a:latin typeface="Consolas" panose="020B0609020204030204" pitchFamily="49" charset="0"/>
+              </a:rPr>
+              <a:t>if</a:t>
+            </a:r>
+            <a:r>
+              <a:rPr lang="en-GB" dirty="0">
+                <a:latin typeface="Consolas" panose="020B0609020204030204" pitchFamily="49" charset="0"/>
+              </a:rPr>
+              <a:t> id &lt; 8</a:t>
+            </a:r>
+          </a:p>
+          <a:p>
+            <a:pPr marL="0" indent="0">
+              <a:buNone/>
+            </a:pPr>
+            <a:r>
+              <a:rPr lang="en-GB" dirty="0">
+                <a:latin typeface="Consolas" panose="020B0609020204030204" pitchFamily="49" charset="0"/>
+              </a:rPr>
+              <a:t>    </a:t>
+            </a:r>
+            <a:r>
+              <a:rPr lang="en-GB" dirty="0">
+                <a:solidFill>
+                  <a:srgbClr val="0033CC"/>
+                </a:solidFill>
+                <a:latin typeface="Consolas" panose="020B0609020204030204" pitchFamily="49" charset="0"/>
+              </a:rPr>
+              <a:t>then</a:t>
+            </a:r>
+            <a:r>
+              <a:rPr lang="en-GB" dirty="0">
+                <a:latin typeface="Consolas" panose="020B0609020204030204" pitchFamily="49" charset="0"/>
+              </a:rPr>
+              <a:t> </a:t>
+            </a:r>
+            <a:r>
+              <a:rPr lang="en-GB" dirty="0">
+                <a:solidFill>
+                  <a:srgbClr val="0070C0"/>
+                </a:solidFill>
+                <a:latin typeface="Consolas" panose="020B0609020204030204" pitchFamily="49" charset="0"/>
+              </a:rPr>
+              <a:t>Ok</a:t>
+            </a:r>
+            <a:r>
+              <a:rPr lang="en-GB" dirty="0">
+                <a:latin typeface="Consolas" panose="020B0609020204030204" pitchFamily="49" charset="0"/>
+              </a:rPr>
+              <a:t> (id + 2)</a:t>
+            </a:r>
+          </a:p>
+          <a:p>
+            <a:pPr marL="0" indent="0">
+              <a:buNone/>
+            </a:pPr>
+            <a:r>
+              <a:rPr lang="en-GB" dirty="0">
+                <a:latin typeface="Consolas" panose="020B0609020204030204" pitchFamily="49" charset="0"/>
+              </a:rPr>
+              <a:t>    </a:t>
+            </a:r>
+            <a:r>
+              <a:rPr lang="en-GB" dirty="0">
+                <a:solidFill>
+                  <a:srgbClr val="0033CC"/>
+                </a:solidFill>
+                <a:latin typeface="Consolas" panose="020B0609020204030204" pitchFamily="49" charset="0"/>
+              </a:rPr>
+              <a:t>else</a:t>
+            </a:r>
+            <a:r>
+              <a:rPr lang="en-GB" dirty="0">
+                <a:latin typeface="Consolas" panose="020B0609020204030204" pitchFamily="49" charset="0"/>
+              </a:rPr>
+              <a:t> </a:t>
+            </a:r>
+            <a:r>
+              <a:rPr lang="en-GB" dirty="0">
+                <a:solidFill>
+                  <a:srgbClr val="0070C0"/>
+                </a:solidFill>
+                <a:latin typeface="Consolas" panose="020B0609020204030204" pitchFamily="49" charset="0"/>
+              </a:rPr>
+              <a:t>Fail</a:t>
+            </a:r>
+            <a:r>
+              <a:rPr lang="en-GB" dirty="0">
+                <a:latin typeface="Consolas" panose="020B0609020204030204" pitchFamily="49" charset="0"/>
+              </a:rPr>
+              <a:t> (</a:t>
+            </a:r>
+            <a:r>
+              <a:rPr lang="en-GB" dirty="0" err="1">
+                <a:latin typeface="Consolas" panose="020B0609020204030204" pitchFamily="49" charset="0"/>
+              </a:rPr>
+              <a:t>sprintf</a:t>
+            </a:r>
+            <a:r>
+              <a:rPr lang="en-GB" dirty="0">
+                <a:latin typeface="Consolas" panose="020B0609020204030204" pitchFamily="49" charset="0"/>
+              </a:rPr>
+              <a:t> </a:t>
+            </a:r>
+            <a:r>
+              <a:rPr lang="en-GB" dirty="0">
+                <a:solidFill>
+                  <a:srgbClr val="CC3300"/>
+                </a:solidFill>
+                <a:latin typeface="Consolas" panose="020B0609020204030204" pitchFamily="49" charset="0"/>
+              </a:rPr>
+              <a:t>"Value </a:t>
+            </a:r>
+            <a:r>
+              <a:rPr lang="en-GB" dirty="0">
+                <a:solidFill>
+                  <a:srgbClr val="0070C0"/>
+                </a:solidFill>
+                <a:latin typeface="Consolas" panose="020B0609020204030204" pitchFamily="49" charset="0"/>
+              </a:rPr>
+              <a:t>%d</a:t>
+            </a:r>
+            <a:r>
+              <a:rPr lang="en-GB" dirty="0">
+                <a:latin typeface="Consolas" panose="020B0609020204030204" pitchFamily="49" charset="0"/>
+              </a:rPr>
+              <a:t> </a:t>
+            </a:r>
+            <a:r>
+              <a:rPr lang="en-GB" dirty="0">
+                <a:solidFill>
+                  <a:srgbClr val="CC3300"/>
+                </a:solidFill>
+                <a:latin typeface="Consolas" panose="020B0609020204030204" pitchFamily="49" charset="0"/>
+              </a:rPr>
+              <a:t>is not available" </a:t>
+            </a:r>
+            <a:r>
+              <a:rPr lang="en-GB" dirty="0">
+                <a:latin typeface="Consolas" panose="020B0609020204030204" pitchFamily="49" charset="0"/>
+              </a:rPr>
+              <a:t>id)</a:t>
+            </a:r>
+          </a:p>
+          <a:p>
+            <a:pPr marL="0" indent="0">
+              <a:buNone/>
+            </a:pPr>
+            <a:endParaRPr lang="en-GB" dirty="0">
+              <a:latin typeface="Consolas" panose="020B0609020204030204" pitchFamily="49" charset="0"/>
+            </a:endParaRPr>
+          </a:p>
+          <a:p>
+            <a:pPr marL="0" indent="0">
+              <a:buNone/>
+            </a:pPr>
+            <a:r>
+              <a:rPr lang="en-GB" dirty="0">
+                <a:solidFill>
+                  <a:srgbClr val="0033CC"/>
+                </a:solidFill>
+                <a:latin typeface="Consolas" panose="020B0609020204030204" pitchFamily="49" charset="0"/>
+              </a:rPr>
+              <a:t>let</a:t>
+            </a:r>
+            <a:r>
+              <a:rPr lang="en-GB" dirty="0">
+                <a:latin typeface="Consolas" panose="020B0609020204030204" pitchFamily="49" charset="0"/>
+              </a:rPr>
+              <a:t> calculate() = </a:t>
+            </a:r>
+            <a:r>
+              <a:rPr lang="en-GB" dirty="0">
+                <a:solidFill>
+                  <a:srgbClr val="0033CC"/>
+                </a:solidFill>
+                <a:latin typeface="Consolas" panose="020B0609020204030204" pitchFamily="49" charset="0"/>
+              </a:rPr>
+              <a:t>result</a:t>
+            </a:r>
+            <a:r>
+              <a:rPr lang="en-GB" dirty="0">
+                <a:latin typeface="Consolas" panose="020B0609020204030204" pitchFamily="49" charset="0"/>
+              </a:rPr>
+              <a:t> {</a:t>
+            </a:r>
+          </a:p>
+          <a:p>
+            <a:pPr marL="0" indent="0">
+              <a:buNone/>
+            </a:pPr>
+            <a:r>
+              <a:rPr lang="en-GB" dirty="0">
+                <a:latin typeface="Consolas" panose="020B0609020204030204" pitchFamily="49" charset="0"/>
+              </a:rPr>
+              <a:t>    </a:t>
+            </a:r>
+            <a:r>
+              <a:rPr lang="en-GB" dirty="0">
+                <a:solidFill>
+                  <a:srgbClr val="0033CC"/>
+                </a:solidFill>
+                <a:latin typeface="Consolas" panose="020B0609020204030204" pitchFamily="49" charset="0"/>
+              </a:rPr>
+              <a:t>let</a:t>
+            </a:r>
+            <a:r>
+              <a:rPr lang="en-GB" dirty="0">
+                <a:latin typeface="Consolas" panose="020B0609020204030204" pitchFamily="49" charset="0"/>
+              </a:rPr>
+              <a:t> x = 3</a:t>
+            </a:r>
+          </a:p>
+          <a:p>
+            <a:pPr marL="0" indent="0">
+              <a:buNone/>
+            </a:pPr>
+            <a:r>
+              <a:rPr lang="en-GB" dirty="0">
+                <a:latin typeface="Consolas" panose="020B0609020204030204" pitchFamily="49" charset="0"/>
+              </a:rPr>
+              <a:t>    </a:t>
+            </a:r>
+            <a:r>
+              <a:rPr lang="en-GB" dirty="0">
+                <a:solidFill>
+                  <a:srgbClr val="0033CC"/>
+                </a:solidFill>
+                <a:latin typeface="Consolas" panose="020B0609020204030204" pitchFamily="49" charset="0"/>
+              </a:rPr>
+              <a:t>let!</a:t>
+            </a:r>
+            <a:r>
+              <a:rPr lang="en-GB" dirty="0">
+                <a:latin typeface="Consolas" panose="020B0609020204030204" pitchFamily="49" charset="0"/>
+              </a:rPr>
+              <a:t> y = </a:t>
+            </a:r>
+            <a:r>
+              <a:rPr lang="en-GB" dirty="0" err="1">
+                <a:latin typeface="Consolas" panose="020B0609020204030204" pitchFamily="49" charset="0"/>
+              </a:rPr>
+              <a:t>readFromDb</a:t>
+            </a:r>
+            <a:r>
+              <a:rPr lang="en-GB" dirty="0">
+                <a:latin typeface="Consolas" panose="020B0609020204030204" pitchFamily="49" charset="0"/>
+              </a:rPr>
+              <a:t> x</a:t>
+            </a:r>
+          </a:p>
+          <a:p>
+            <a:pPr marL="0" indent="0">
+              <a:buNone/>
+            </a:pPr>
+            <a:r>
+              <a:rPr lang="en-GB" dirty="0">
+                <a:latin typeface="Consolas" panose="020B0609020204030204" pitchFamily="49" charset="0"/>
+              </a:rPr>
+              <a:t>    </a:t>
+            </a:r>
+            <a:r>
+              <a:rPr lang="en-GB" dirty="0">
+                <a:solidFill>
+                  <a:srgbClr val="0033CC"/>
+                </a:solidFill>
+                <a:latin typeface="Consolas" panose="020B0609020204030204" pitchFamily="49" charset="0"/>
+              </a:rPr>
+              <a:t>let!</a:t>
+            </a:r>
+            <a:r>
+              <a:rPr lang="en-GB" dirty="0">
+                <a:latin typeface="Consolas" panose="020B0609020204030204" pitchFamily="49" charset="0"/>
+              </a:rPr>
+              <a:t> z = </a:t>
+            </a:r>
+            <a:r>
+              <a:rPr lang="en-GB" dirty="0" err="1">
+                <a:latin typeface="Consolas" panose="020B0609020204030204" pitchFamily="49" charset="0"/>
+              </a:rPr>
+              <a:t>readFromDb</a:t>
+            </a:r>
+            <a:r>
+              <a:rPr lang="en-GB" dirty="0">
+                <a:latin typeface="Consolas" panose="020B0609020204030204" pitchFamily="49" charset="0"/>
+              </a:rPr>
+              <a:t> (x + y) </a:t>
+            </a:r>
+          </a:p>
+          <a:p>
+            <a:pPr marL="0" indent="0">
+              <a:buNone/>
+            </a:pPr>
+            <a:r>
+              <a:rPr lang="en-GB" dirty="0">
+                <a:latin typeface="Consolas" panose="020B0609020204030204" pitchFamily="49" charset="0"/>
+              </a:rPr>
+              <a:t>    </a:t>
+            </a:r>
+            <a:r>
+              <a:rPr lang="en-GB" dirty="0">
+                <a:solidFill>
+                  <a:srgbClr val="0033CC"/>
+                </a:solidFill>
+                <a:latin typeface="Consolas" panose="020B0609020204030204" pitchFamily="49" charset="0"/>
+              </a:rPr>
+              <a:t>return</a:t>
+            </a:r>
+            <a:r>
+              <a:rPr lang="en-GB" dirty="0">
+                <a:latin typeface="Consolas" panose="020B0609020204030204" pitchFamily="49" charset="0"/>
+              </a:rPr>
+              <a:t> x + y + z</a:t>
+            </a:r>
+          </a:p>
+          <a:p>
+            <a:pPr marL="0" indent="0">
+              <a:buNone/>
+            </a:pPr>
+            <a:r>
+              <a:rPr lang="en-GB" dirty="0">
+                <a:latin typeface="Consolas" panose="020B0609020204030204" pitchFamily="49" charset="0"/>
+              </a:rPr>
+              <a:t>}</a:t>
+            </a:r>
+          </a:p>
+        </p:txBody>
+      </p:sp>
+    </p:spTree>
+    <p:extLst>
+      <p:ext uri="{BB962C8B-B14F-4D97-AF65-F5344CB8AC3E}">
+        <p14:creationId xmlns:p14="http://schemas.microsoft.com/office/powerpoint/2010/main" val="1458649566"/>
+      </p:ext>
+    </p:extLst>
+  </p:cSld>
+  <p:clrMapOvr>
+    <a:masterClrMapping/>
+  </p:clrMapOvr>
+</p:sld>
+</file>
+
+<file path=ppt/slides/slide21.xml><?xml version="1.0" encoding="utf-8"?>
+<p:sld xmlns:a="http://schemas.openxmlformats.org/drawingml/2006/main" xmlns:r="http://schemas.openxmlformats.org/officeDocument/2006/relationships" xmlns:p="http://schemas.openxmlformats.org/presentationml/2006/main">
+  <p:cSld>
+    <p:spTree>
+      <p:nvGrpSpPr>
+        <p:cNvPr id="1" name=""/>
+        <p:cNvGrpSpPr/>
+        <p:nvPr/>
+      </p:nvGrpSpPr>
+      <p:grpSpPr>
+        <a:xfrm>
+          <a:off x="0" y="0"/>
+          <a:ext cx="0" cy="0"/>
+          <a:chOff x="0" y="0"/>
+          <a:chExt cx="0" cy="0"/>
+        </a:xfrm>
+      </p:grpSpPr>
+      <p:sp>
+        <p:nvSpPr>
+          <p:cNvPr id="2" name="Заголовок 1">
+            <a:extLst>
+              <a:ext uri="{FF2B5EF4-FFF2-40B4-BE49-F238E27FC236}">
+                <a16:creationId xmlns:a16="http://schemas.microsoft.com/office/drawing/2014/main" id="{F48AA06A-DDA1-4650-9590-296C5896CFC4}"/>
+              </a:ext>
+            </a:extLst>
+          </p:cNvPr>
+          <p:cNvSpPr>
+            <a:spLocks noGrp="1"/>
+          </p:cNvSpPr>
+          <p:nvPr>
+            <p:ph type="title"/>
+          </p:nvPr>
+        </p:nvSpPr>
+        <p:spPr/>
+        <p:txBody>
+          <a:bodyPr/>
+          <a:lstStyle/>
+          <a:p>
+            <a:r>
+              <a:rPr lang="en-US" dirty="0"/>
+              <a:t>#4</a:t>
             </a:r>
             <a:endParaRPr lang="en-GB" dirty="0"/>
           </a:p>
@@ -14030,7 +17566,7 @@
           <p:cNvPr id="3" name="Текст 2">
             <a:extLst>
               <a:ext uri="{FF2B5EF4-FFF2-40B4-BE49-F238E27FC236}">
-                <a16:creationId xmlns:a16="http://schemas.microsoft.com/office/drawing/2014/main" id="{BCB02AF5-AECF-4F5A-82F6-A8734BAD58A0}"/>
+                <a16:creationId xmlns:a16="http://schemas.microsoft.com/office/drawing/2014/main" id="{5866734B-0BD0-4DE1-849D-E5905AF7145B}"/>
               </a:ext>
             </a:extLst>
           </p:cNvPr>
@@ -14046,14 +17582,2345 @@
           <a:bodyPr/>
           <a:lstStyle/>
           <a:p>
-            <a:endParaRPr lang="en-GB"/>
+            <a:r>
+              <a:rPr lang="en-US" dirty="0"/>
+              <a:t>Records</a:t>
+            </a:r>
+            <a:endParaRPr lang="en-GB" dirty="0"/>
           </a:p>
         </p:txBody>
       </p:sp>
     </p:spTree>
     <p:extLst>
       <p:ext uri="{BB962C8B-B14F-4D97-AF65-F5344CB8AC3E}">
-        <p14:creationId xmlns:p14="http://schemas.microsoft.com/office/powerpoint/2010/main" val="2882293644"/>
+        <p14:creationId xmlns:p14="http://schemas.microsoft.com/office/powerpoint/2010/main" val="2748564125"/>
+      </p:ext>
+    </p:extLst>
+  </p:cSld>
+  <p:clrMapOvr>
+    <a:masterClrMapping/>
+  </p:clrMapOvr>
+</p:sld>
+</file>
+
+<file path=ppt/slides/slide22.xml><?xml version="1.0" encoding="utf-8"?>
+<p:sld xmlns:a="http://schemas.openxmlformats.org/drawingml/2006/main" xmlns:r="http://schemas.openxmlformats.org/officeDocument/2006/relationships" xmlns:p="http://schemas.openxmlformats.org/presentationml/2006/main">
+  <p:cSld>
+    <p:spTree>
+      <p:nvGrpSpPr>
+        <p:cNvPr id="1" name=""/>
+        <p:cNvGrpSpPr/>
+        <p:nvPr/>
+      </p:nvGrpSpPr>
+      <p:grpSpPr>
+        <a:xfrm>
+          <a:off x="0" y="0"/>
+          <a:ext cx="0" cy="0"/>
+          <a:chOff x="0" y="0"/>
+          <a:chExt cx="0" cy="0"/>
+        </a:xfrm>
+      </p:grpSpPr>
+      <p:sp>
+        <p:nvSpPr>
+          <p:cNvPr id="2" name="Заголовок 1">
+            <a:extLst>
+              <a:ext uri="{FF2B5EF4-FFF2-40B4-BE49-F238E27FC236}">
+                <a16:creationId xmlns:a16="http://schemas.microsoft.com/office/drawing/2014/main" id="{B03C60FE-E493-4C09-BFE1-B46907A4B92B}"/>
+              </a:ext>
+            </a:extLst>
+          </p:cNvPr>
+          <p:cNvSpPr>
+            <a:spLocks noGrp="1"/>
+          </p:cNvSpPr>
+          <p:nvPr>
+            <p:ph type="title"/>
+          </p:nvPr>
+        </p:nvSpPr>
+        <p:spPr/>
+        <p:txBody>
+          <a:bodyPr/>
+          <a:lstStyle/>
+          <a:p>
+            <a:r>
+              <a:rPr lang="en-US" dirty="0"/>
+              <a:t>Immutable class</a:t>
+            </a:r>
+            <a:endParaRPr lang="en-GB" dirty="0"/>
+          </a:p>
+        </p:txBody>
+      </p:sp>
+      <p:sp>
+        <p:nvSpPr>
+          <p:cNvPr id="3" name="Объект 2">
+            <a:extLst>
+              <a:ext uri="{FF2B5EF4-FFF2-40B4-BE49-F238E27FC236}">
+                <a16:creationId xmlns:a16="http://schemas.microsoft.com/office/drawing/2014/main" id="{0EDB7BEF-F96D-4E5E-A1C7-05B39D8CFC1C}"/>
+              </a:ext>
+            </a:extLst>
+          </p:cNvPr>
+          <p:cNvSpPr>
+            <a:spLocks noGrp="1"/>
+          </p:cNvSpPr>
+          <p:nvPr>
+            <p:ph idx="1"/>
+          </p:nvPr>
+        </p:nvSpPr>
+        <p:spPr/>
+        <p:txBody>
+          <a:bodyPr>
+            <a:normAutofit/>
+          </a:bodyPr>
+          <a:lstStyle/>
+          <a:p>
+            <a:pPr marL="0" indent="0">
+              <a:buNone/>
+            </a:pPr>
+            <a:r>
+              <a:rPr lang="en-GB" dirty="0">
+                <a:solidFill>
+                  <a:srgbClr val="0033CC"/>
+                </a:solidFill>
+                <a:latin typeface="Consolas" panose="020B0609020204030204" pitchFamily="49" charset="0"/>
+              </a:rPr>
+              <a:t>class</a:t>
+            </a:r>
+            <a:r>
+              <a:rPr lang="en-GB" dirty="0">
+                <a:latin typeface="Consolas" panose="020B0609020204030204" pitchFamily="49" charset="0"/>
+              </a:rPr>
+              <a:t> </a:t>
+            </a:r>
+            <a:r>
+              <a:rPr lang="en-GB" dirty="0">
+                <a:solidFill>
+                  <a:srgbClr val="002060"/>
+                </a:solidFill>
+                <a:latin typeface="Consolas" panose="020B0609020204030204" pitchFamily="49" charset="0"/>
+              </a:rPr>
+              <a:t>Song</a:t>
+            </a:r>
+            <a:r>
+              <a:rPr lang="en-GB" dirty="0">
+                <a:latin typeface="Consolas" panose="020B0609020204030204" pitchFamily="49" charset="0"/>
+              </a:rPr>
+              <a:t> {</a:t>
+            </a:r>
+          </a:p>
+          <a:p>
+            <a:pPr marL="0" indent="0">
+              <a:buNone/>
+            </a:pPr>
+            <a:r>
+              <a:rPr lang="en-GB" dirty="0">
+                <a:latin typeface="Consolas" panose="020B0609020204030204" pitchFamily="49" charset="0"/>
+              </a:rPr>
+              <a:t>    </a:t>
+            </a:r>
+            <a:r>
+              <a:rPr lang="en-GB" dirty="0">
+                <a:solidFill>
+                  <a:srgbClr val="0033CC"/>
+                </a:solidFill>
+                <a:latin typeface="Consolas" panose="020B0609020204030204" pitchFamily="49" charset="0"/>
+              </a:rPr>
+              <a:t>public</a:t>
+            </a:r>
+            <a:r>
+              <a:rPr lang="en-GB" dirty="0">
+                <a:latin typeface="Consolas" panose="020B0609020204030204" pitchFamily="49" charset="0"/>
+              </a:rPr>
+              <a:t> </a:t>
+            </a:r>
+            <a:r>
+              <a:rPr lang="en-GB" dirty="0">
+                <a:solidFill>
+                  <a:srgbClr val="002060"/>
+                </a:solidFill>
+                <a:latin typeface="Consolas" panose="020B0609020204030204" pitchFamily="49" charset="0"/>
+              </a:rPr>
+              <a:t>Song</a:t>
+            </a:r>
+            <a:r>
+              <a:rPr lang="en-GB" dirty="0">
+                <a:latin typeface="Consolas" panose="020B0609020204030204" pitchFamily="49" charset="0"/>
+              </a:rPr>
+              <a:t>(</a:t>
+            </a:r>
+            <a:r>
+              <a:rPr lang="en-GB" dirty="0">
+                <a:solidFill>
+                  <a:srgbClr val="0033CC"/>
+                </a:solidFill>
+                <a:latin typeface="Consolas" panose="020B0609020204030204" pitchFamily="49" charset="0"/>
+              </a:rPr>
+              <a:t>string</a:t>
+            </a:r>
+            <a:r>
+              <a:rPr lang="en-GB" dirty="0">
+                <a:latin typeface="Consolas" panose="020B0609020204030204" pitchFamily="49" charset="0"/>
+              </a:rPr>
+              <a:t> author, </a:t>
+            </a:r>
+            <a:r>
+              <a:rPr lang="en-GB" dirty="0">
+                <a:solidFill>
+                  <a:srgbClr val="0033CC"/>
+                </a:solidFill>
+                <a:latin typeface="Consolas" panose="020B0609020204030204" pitchFamily="49" charset="0"/>
+              </a:rPr>
+              <a:t>string</a:t>
+            </a:r>
+            <a:r>
+              <a:rPr lang="en-GB" dirty="0">
+                <a:latin typeface="Consolas" panose="020B0609020204030204" pitchFamily="49" charset="0"/>
+              </a:rPr>
+              <a:t> name) {</a:t>
+            </a:r>
+          </a:p>
+          <a:p>
+            <a:pPr marL="0" indent="0">
+              <a:buNone/>
+            </a:pPr>
+            <a:r>
+              <a:rPr lang="en-GB" dirty="0">
+                <a:latin typeface="Consolas" panose="020B0609020204030204" pitchFamily="49" charset="0"/>
+              </a:rPr>
+              <a:t>        </a:t>
+            </a:r>
+            <a:r>
+              <a:rPr lang="en-GB" dirty="0">
+                <a:solidFill>
+                  <a:srgbClr val="CC00CC"/>
+                </a:solidFill>
+                <a:latin typeface="Consolas" panose="020B0609020204030204" pitchFamily="49" charset="0"/>
+              </a:rPr>
+              <a:t>Author</a:t>
+            </a:r>
+            <a:r>
+              <a:rPr lang="en-GB" dirty="0">
+                <a:latin typeface="Consolas" panose="020B0609020204030204" pitchFamily="49" charset="0"/>
+              </a:rPr>
+              <a:t> = author;</a:t>
+            </a:r>
+          </a:p>
+          <a:p>
+            <a:pPr marL="0" indent="0">
+              <a:buNone/>
+            </a:pPr>
+            <a:r>
+              <a:rPr lang="en-GB" dirty="0">
+                <a:latin typeface="Consolas" panose="020B0609020204030204" pitchFamily="49" charset="0"/>
+              </a:rPr>
+              <a:t>        </a:t>
+            </a:r>
+            <a:r>
+              <a:rPr lang="en-GB" dirty="0">
+                <a:solidFill>
+                  <a:srgbClr val="CC00CC"/>
+                </a:solidFill>
+                <a:latin typeface="Consolas" panose="020B0609020204030204" pitchFamily="49" charset="0"/>
+              </a:rPr>
+              <a:t>Name</a:t>
+            </a:r>
+            <a:r>
+              <a:rPr lang="en-GB" dirty="0">
+                <a:latin typeface="Consolas" panose="020B0609020204030204" pitchFamily="49" charset="0"/>
+              </a:rPr>
+              <a:t> = name;</a:t>
+            </a:r>
+          </a:p>
+          <a:p>
+            <a:pPr marL="0" indent="0">
+              <a:buNone/>
+            </a:pPr>
+            <a:r>
+              <a:rPr lang="en-GB" dirty="0">
+                <a:latin typeface="Consolas" panose="020B0609020204030204" pitchFamily="49" charset="0"/>
+              </a:rPr>
+              <a:t>    }</a:t>
+            </a:r>
+          </a:p>
+          <a:p>
+            <a:pPr marL="0" indent="0">
+              <a:buNone/>
+            </a:pPr>
+            <a:r>
+              <a:rPr lang="en-GB" dirty="0">
+                <a:latin typeface="Consolas" panose="020B0609020204030204" pitchFamily="49" charset="0"/>
+              </a:rPr>
+              <a:t>    </a:t>
+            </a:r>
+            <a:r>
+              <a:rPr lang="en-GB" dirty="0">
+                <a:solidFill>
+                  <a:srgbClr val="0033CC"/>
+                </a:solidFill>
+                <a:latin typeface="Consolas" panose="020B0609020204030204" pitchFamily="49" charset="0"/>
+              </a:rPr>
+              <a:t>public string </a:t>
+            </a:r>
+            <a:r>
+              <a:rPr lang="en-GB" dirty="0">
+                <a:solidFill>
+                  <a:srgbClr val="CC00CC"/>
+                </a:solidFill>
+                <a:latin typeface="Consolas" panose="020B0609020204030204" pitchFamily="49" charset="0"/>
+              </a:rPr>
+              <a:t>Author</a:t>
+            </a:r>
+            <a:r>
+              <a:rPr lang="en-GB" dirty="0">
+                <a:latin typeface="Consolas" panose="020B0609020204030204" pitchFamily="49" charset="0"/>
+              </a:rPr>
+              <a:t> { </a:t>
+            </a:r>
+            <a:r>
+              <a:rPr lang="en-GB" dirty="0">
+                <a:solidFill>
+                  <a:srgbClr val="0070C0"/>
+                </a:solidFill>
+                <a:latin typeface="Consolas" panose="020B0609020204030204" pitchFamily="49" charset="0"/>
+              </a:rPr>
+              <a:t>get</a:t>
+            </a:r>
+            <a:r>
+              <a:rPr lang="en-GB" dirty="0">
+                <a:latin typeface="Consolas" panose="020B0609020204030204" pitchFamily="49" charset="0"/>
+              </a:rPr>
+              <a:t>; }</a:t>
+            </a:r>
+          </a:p>
+          <a:p>
+            <a:pPr marL="0" indent="0">
+              <a:buNone/>
+            </a:pPr>
+            <a:r>
+              <a:rPr lang="en-GB" dirty="0">
+                <a:latin typeface="Consolas" panose="020B0609020204030204" pitchFamily="49" charset="0"/>
+              </a:rPr>
+              <a:t>    </a:t>
+            </a:r>
+            <a:r>
+              <a:rPr lang="en-GB" dirty="0">
+                <a:solidFill>
+                  <a:srgbClr val="0033CC"/>
+                </a:solidFill>
+                <a:latin typeface="Consolas" panose="020B0609020204030204" pitchFamily="49" charset="0"/>
+              </a:rPr>
+              <a:t>public string </a:t>
+            </a:r>
+            <a:r>
+              <a:rPr lang="en-GB" dirty="0">
+                <a:solidFill>
+                  <a:srgbClr val="CC00CC"/>
+                </a:solidFill>
+                <a:latin typeface="Consolas" panose="020B0609020204030204" pitchFamily="49" charset="0"/>
+              </a:rPr>
+              <a:t>Name</a:t>
+            </a:r>
+            <a:r>
+              <a:rPr lang="en-GB" dirty="0">
+                <a:latin typeface="Consolas" panose="020B0609020204030204" pitchFamily="49" charset="0"/>
+              </a:rPr>
+              <a:t> { </a:t>
+            </a:r>
+            <a:r>
+              <a:rPr lang="en-GB" dirty="0">
+                <a:solidFill>
+                  <a:srgbClr val="0070C0"/>
+                </a:solidFill>
+                <a:latin typeface="Consolas" panose="020B0609020204030204" pitchFamily="49" charset="0"/>
+              </a:rPr>
+              <a:t>get</a:t>
+            </a:r>
+            <a:r>
+              <a:rPr lang="en-GB" dirty="0">
+                <a:latin typeface="Consolas" panose="020B0609020204030204" pitchFamily="49" charset="0"/>
+              </a:rPr>
+              <a:t>; }</a:t>
+            </a:r>
+          </a:p>
+          <a:p>
+            <a:pPr marL="0" indent="0">
+              <a:buNone/>
+            </a:pPr>
+            <a:r>
+              <a:rPr lang="en-GB" dirty="0">
+                <a:latin typeface="Consolas" panose="020B0609020204030204" pitchFamily="49" charset="0"/>
+              </a:rPr>
+              <a:t>}</a:t>
+            </a:r>
+          </a:p>
+        </p:txBody>
+      </p:sp>
+    </p:spTree>
+    <p:extLst>
+      <p:ext uri="{BB962C8B-B14F-4D97-AF65-F5344CB8AC3E}">
+        <p14:creationId xmlns:p14="http://schemas.microsoft.com/office/powerpoint/2010/main" val="801565844"/>
+      </p:ext>
+    </p:extLst>
+  </p:cSld>
+  <p:clrMapOvr>
+    <a:masterClrMapping/>
+  </p:clrMapOvr>
+</p:sld>
+</file>
+
+<file path=ppt/slides/slide23.xml><?xml version="1.0" encoding="utf-8"?>
+<p:sld xmlns:a="http://schemas.openxmlformats.org/drawingml/2006/main" xmlns:r="http://schemas.openxmlformats.org/officeDocument/2006/relationships" xmlns:p="http://schemas.openxmlformats.org/presentationml/2006/main">
+  <p:cSld>
+    <p:spTree>
+      <p:nvGrpSpPr>
+        <p:cNvPr id="1" name=""/>
+        <p:cNvGrpSpPr/>
+        <p:nvPr/>
+      </p:nvGrpSpPr>
+      <p:grpSpPr>
+        <a:xfrm>
+          <a:off x="0" y="0"/>
+          <a:ext cx="0" cy="0"/>
+          <a:chOff x="0" y="0"/>
+          <a:chExt cx="0" cy="0"/>
+        </a:xfrm>
+      </p:grpSpPr>
+      <p:sp>
+        <p:nvSpPr>
+          <p:cNvPr id="2" name="Заголовок 1">
+            <a:extLst>
+              <a:ext uri="{FF2B5EF4-FFF2-40B4-BE49-F238E27FC236}">
+                <a16:creationId xmlns:a16="http://schemas.microsoft.com/office/drawing/2014/main" id="{DD4B5AA9-444D-4B48-9AA5-9DF412EE08B2}"/>
+              </a:ext>
+            </a:extLst>
+          </p:cNvPr>
+          <p:cNvSpPr>
+            <a:spLocks noGrp="1"/>
+          </p:cNvSpPr>
+          <p:nvPr>
+            <p:ph type="title"/>
+          </p:nvPr>
+        </p:nvSpPr>
+        <p:spPr/>
+        <p:txBody>
+          <a:bodyPr/>
+          <a:lstStyle/>
+          <a:p>
+            <a:r>
+              <a:rPr lang="en-US" dirty="0"/>
+              <a:t>Immutable class</a:t>
+            </a:r>
+            <a:endParaRPr lang="en-GB" dirty="0"/>
+          </a:p>
+        </p:txBody>
+      </p:sp>
+      <p:pic>
+        <p:nvPicPr>
+          <p:cNvPr id="4" name="Рисунок 3">
+            <a:extLst>
+              <a:ext uri="{FF2B5EF4-FFF2-40B4-BE49-F238E27FC236}">
+                <a16:creationId xmlns:a16="http://schemas.microsoft.com/office/drawing/2014/main" id="{50A68466-F038-4A78-8409-D84AFEDB6D23}"/>
+              </a:ext>
+            </a:extLst>
+          </p:cNvPr>
+          <p:cNvPicPr>
+            <a:picLocks noChangeAspect="1"/>
+          </p:cNvPicPr>
+          <p:nvPr/>
+        </p:nvPicPr>
+        <p:blipFill>
+          <a:blip r:embed="rId2"/>
+          <a:stretch>
+            <a:fillRect/>
+          </a:stretch>
+        </p:blipFill>
+        <p:spPr>
+          <a:xfrm>
+            <a:off x="933734" y="1690688"/>
+            <a:ext cx="6627125" cy="4793848"/>
+          </a:xfrm>
+          <a:prstGeom prst="rect">
+            <a:avLst/>
+          </a:prstGeom>
+        </p:spPr>
+      </p:pic>
+    </p:spTree>
+    <p:extLst>
+      <p:ext uri="{BB962C8B-B14F-4D97-AF65-F5344CB8AC3E}">
+        <p14:creationId xmlns:p14="http://schemas.microsoft.com/office/powerpoint/2010/main" val="286542978"/>
+      </p:ext>
+    </p:extLst>
+  </p:cSld>
+  <p:clrMapOvr>
+    <a:masterClrMapping/>
+  </p:clrMapOvr>
+</p:sld>
+</file>
+
+<file path=ppt/slides/slide24.xml><?xml version="1.0" encoding="utf-8"?>
+<p:sld xmlns:a="http://schemas.openxmlformats.org/drawingml/2006/main" xmlns:r="http://schemas.openxmlformats.org/officeDocument/2006/relationships" xmlns:p="http://schemas.openxmlformats.org/presentationml/2006/main">
+  <p:cSld>
+    <p:spTree>
+      <p:nvGrpSpPr>
+        <p:cNvPr id="1" name=""/>
+        <p:cNvGrpSpPr/>
+        <p:nvPr/>
+      </p:nvGrpSpPr>
+      <p:grpSpPr>
+        <a:xfrm>
+          <a:off x="0" y="0"/>
+          <a:ext cx="0" cy="0"/>
+          <a:chOff x="0" y="0"/>
+          <a:chExt cx="0" cy="0"/>
+        </a:xfrm>
+      </p:grpSpPr>
+      <p:sp>
+        <p:nvSpPr>
+          <p:cNvPr id="2" name="Заголовок 1">
+            <a:extLst>
+              <a:ext uri="{FF2B5EF4-FFF2-40B4-BE49-F238E27FC236}">
+                <a16:creationId xmlns:a16="http://schemas.microsoft.com/office/drawing/2014/main" id="{A2E9C9CF-B9A7-4748-805A-5545CAFC7CC8}"/>
+              </a:ext>
+            </a:extLst>
+          </p:cNvPr>
+          <p:cNvSpPr>
+            <a:spLocks noGrp="1"/>
+          </p:cNvSpPr>
+          <p:nvPr>
+            <p:ph type="title"/>
+          </p:nvPr>
+        </p:nvSpPr>
+        <p:spPr/>
+        <p:txBody>
+          <a:bodyPr/>
+          <a:lstStyle/>
+          <a:p>
+            <a:r>
+              <a:rPr lang="en-US" dirty="0"/>
+              <a:t>Record</a:t>
+            </a:r>
+            <a:endParaRPr lang="en-GB" dirty="0"/>
+          </a:p>
+        </p:txBody>
+      </p:sp>
+      <p:sp>
+        <p:nvSpPr>
+          <p:cNvPr id="3" name="Объект 2">
+            <a:extLst>
+              <a:ext uri="{FF2B5EF4-FFF2-40B4-BE49-F238E27FC236}">
+                <a16:creationId xmlns:a16="http://schemas.microsoft.com/office/drawing/2014/main" id="{83967549-0DB5-4077-AC3F-BAABC30D950B}"/>
+              </a:ext>
+            </a:extLst>
+          </p:cNvPr>
+          <p:cNvSpPr>
+            <a:spLocks noGrp="1"/>
+          </p:cNvSpPr>
+          <p:nvPr>
+            <p:ph idx="1"/>
+          </p:nvPr>
+        </p:nvSpPr>
+        <p:spPr/>
+        <p:txBody>
+          <a:bodyPr>
+            <a:normAutofit lnSpcReduction="10000"/>
+          </a:bodyPr>
+          <a:lstStyle/>
+          <a:p>
+            <a:pPr marL="0" indent="0">
+              <a:buNone/>
+            </a:pPr>
+            <a:r>
+              <a:rPr lang="en-GB" dirty="0">
+                <a:solidFill>
+                  <a:srgbClr val="0033CC"/>
+                </a:solidFill>
+                <a:latin typeface="Consolas" panose="020B0609020204030204" pitchFamily="49" charset="0"/>
+              </a:rPr>
+              <a:t>type</a:t>
+            </a:r>
+            <a:r>
+              <a:rPr lang="en-GB" dirty="0">
+                <a:latin typeface="Consolas" panose="020B0609020204030204" pitchFamily="49" charset="0"/>
+              </a:rPr>
+              <a:t> </a:t>
+            </a:r>
+            <a:r>
+              <a:rPr lang="en-GB" dirty="0">
+                <a:solidFill>
+                  <a:srgbClr val="0070C0"/>
+                </a:solidFill>
+                <a:latin typeface="Consolas" panose="020B0609020204030204" pitchFamily="49" charset="0"/>
+              </a:rPr>
+              <a:t>Song</a:t>
+            </a:r>
+            <a:r>
+              <a:rPr lang="en-GB" dirty="0">
+                <a:latin typeface="Consolas" panose="020B0609020204030204" pitchFamily="49" charset="0"/>
+              </a:rPr>
+              <a:t> = { Author: </a:t>
+            </a:r>
+            <a:r>
+              <a:rPr lang="en-GB" dirty="0">
+                <a:solidFill>
+                  <a:srgbClr val="0070C0"/>
+                </a:solidFill>
+                <a:latin typeface="Consolas" panose="020B0609020204030204" pitchFamily="49" charset="0"/>
+              </a:rPr>
+              <a:t>string</a:t>
+            </a:r>
+            <a:r>
+              <a:rPr lang="en-GB" dirty="0">
+                <a:latin typeface="Consolas" panose="020B0609020204030204" pitchFamily="49" charset="0"/>
+              </a:rPr>
+              <a:t>; Name: </a:t>
+            </a:r>
+            <a:r>
+              <a:rPr lang="en-GB" dirty="0">
+                <a:solidFill>
+                  <a:srgbClr val="0070C0"/>
+                </a:solidFill>
+                <a:latin typeface="Consolas" panose="020B0609020204030204" pitchFamily="49" charset="0"/>
+              </a:rPr>
+              <a:t>string</a:t>
+            </a:r>
+            <a:r>
+              <a:rPr lang="en-GB" dirty="0">
+                <a:latin typeface="Consolas" panose="020B0609020204030204" pitchFamily="49" charset="0"/>
+              </a:rPr>
+              <a:t> }</a:t>
+            </a:r>
+          </a:p>
+          <a:p>
+            <a:pPr marL="0" indent="0">
+              <a:buNone/>
+            </a:pPr>
+            <a:endParaRPr lang="en-US" dirty="0">
+              <a:latin typeface="Consolas" panose="020B0609020204030204" pitchFamily="49" charset="0"/>
+            </a:endParaRPr>
+          </a:p>
+          <a:p>
+            <a:pPr marL="0" indent="0">
+              <a:buNone/>
+            </a:pPr>
+            <a:r>
+              <a:rPr lang="en-GB" sz="2400" dirty="0">
+                <a:solidFill>
+                  <a:srgbClr val="0033CC"/>
+                </a:solidFill>
+                <a:latin typeface="Consolas" panose="020B0609020204030204" pitchFamily="49" charset="0"/>
+              </a:rPr>
+              <a:t>let</a:t>
+            </a:r>
+            <a:r>
+              <a:rPr lang="en-GB" sz="2400" dirty="0">
+                <a:latin typeface="Consolas" panose="020B0609020204030204" pitchFamily="49" charset="0"/>
+              </a:rPr>
+              <a:t> song1 = { Author=</a:t>
+            </a:r>
+            <a:r>
+              <a:rPr lang="en-GB" sz="2400" dirty="0">
+                <a:solidFill>
+                  <a:srgbClr val="CC3300"/>
+                </a:solidFill>
+                <a:latin typeface="Consolas" panose="020B0609020204030204" pitchFamily="49" charset="0"/>
+              </a:rPr>
+              <a:t>"Queen"</a:t>
+            </a:r>
+            <a:r>
+              <a:rPr lang="en-GB" sz="2400" dirty="0">
+                <a:latin typeface="Consolas" panose="020B0609020204030204" pitchFamily="49" charset="0"/>
+              </a:rPr>
+              <a:t>; Name=</a:t>
+            </a:r>
+            <a:r>
+              <a:rPr lang="en-GB" sz="2400" dirty="0">
+                <a:solidFill>
+                  <a:srgbClr val="CC3300"/>
+                </a:solidFill>
+                <a:latin typeface="Consolas" panose="020B0609020204030204" pitchFamily="49" charset="0"/>
+              </a:rPr>
+              <a:t>"Bohemian Rhapsody"</a:t>
+            </a:r>
+            <a:r>
+              <a:rPr lang="en-GB" sz="2400" dirty="0">
+                <a:latin typeface="Consolas" panose="020B0609020204030204" pitchFamily="49" charset="0"/>
+              </a:rPr>
+              <a:t> }</a:t>
+            </a:r>
+          </a:p>
+          <a:p>
+            <a:pPr marL="0" indent="0">
+              <a:buNone/>
+            </a:pPr>
+            <a:r>
+              <a:rPr lang="en-GB" sz="2400" dirty="0">
+                <a:solidFill>
+                  <a:srgbClr val="0033CC"/>
+                </a:solidFill>
+                <a:latin typeface="Consolas" panose="020B0609020204030204" pitchFamily="49" charset="0"/>
+              </a:rPr>
+              <a:t>let</a:t>
+            </a:r>
+            <a:r>
+              <a:rPr lang="en-GB" sz="2400" dirty="0">
+                <a:latin typeface="Consolas" panose="020B0609020204030204" pitchFamily="49" charset="0"/>
+              </a:rPr>
+              <a:t> song2 = { Author=</a:t>
+            </a:r>
+            <a:r>
+              <a:rPr lang="en-GB" sz="2400" dirty="0">
+                <a:solidFill>
+                  <a:srgbClr val="CC3300"/>
+                </a:solidFill>
+                <a:latin typeface="Consolas" panose="020B0609020204030204" pitchFamily="49" charset="0"/>
+              </a:rPr>
+              <a:t>"Queen"</a:t>
+            </a:r>
+            <a:r>
+              <a:rPr lang="en-GB" sz="2400" dirty="0">
+                <a:latin typeface="Consolas" panose="020B0609020204030204" pitchFamily="49" charset="0"/>
+              </a:rPr>
+              <a:t>; Name=</a:t>
+            </a:r>
+            <a:r>
+              <a:rPr lang="en-GB" sz="2400" dirty="0">
+                <a:solidFill>
+                  <a:srgbClr val="CC3300"/>
+                </a:solidFill>
+                <a:latin typeface="Consolas" panose="020B0609020204030204" pitchFamily="49" charset="0"/>
+              </a:rPr>
+              <a:t>"Bohemian Rhapsody"</a:t>
+            </a:r>
+            <a:r>
+              <a:rPr lang="en-GB" sz="2400" dirty="0">
+                <a:latin typeface="Consolas" panose="020B0609020204030204" pitchFamily="49" charset="0"/>
+              </a:rPr>
+              <a:t> }</a:t>
+            </a:r>
+          </a:p>
+          <a:p>
+            <a:pPr marL="0" indent="0">
+              <a:buNone/>
+            </a:pPr>
+            <a:r>
+              <a:rPr lang="nn-NO" sz="2400" dirty="0">
+                <a:latin typeface="Consolas" panose="020B0609020204030204" pitchFamily="49" charset="0"/>
+              </a:rPr>
+              <a:t>printfn </a:t>
+            </a:r>
+            <a:r>
+              <a:rPr lang="nn-NO" sz="2400" dirty="0">
+                <a:solidFill>
+                  <a:srgbClr val="CC3300"/>
+                </a:solidFill>
+                <a:latin typeface="Consolas" panose="020B0609020204030204" pitchFamily="49" charset="0"/>
+              </a:rPr>
+              <a:t>"</a:t>
+            </a:r>
+            <a:r>
+              <a:rPr lang="nn-NO" sz="2400" dirty="0">
+                <a:solidFill>
+                  <a:srgbClr val="0070C0"/>
+                </a:solidFill>
+                <a:latin typeface="Consolas" panose="020B0609020204030204" pitchFamily="49" charset="0"/>
+              </a:rPr>
+              <a:t>%b</a:t>
+            </a:r>
+            <a:r>
+              <a:rPr lang="nn-NO" sz="2400" dirty="0">
+                <a:solidFill>
+                  <a:srgbClr val="CC3300"/>
+                </a:solidFill>
+                <a:latin typeface="Consolas" panose="020B0609020204030204" pitchFamily="49" charset="0"/>
+              </a:rPr>
+              <a:t>"</a:t>
+            </a:r>
+            <a:r>
+              <a:rPr lang="nn-NO" sz="2400" dirty="0">
+                <a:latin typeface="Consolas" panose="020B0609020204030204" pitchFamily="49" charset="0"/>
+              </a:rPr>
+              <a:t> (song1=song2) </a:t>
+            </a:r>
+            <a:r>
+              <a:rPr lang="nn-NO" sz="2400" dirty="0">
+                <a:solidFill>
+                  <a:srgbClr val="008000"/>
+                </a:solidFill>
+                <a:latin typeface="Consolas" panose="020B0609020204030204" pitchFamily="49" charset="0"/>
+              </a:rPr>
+              <a:t>// true</a:t>
+            </a:r>
+          </a:p>
+          <a:p>
+            <a:pPr marL="0" indent="0">
+              <a:buNone/>
+            </a:pPr>
+            <a:endParaRPr lang="nn-NO" sz="2400" dirty="0">
+              <a:solidFill>
+                <a:srgbClr val="008000"/>
+              </a:solidFill>
+              <a:latin typeface="Consolas" panose="020B0609020204030204" pitchFamily="49" charset="0"/>
+            </a:endParaRPr>
+          </a:p>
+          <a:p>
+            <a:pPr marL="0" indent="0">
+              <a:buNone/>
+            </a:pPr>
+            <a:r>
+              <a:rPr lang="en-GB" sz="2400" dirty="0">
+                <a:solidFill>
+                  <a:srgbClr val="0033CC"/>
+                </a:solidFill>
+                <a:latin typeface="Consolas" panose="020B0609020204030204" pitchFamily="49" charset="0"/>
+              </a:rPr>
+              <a:t>let</a:t>
+            </a:r>
+            <a:r>
+              <a:rPr lang="en-GB" sz="2400" dirty="0">
+                <a:latin typeface="Consolas" panose="020B0609020204030204" pitchFamily="49" charset="0"/>
+              </a:rPr>
+              <a:t> song3 = { song2 </a:t>
+            </a:r>
+            <a:r>
+              <a:rPr lang="en-GB" sz="2400" dirty="0">
+                <a:solidFill>
+                  <a:srgbClr val="0033CC"/>
+                </a:solidFill>
+                <a:latin typeface="Consolas" panose="020B0609020204030204" pitchFamily="49" charset="0"/>
+              </a:rPr>
+              <a:t>with</a:t>
+            </a:r>
+            <a:r>
+              <a:rPr lang="en-GB" sz="2400" dirty="0">
+                <a:latin typeface="Consolas" panose="020B0609020204030204" pitchFamily="49" charset="0"/>
+              </a:rPr>
+              <a:t> Name=</a:t>
+            </a:r>
+            <a:r>
+              <a:rPr lang="en-GB" sz="2400" dirty="0">
+                <a:solidFill>
+                  <a:srgbClr val="CC3300"/>
+                </a:solidFill>
+                <a:latin typeface="Consolas" panose="020B0609020204030204" pitchFamily="49" charset="0"/>
+              </a:rPr>
+              <a:t>"We Are the Champions"</a:t>
+            </a:r>
+            <a:r>
+              <a:rPr lang="en-GB" sz="2400" dirty="0">
+                <a:latin typeface="Consolas" panose="020B0609020204030204" pitchFamily="49" charset="0"/>
+              </a:rPr>
+              <a:t> }</a:t>
+            </a:r>
+          </a:p>
+          <a:p>
+            <a:pPr marL="0" indent="0">
+              <a:buNone/>
+            </a:pPr>
+            <a:endParaRPr lang="en-US" sz="2400" dirty="0">
+              <a:solidFill>
+                <a:srgbClr val="008000"/>
+              </a:solidFill>
+              <a:latin typeface="Consolas" panose="020B0609020204030204" pitchFamily="49" charset="0"/>
+            </a:endParaRPr>
+          </a:p>
+          <a:p>
+            <a:pPr marL="0" indent="0">
+              <a:buNone/>
+            </a:pPr>
+            <a:r>
+              <a:rPr lang="en-GB" sz="2400" dirty="0">
+                <a:solidFill>
+                  <a:srgbClr val="0033CC"/>
+                </a:solidFill>
+                <a:latin typeface="Consolas" panose="020B0609020204030204" pitchFamily="49" charset="0"/>
+              </a:rPr>
+              <a:t>let</a:t>
+            </a:r>
+            <a:r>
+              <a:rPr lang="en-GB" sz="2400" dirty="0">
+                <a:latin typeface="Consolas" panose="020B0609020204030204" pitchFamily="49" charset="0"/>
+              </a:rPr>
+              <a:t> { Name=name } = song3 </a:t>
+            </a:r>
+            <a:r>
+              <a:rPr lang="en-GB" sz="2400" dirty="0">
+                <a:solidFill>
+                  <a:srgbClr val="008000"/>
+                </a:solidFill>
+                <a:latin typeface="Consolas" panose="020B0609020204030204" pitchFamily="49" charset="0"/>
+              </a:rPr>
+              <a:t>// name = song3.Name</a:t>
+            </a:r>
+          </a:p>
+          <a:p>
+            <a:pPr marL="0" indent="0">
+              <a:buNone/>
+            </a:pPr>
+            <a:r>
+              <a:rPr lang="en-GB" sz="2400" dirty="0" err="1">
+                <a:latin typeface="Consolas" panose="020B0609020204030204" pitchFamily="49" charset="0"/>
+              </a:rPr>
+              <a:t>printfn</a:t>
+            </a:r>
+            <a:r>
+              <a:rPr lang="en-GB" sz="2400" dirty="0">
+                <a:latin typeface="Consolas" panose="020B0609020204030204" pitchFamily="49" charset="0"/>
+              </a:rPr>
+              <a:t> </a:t>
+            </a:r>
+            <a:r>
+              <a:rPr lang="en-GB" sz="2400" dirty="0">
+                <a:solidFill>
+                  <a:srgbClr val="CC3300"/>
+                </a:solidFill>
+                <a:latin typeface="Consolas" panose="020B0609020204030204" pitchFamily="49" charset="0"/>
+              </a:rPr>
+              <a:t>"</a:t>
+            </a:r>
+            <a:r>
+              <a:rPr lang="en-GB" sz="2400" dirty="0">
+                <a:latin typeface="Consolas" panose="020B0609020204030204" pitchFamily="49" charset="0"/>
+              </a:rPr>
+              <a:t>%s</a:t>
+            </a:r>
+            <a:r>
+              <a:rPr lang="en-GB" sz="2400" dirty="0">
+                <a:solidFill>
+                  <a:srgbClr val="CC3300"/>
+                </a:solidFill>
+                <a:latin typeface="Consolas" panose="020B0609020204030204" pitchFamily="49" charset="0"/>
+              </a:rPr>
+              <a:t>"</a:t>
+            </a:r>
+            <a:r>
+              <a:rPr lang="en-GB" sz="2400" dirty="0">
+                <a:latin typeface="Consolas" panose="020B0609020204030204" pitchFamily="49" charset="0"/>
+              </a:rPr>
+              <a:t> name </a:t>
+            </a:r>
+            <a:r>
+              <a:rPr lang="en-GB" sz="2400" dirty="0">
+                <a:solidFill>
+                  <a:srgbClr val="008000"/>
+                </a:solidFill>
+                <a:latin typeface="Consolas" panose="020B0609020204030204" pitchFamily="49" charset="0"/>
+              </a:rPr>
+              <a:t>// "We Are the Champions</a:t>
+            </a:r>
+            <a:r>
+              <a:rPr lang="en-GB" sz="2200" dirty="0">
+                <a:solidFill>
+                  <a:srgbClr val="008000"/>
+                </a:solidFill>
+                <a:latin typeface="Consolas" panose="020B0609020204030204" pitchFamily="49" charset="0"/>
+              </a:rPr>
+              <a:t>"</a:t>
+            </a:r>
+          </a:p>
+        </p:txBody>
+      </p:sp>
+    </p:spTree>
+    <p:extLst>
+      <p:ext uri="{BB962C8B-B14F-4D97-AF65-F5344CB8AC3E}">
+        <p14:creationId xmlns:p14="http://schemas.microsoft.com/office/powerpoint/2010/main" val="959413847"/>
+      </p:ext>
+    </p:extLst>
+  </p:cSld>
+  <p:clrMapOvr>
+    <a:masterClrMapping/>
+  </p:clrMapOvr>
+  <p:timing>
+    <p:tnLst>
+      <p:par>
+        <p:cTn id="1" dur="indefinite" restart="never" nodeType="tmRoot">
+          <p:childTnLst>
+            <p:seq concurrent="1" nextAc="seek">
+              <p:cTn id="2" dur="indefinite" nodeType="mainSeq">
+                <p:childTnLst>
+                  <p:par>
+                    <p:cTn id="3" fill="hold">
+                      <p:stCondLst>
+                        <p:cond delay="indefinite"/>
+                      </p:stCondLst>
+                      <p:childTnLst>
+                        <p:par>
+                          <p:cTn id="4" fill="hold">
+                            <p:stCondLst>
+                              <p:cond delay="0"/>
+                            </p:stCondLst>
+                            <p:childTnLst>
+                              <p:par>
+                                <p:cTn id="5" presetID="1" presetClass="entr" presetSubtype="0" fill="hold" nodeType="clickEffect">
+                                  <p:stCondLst>
+                                    <p:cond delay="0"/>
+                                  </p:stCondLst>
+                                  <p:childTnLst>
+                                    <p:set>
+                                      <p:cBhvr>
+                                        <p:cTn id="6" dur="1" fill="hold">
+                                          <p:stCondLst>
+                                            <p:cond delay="0"/>
+                                          </p:stCondLst>
+                                        </p:cTn>
+                                        <p:tgtEl>
+                                          <p:spTgt spid="3">
+                                            <p:txEl>
+                                              <p:pRg st="2" end="2"/>
+                                            </p:txEl>
+                                          </p:spTgt>
+                                        </p:tgtEl>
+                                        <p:attrNameLst>
+                                          <p:attrName>style.visibility</p:attrName>
+                                        </p:attrNameLst>
+                                      </p:cBhvr>
+                                      <p:to>
+                                        <p:strVal val="visible"/>
+                                      </p:to>
+                                    </p:set>
+                                  </p:childTnLst>
+                                </p:cTn>
+                              </p:par>
+                            </p:childTnLst>
+                          </p:cTn>
+                        </p:par>
+                      </p:childTnLst>
+                    </p:cTn>
+                  </p:par>
+                  <p:par>
+                    <p:cTn id="7" fill="hold">
+                      <p:stCondLst>
+                        <p:cond delay="indefinite"/>
+                      </p:stCondLst>
+                      <p:childTnLst>
+                        <p:par>
+                          <p:cTn id="8" fill="hold">
+                            <p:stCondLst>
+                              <p:cond delay="0"/>
+                            </p:stCondLst>
+                            <p:childTnLst>
+                              <p:par>
+                                <p:cTn id="9" presetID="1" presetClass="entr" presetSubtype="0" fill="hold" nodeType="clickEffect">
+                                  <p:stCondLst>
+                                    <p:cond delay="0"/>
+                                  </p:stCondLst>
+                                  <p:childTnLst>
+                                    <p:set>
+                                      <p:cBhvr>
+                                        <p:cTn id="10" dur="1" fill="hold">
+                                          <p:stCondLst>
+                                            <p:cond delay="0"/>
+                                          </p:stCondLst>
+                                        </p:cTn>
+                                        <p:tgtEl>
+                                          <p:spTgt spid="3">
+                                            <p:txEl>
+                                              <p:pRg st="3" end="3"/>
+                                            </p:txEl>
+                                          </p:spTgt>
+                                        </p:tgtEl>
+                                        <p:attrNameLst>
+                                          <p:attrName>style.visibility</p:attrName>
+                                        </p:attrNameLst>
+                                      </p:cBhvr>
+                                      <p:to>
+                                        <p:strVal val="visible"/>
+                                      </p:to>
+                                    </p:set>
+                                  </p:childTnLst>
+                                </p:cTn>
+                              </p:par>
+                              <p:par>
+                                <p:cTn id="11" presetID="1" presetClass="entr" presetSubtype="0" fill="hold" nodeType="withEffect">
+                                  <p:stCondLst>
+                                    <p:cond delay="0"/>
+                                  </p:stCondLst>
+                                  <p:childTnLst>
+                                    <p:set>
+                                      <p:cBhvr>
+                                        <p:cTn id="12" dur="1" fill="hold">
+                                          <p:stCondLst>
+                                            <p:cond delay="0"/>
+                                          </p:stCondLst>
+                                        </p:cTn>
+                                        <p:tgtEl>
+                                          <p:spTgt spid="3">
+                                            <p:txEl>
+                                              <p:pRg st="4" end="4"/>
+                                            </p:txEl>
+                                          </p:spTgt>
+                                        </p:tgtEl>
+                                        <p:attrNameLst>
+                                          <p:attrName>style.visibility</p:attrName>
+                                        </p:attrNameLst>
+                                      </p:cBhvr>
+                                      <p:to>
+                                        <p:strVal val="visible"/>
+                                      </p:to>
+                                    </p:set>
+                                  </p:childTnLst>
+                                </p:cTn>
+                              </p:par>
+                            </p:childTnLst>
+                          </p:cTn>
+                        </p:par>
+                      </p:childTnLst>
+                    </p:cTn>
+                  </p:par>
+                  <p:par>
+                    <p:cTn id="13" fill="hold">
+                      <p:stCondLst>
+                        <p:cond delay="indefinite"/>
+                      </p:stCondLst>
+                      <p:childTnLst>
+                        <p:par>
+                          <p:cTn id="14" fill="hold">
+                            <p:stCondLst>
+                              <p:cond delay="0"/>
+                            </p:stCondLst>
+                            <p:childTnLst>
+                              <p:par>
+                                <p:cTn id="15" presetID="1" presetClass="entr" presetSubtype="0" fill="hold" nodeType="clickEffect">
+                                  <p:stCondLst>
+                                    <p:cond delay="0"/>
+                                  </p:stCondLst>
+                                  <p:childTnLst>
+                                    <p:set>
+                                      <p:cBhvr>
+                                        <p:cTn id="16" dur="1" fill="hold">
+                                          <p:stCondLst>
+                                            <p:cond delay="0"/>
+                                          </p:stCondLst>
+                                        </p:cTn>
+                                        <p:tgtEl>
+                                          <p:spTgt spid="3">
+                                            <p:txEl>
+                                              <p:pRg st="6" end="6"/>
+                                            </p:txEl>
+                                          </p:spTgt>
+                                        </p:tgtEl>
+                                        <p:attrNameLst>
+                                          <p:attrName>style.visibility</p:attrName>
+                                        </p:attrNameLst>
+                                      </p:cBhvr>
+                                      <p:to>
+                                        <p:strVal val="visible"/>
+                                      </p:to>
+                                    </p:set>
+                                  </p:childTnLst>
+                                </p:cTn>
+                              </p:par>
+                            </p:childTnLst>
+                          </p:cTn>
+                        </p:par>
+                      </p:childTnLst>
+                    </p:cTn>
+                  </p:par>
+                  <p:par>
+                    <p:cTn id="17" fill="hold">
+                      <p:stCondLst>
+                        <p:cond delay="indefinite"/>
+                      </p:stCondLst>
+                      <p:childTnLst>
+                        <p:par>
+                          <p:cTn id="18" fill="hold">
+                            <p:stCondLst>
+                              <p:cond delay="0"/>
+                            </p:stCondLst>
+                            <p:childTnLst>
+                              <p:par>
+                                <p:cTn id="19" presetID="1" presetClass="entr" presetSubtype="0" fill="hold" nodeType="clickEffect">
+                                  <p:stCondLst>
+                                    <p:cond delay="0"/>
+                                  </p:stCondLst>
+                                  <p:childTnLst>
+                                    <p:set>
+                                      <p:cBhvr>
+                                        <p:cTn id="20" dur="1" fill="hold">
+                                          <p:stCondLst>
+                                            <p:cond delay="0"/>
+                                          </p:stCondLst>
+                                        </p:cTn>
+                                        <p:tgtEl>
+                                          <p:spTgt spid="3">
+                                            <p:txEl>
+                                              <p:pRg st="8" end="8"/>
+                                            </p:txEl>
+                                          </p:spTgt>
+                                        </p:tgtEl>
+                                        <p:attrNameLst>
+                                          <p:attrName>style.visibility</p:attrName>
+                                        </p:attrNameLst>
+                                      </p:cBhvr>
+                                      <p:to>
+                                        <p:strVal val="visible"/>
+                                      </p:to>
+                                    </p:set>
+                                  </p:childTnLst>
+                                </p:cTn>
+                              </p:par>
+                              <p:par>
+                                <p:cTn id="21" presetID="1" presetClass="entr" presetSubtype="0" fill="hold" nodeType="withEffect">
+                                  <p:stCondLst>
+                                    <p:cond delay="0"/>
+                                  </p:stCondLst>
+                                  <p:childTnLst>
+                                    <p:set>
+                                      <p:cBhvr>
+                                        <p:cTn id="22" dur="1" fill="hold">
+                                          <p:stCondLst>
+                                            <p:cond delay="0"/>
+                                          </p:stCondLst>
+                                        </p:cTn>
+                                        <p:tgtEl>
+                                          <p:spTgt spid="3">
+                                            <p:txEl>
+                                              <p:pRg st="9" end="9"/>
+                                            </p:txEl>
+                                          </p:spTgt>
+                                        </p:tgtEl>
+                                        <p:attrNameLst>
+                                          <p:attrName>style.visibility</p:attrName>
+                                        </p:attrNameLst>
+                                      </p:cBhvr>
+                                      <p:to>
+                                        <p:strVal val="visible"/>
+                                      </p:to>
+                                    </p:set>
+                                  </p:childTnLst>
+                                </p:cTn>
+                              </p:par>
+                            </p:childTnLst>
+                          </p:cTn>
+                        </p:par>
+                      </p:childTnLst>
+                    </p:cTn>
+                  </p:par>
+                </p:childTnLst>
+              </p:cTn>
+              <p:prevCondLst>
+                <p:cond evt="onPrev" delay="0">
+                  <p:tgtEl>
+                    <p:sldTgt/>
+                  </p:tgtEl>
+                </p:cond>
+              </p:prevCondLst>
+              <p:nextCondLst>
+                <p:cond evt="onNext" delay="0">
+                  <p:tgtEl>
+                    <p:sldTgt/>
+                  </p:tgtEl>
+                </p:cond>
+              </p:nextCondLst>
+            </p:seq>
+          </p:childTnLst>
+        </p:cTn>
+      </p:par>
+    </p:tnLst>
+  </p:timing>
+</p:sld>
+</file>
+
+<file path=ppt/slides/slide25.xml><?xml version="1.0" encoding="utf-8"?>
+<p:sld xmlns:a="http://schemas.openxmlformats.org/drawingml/2006/main" xmlns:r="http://schemas.openxmlformats.org/officeDocument/2006/relationships" xmlns:p="http://schemas.openxmlformats.org/presentationml/2006/main">
+  <p:cSld>
+    <p:spTree>
+      <p:nvGrpSpPr>
+        <p:cNvPr id="1" name=""/>
+        <p:cNvGrpSpPr/>
+        <p:nvPr/>
+      </p:nvGrpSpPr>
+      <p:grpSpPr>
+        <a:xfrm>
+          <a:off x="0" y="0"/>
+          <a:ext cx="0" cy="0"/>
+          <a:chOff x="0" y="0"/>
+          <a:chExt cx="0" cy="0"/>
+        </a:xfrm>
+      </p:grpSpPr>
+      <p:pic>
+        <p:nvPicPr>
+          <p:cNvPr id="15" name="Рисунок 14">
+            <a:extLst>
+              <a:ext uri="{FF2B5EF4-FFF2-40B4-BE49-F238E27FC236}">
+                <a16:creationId xmlns:a16="http://schemas.microsoft.com/office/drawing/2014/main" id="{60798393-CFE0-4F71-8543-FB48151AB623}"/>
+              </a:ext>
+            </a:extLst>
+          </p:cNvPr>
+          <p:cNvPicPr>
+            <a:picLocks noChangeAspect="1"/>
+          </p:cNvPicPr>
+          <p:nvPr/>
+        </p:nvPicPr>
+        <p:blipFill>
+          <a:blip r:embed="rId2">
+            <a:extLst>
+              <a:ext uri="{28A0092B-C50C-407E-A947-70E740481C1C}">
+                <a14:useLocalDpi xmlns:a14="http://schemas.microsoft.com/office/drawing/2010/main" val="0"/>
+              </a:ext>
+            </a:extLst>
+          </a:blip>
+          <a:stretch>
+            <a:fillRect/>
+          </a:stretch>
+        </p:blipFill>
+        <p:spPr>
+          <a:xfrm>
+            <a:off x="6553200" y="3682285"/>
+            <a:ext cx="2284480" cy="2284480"/>
+          </a:xfrm>
+          <a:prstGeom prst="rect">
+            <a:avLst/>
+          </a:prstGeom>
+        </p:spPr>
+      </p:pic>
+      <p:sp>
+        <p:nvSpPr>
+          <p:cNvPr id="2" name="Заголовок 1">
+            <a:extLst>
+              <a:ext uri="{FF2B5EF4-FFF2-40B4-BE49-F238E27FC236}">
+                <a16:creationId xmlns:a16="http://schemas.microsoft.com/office/drawing/2014/main" id="{2C9998E3-D049-4431-995A-ED6F2F8C3B90}"/>
+              </a:ext>
+            </a:extLst>
+          </p:cNvPr>
+          <p:cNvSpPr>
+            <a:spLocks noGrp="1"/>
+          </p:cNvSpPr>
+          <p:nvPr>
+            <p:ph type="title"/>
+          </p:nvPr>
+        </p:nvSpPr>
+        <p:spPr/>
+        <p:txBody>
+          <a:bodyPr/>
+          <a:lstStyle/>
+          <a:p>
+            <a:r>
+              <a:rPr lang="ru-RU" dirty="0"/>
+              <a:t>Инструменты</a:t>
+            </a:r>
+            <a:endParaRPr lang="en-GB" dirty="0"/>
+          </a:p>
+        </p:txBody>
+      </p:sp>
+      <p:pic>
+        <p:nvPicPr>
+          <p:cNvPr id="9" name="Рисунок 8">
+            <a:extLst>
+              <a:ext uri="{FF2B5EF4-FFF2-40B4-BE49-F238E27FC236}">
+                <a16:creationId xmlns:a16="http://schemas.microsoft.com/office/drawing/2014/main" id="{2424F9C5-2740-48F2-B9F9-1ABB3C7A3E71}"/>
+              </a:ext>
+            </a:extLst>
+          </p:cNvPr>
+          <p:cNvPicPr>
+            <a:picLocks noChangeAspect="1"/>
+          </p:cNvPicPr>
+          <p:nvPr/>
+        </p:nvPicPr>
+        <p:blipFill>
+          <a:blip r:embed="rId3">
+            <a:extLst>
+              <a:ext uri="{28A0092B-C50C-407E-A947-70E740481C1C}">
+                <a14:useLocalDpi xmlns:a14="http://schemas.microsoft.com/office/drawing/2010/main" val="0"/>
+              </a:ext>
+            </a:extLst>
+          </a:blip>
+          <a:stretch>
+            <a:fillRect/>
+          </a:stretch>
+        </p:blipFill>
+        <p:spPr>
+          <a:xfrm>
+            <a:off x="3390319" y="1690687"/>
+            <a:ext cx="1484031" cy="1484031"/>
+          </a:xfrm>
+          <a:prstGeom prst="rect">
+            <a:avLst/>
+          </a:prstGeom>
+        </p:spPr>
+      </p:pic>
+      <p:pic>
+        <p:nvPicPr>
+          <p:cNvPr id="11" name="Рисунок 10">
+            <a:extLst>
+              <a:ext uri="{FF2B5EF4-FFF2-40B4-BE49-F238E27FC236}">
+                <a16:creationId xmlns:a16="http://schemas.microsoft.com/office/drawing/2014/main" id="{247AD1D3-75E4-4213-BBF2-5C9678603AB5}"/>
+              </a:ext>
+            </a:extLst>
+          </p:cNvPr>
+          <p:cNvPicPr>
+            <a:picLocks noChangeAspect="1"/>
+          </p:cNvPicPr>
+          <p:nvPr/>
+        </p:nvPicPr>
+        <p:blipFill>
+          <a:blip r:embed="rId4">
+            <a:extLst>
+              <a:ext uri="{28A0092B-C50C-407E-A947-70E740481C1C}">
+                <a14:useLocalDpi xmlns:a14="http://schemas.microsoft.com/office/drawing/2010/main" val="0"/>
+              </a:ext>
+            </a:extLst>
+          </a:blip>
+          <a:stretch>
+            <a:fillRect/>
+          </a:stretch>
+        </p:blipFill>
+        <p:spPr>
+          <a:xfrm>
+            <a:off x="7317651" y="1649745"/>
+            <a:ext cx="1484031" cy="1484031"/>
+          </a:xfrm>
+          <a:prstGeom prst="rect">
+            <a:avLst/>
+          </a:prstGeom>
+        </p:spPr>
+      </p:pic>
+      <p:pic>
+        <p:nvPicPr>
+          <p:cNvPr id="13" name="Рисунок 12">
+            <a:extLst>
+              <a:ext uri="{FF2B5EF4-FFF2-40B4-BE49-F238E27FC236}">
+                <a16:creationId xmlns:a16="http://schemas.microsoft.com/office/drawing/2014/main" id="{93D835E7-9339-4FCC-93F2-F50FB1BE2291}"/>
+              </a:ext>
+            </a:extLst>
+          </p:cNvPr>
+          <p:cNvPicPr>
+            <a:picLocks noChangeAspect="1"/>
+          </p:cNvPicPr>
+          <p:nvPr/>
+        </p:nvPicPr>
+        <p:blipFill>
+          <a:blip r:embed="rId5">
+            <a:extLst>
+              <a:ext uri="{28A0092B-C50C-407E-A947-70E740481C1C}">
+                <a14:useLocalDpi xmlns:a14="http://schemas.microsoft.com/office/drawing/2010/main" val="0"/>
+              </a:ext>
+            </a:extLst>
+          </a:blip>
+          <a:stretch>
+            <a:fillRect/>
+          </a:stretch>
+        </p:blipFill>
+        <p:spPr>
+          <a:xfrm>
+            <a:off x="3484806" y="3893674"/>
+            <a:ext cx="1869179" cy="1861702"/>
+          </a:xfrm>
+          <a:prstGeom prst="rect">
+            <a:avLst/>
+          </a:prstGeom>
+        </p:spPr>
+      </p:pic>
+      <p:sp>
+        <p:nvSpPr>
+          <p:cNvPr id="16" name="TextBox 15">
+            <a:extLst>
+              <a:ext uri="{FF2B5EF4-FFF2-40B4-BE49-F238E27FC236}">
+                <a16:creationId xmlns:a16="http://schemas.microsoft.com/office/drawing/2014/main" id="{101703B1-391D-43AE-B2EC-B45C897AA46E}"/>
+              </a:ext>
+            </a:extLst>
+          </p:cNvPr>
+          <p:cNvSpPr txBox="1"/>
+          <p:nvPr/>
+        </p:nvSpPr>
+        <p:spPr>
+          <a:xfrm>
+            <a:off x="7166288" y="5737552"/>
+            <a:ext cx="1058303" cy="369332"/>
+          </a:xfrm>
+          <a:prstGeom prst="rect">
+            <a:avLst/>
+          </a:prstGeom>
+          <a:noFill/>
+        </p:spPr>
+        <p:txBody>
+          <a:bodyPr wrap="none" rtlCol="0">
+            <a:spAutoFit/>
+          </a:bodyPr>
+          <a:lstStyle/>
+          <a:p>
+            <a:r>
+              <a:rPr lang="en-US" dirty="0">
+                <a:hlinkClick r:id="rId6"/>
+              </a:rPr>
+              <a:t>ionide.io</a:t>
+            </a:r>
+            <a:endParaRPr lang="en-GB" dirty="0"/>
+          </a:p>
+        </p:txBody>
+      </p:sp>
+      <p:pic>
+        <p:nvPicPr>
+          <p:cNvPr id="18" name="Рисунок 17">
+            <a:extLst>
+              <a:ext uri="{FF2B5EF4-FFF2-40B4-BE49-F238E27FC236}">
+                <a16:creationId xmlns:a16="http://schemas.microsoft.com/office/drawing/2014/main" id="{96F834A1-E6F2-4C03-B051-BE6893DF4B8E}"/>
+              </a:ext>
+            </a:extLst>
+          </p:cNvPr>
+          <p:cNvPicPr>
+            <a:picLocks noChangeAspect="1"/>
+          </p:cNvPicPr>
+          <p:nvPr/>
+        </p:nvPicPr>
+        <p:blipFill>
+          <a:blip r:embed="rId7">
+            <a:extLst>
+              <a:ext uri="{28A0092B-C50C-407E-A947-70E740481C1C}">
+                <a14:useLocalDpi xmlns:a14="http://schemas.microsoft.com/office/drawing/2010/main" val="0"/>
+              </a:ext>
+              <a:ext uri="{96DAC541-7B7A-43D3-8B79-37D633B846F1}">
+                <asvg:svgBlip xmlns:asvg="http://schemas.microsoft.com/office/drawing/2016/SVG/main" r:embed="rId8"/>
+              </a:ext>
+            </a:extLst>
+          </a:blip>
+          <a:stretch>
+            <a:fillRect/>
+          </a:stretch>
+        </p:blipFill>
+        <p:spPr>
+          <a:xfrm>
+            <a:off x="5353985" y="1608802"/>
+            <a:ext cx="1484031" cy="1484031"/>
+          </a:xfrm>
+          <a:prstGeom prst="rect">
+            <a:avLst/>
+          </a:prstGeom>
+        </p:spPr>
+      </p:pic>
+      <p:pic>
+        <p:nvPicPr>
+          <p:cNvPr id="20" name="Рисунок 19" descr="Добавить">
+            <a:extLst>
+              <a:ext uri="{FF2B5EF4-FFF2-40B4-BE49-F238E27FC236}">
+                <a16:creationId xmlns:a16="http://schemas.microsoft.com/office/drawing/2014/main" id="{48A127DF-547C-455B-98F8-E5E408092FB4}"/>
+              </a:ext>
+            </a:extLst>
+          </p:cNvPr>
+          <p:cNvPicPr>
+            <a:picLocks noChangeAspect="1"/>
+          </p:cNvPicPr>
+          <p:nvPr/>
+        </p:nvPicPr>
+        <p:blipFill>
+          <a:blip r:embed="rId9">
+            <a:extLst>
+              <a:ext uri="{28A0092B-C50C-407E-A947-70E740481C1C}">
+                <a14:useLocalDpi xmlns:a14="http://schemas.microsoft.com/office/drawing/2010/main" val="0"/>
+              </a:ext>
+              <a:ext uri="{96DAC541-7B7A-43D3-8B79-37D633B846F1}">
+                <asvg:svgBlip xmlns:asvg="http://schemas.microsoft.com/office/drawing/2016/SVG/main" r:embed="rId10"/>
+              </a:ext>
+            </a:extLst>
+          </a:blip>
+          <a:stretch>
+            <a:fillRect/>
+          </a:stretch>
+        </p:blipFill>
+        <p:spPr>
+          <a:xfrm>
+            <a:off x="5638800" y="4368323"/>
+            <a:ext cx="914400" cy="914400"/>
+          </a:xfrm>
+          <a:prstGeom prst="rect">
+            <a:avLst/>
+          </a:prstGeom>
+        </p:spPr>
+      </p:pic>
+    </p:spTree>
+    <p:extLst>
+      <p:ext uri="{BB962C8B-B14F-4D97-AF65-F5344CB8AC3E}">
+        <p14:creationId xmlns:p14="http://schemas.microsoft.com/office/powerpoint/2010/main" val="4008068042"/>
+      </p:ext>
+    </p:extLst>
+  </p:cSld>
+  <p:clrMapOvr>
+    <a:masterClrMapping/>
+  </p:clrMapOvr>
+  <p:timing>
+    <p:tnLst>
+      <p:par>
+        <p:cTn id="1" dur="indefinite" restart="never" nodeType="tmRoot">
+          <p:childTnLst>
+            <p:seq concurrent="1" nextAc="seek">
+              <p:cTn id="2" dur="indefinite" nodeType="mainSeq">
+                <p:childTnLst>
+                  <p:par>
+                    <p:cTn id="3" fill="hold">
+                      <p:stCondLst>
+                        <p:cond delay="indefinite"/>
+                      </p:stCondLst>
+                      <p:childTnLst>
+                        <p:par>
+                          <p:cTn id="4" fill="hold">
+                            <p:stCondLst>
+                              <p:cond delay="0"/>
+                            </p:stCondLst>
+                            <p:childTnLst>
+                              <p:par>
+                                <p:cTn id="5" presetID="1" presetClass="entr" presetSubtype="0" fill="hold" nodeType="clickEffect">
+                                  <p:stCondLst>
+                                    <p:cond delay="0"/>
+                                  </p:stCondLst>
+                                  <p:childTnLst>
+                                    <p:set>
+                                      <p:cBhvr>
+                                        <p:cTn id="6" dur="1" fill="hold">
+                                          <p:stCondLst>
+                                            <p:cond delay="0"/>
+                                          </p:stCondLst>
+                                        </p:cTn>
+                                        <p:tgtEl>
+                                          <p:spTgt spid="13"/>
+                                        </p:tgtEl>
+                                        <p:attrNameLst>
+                                          <p:attrName>style.visibility</p:attrName>
+                                        </p:attrNameLst>
+                                      </p:cBhvr>
+                                      <p:to>
+                                        <p:strVal val="visible"/>
+                                      </p:to>
+                                    </p:set>
+                                  </p:childTnLst>
+                                </p:cTn>
+                              </p:par>
+                              <p:par>
+                                <p:cTn id="7" presetID="1" presetClass="entr" presetSubtype="0" fill="hold" grpId="0" nodeType="withEffect">
+                                  <p:stCondLst>
+                                    <p:cond delay="0"/>
+                                  </p:stCondLst>
+                                  <p:childTnLst>
+                                    <p:set>
+                                      <p:cBhvr>
+                                        <p:cTn id="8" dur="1" fill="hold">
+                                          <p:stCondLst>
+                                            <p:cond delay="0"/>
+                                          </p:stCondLst>
+                                        </p:cTn>
+                                        <p:tgtEl>
+                                          <p:spTgt spid="16"/>
+                                        </p:tgtEl>
+                                        <p:attrNameLst>
+                                          <p:attrName>style.visibility</p:attrName>
+                                        </p:attrNameLst>
+                                      </p:cBhvr>
+                                      <p:to>
+                                        <p:strVal val="visible"/>
+                                      </p:to>
+                                    </p:set>
+                                  </p:childTnLst>
+                                </p:cTn>
+                              </p:par>
+                              <p:par>
+                                <p:cTn id="9" presetID="1" presetClass="entr" presetSubtype="0" fill="hold" nodeType="withEffect">
+                                  <p:stCondLst>
+                                    <p:cond delay="0"/>
+                                  </p:stCondLst>
+                                  <p:childTnLst>
+                                    <p:set>
+                                      <p:cBhvr>
+                                        <p:cTn id="10" dur="1" fill="hold">
+                                          <p:stCondLst>
+                                            <p:cond delay="0"/>
+                                          </p:stCondLst>
+                                        </p:cTn>
+                                        <p:tgtEl>
+                                          <p:spTgt spid="20"/>
+                                        </p:tgtEl>
+                                        <p:attrNameLst>
+                                          <p:attrName>style.visibility</p:attrName>
+                                        </p:attrNameLst>
+                                      </p:cBhvr>
+                                      <p:to>
+                                        <p:strVal val="visible"/>
+                                      </p:to>
+                                    </p:set>
+                                  </p:childTnLst>
+                                </p:cTn>
+                              </p:par>
+                              <p:par>
+                                <p:cTn id="11" presetID="1" presetClass="entr" presetSubtype="0" fill="hold" nodeType="withEffect">
+                                  <p:stCondLst>
+                                    <p:cond delay="0"/>
+                                  </p:stCondLst>
+                                  <p:childTnLst>
+                                    <p:set>
+                                      <p:cBhvr>
+                                        <p:cTn id="12" dur="1" fill="hold">
+                                          <p:stCondLst>
+                                            <p:cond delay="0"/>
+                                          </p:stCondLst>
+                                        </p:cTn>
+                                        <p:tgtEl>
+                                          <p:spTgt spid="15"/>
+                                        </p:tgtEl>
+                                        <p:attrNameLst>
+                                          <p:attrName>style.visibility</p:attrName>
+                                        </p:attrNameLst>
+                                      </p:cBhvr>
+                                      <p:to>
+                                        <p:strVal val="visible"/>
+                                      </p:to>
+                                    </p:set>
+                                  </p:childTnLst>
+                                </p:cTn>
+                              </p:par>
+                            </p:childTnLst>
+                          </p:cTn>
+                        </p:par>
+                      </p:childTnLst>
+                    </p:cTn>
+                  </p:par>
+                </p:childTnLst>
+              </p:cTn>
+              <p:prevCondLst>
+                <p:cond evt="onPrev" delay="0">
+                  <p:tgtEl>
+                    <p:sldTgt/>
+                  </p:tgtEl>
+                </p:cond>
+              </p:prevCondLst>
+              <p:nextCondLst>
+                <p:cond evt="onNext" delay="0">
+                  <p:tgtEl>
+                    <p:sldTgt/>
+                  </p:tgtEl>
+                </p:cond>
+              </p:nextCondLst>
+            </p:seq>
+          </p:childTnLst>
+        </p:cTn>
+      </p:par>
+    </p:tnLst>
+    <p:bldLst>
+      <p:bldP spid="16" grpId="0"/>
+    </p:bldLst>
+  </p:timing>
+</p:sld>
+</file>
+
+<file path=ppt/slides/slide26.xml><?xml version="1.0" encoding="utf-8"?>
+<p:sld xmlns:a="http://schemas.openxmlformats.org/drawingml/2006/main" xmlns:r="http://schemas.openxmlformats.org/officeDocument/2006/relationships" xmlns:p="http://schemas.openxmlformats.org/presentationml/2006/main">
+  <p:cSld>
+    <p:spTree>
+      <p:nvGrpSpPr>
+        <p:cNvPr id="1" name=""/>
+        <p:cNvGrpSpPr/>
+        <p:nvPr/>
+      </p:nvGrpSpPr>
+      <p:grpSpPr>
+        <a:xfrm>
+          <a:off x="0" y="0"/>
+          <a:ext cx="0" cy="0"/>
+          <a:chOff x="0" y="0"/>
+          <a:chExt cx="0" cy="0"/>
+        </a:xfrm>
+      </p:grpSpPr>
+      <p:sp>
+        <p:nvSpPr>
+          <p:cNvPr id="2" name="Заголовок 1">
+            <a:extLst>
+              <a:ext uri="{FF2B5EF4-FFF2-40B4-BE49-F238E27FC236}">
+                <a16:creationId xmlns:a16="http://schemas.microsoft.com/office/drawing/2014/main" id="{60AE4335-1397-4F48-867E-46EC0C69CFE1}"/>
+              </a:ext>
+            </a:extLst>
+          </p:cNvPr>
+          <p:cNvSpPr>
+            <a:spLocks noGrp="1"/>
+          </p:cNvSpPr>
+          <p:nvPr>
+            <p:ph type="title"/>
+          </p:nvPr>
+        </p:nvSpPr>
+        <p:spPr/>
+        <p:txBody>
+          <a:bodyPr>
+            <a:normAutofit/>
+          </a:bodyPr>
+          <a:lstStyle/>
+          <a:p>
+            <a:r>
+              <a:rPr lang="ru-RU" dirty="0">
+                <a:latin typeface="Segoe UI Light" panose="020B0502040204020203" pitchFamily="34" charset="0"/>
+                <a:cs typeface="Segoe UI Light" panose="020B0502040204020203" pitchFamily="34" charset="0"/>
+              </a:rPr>
+              <a:t>Где учить?</a:t>
+            </a:r>
+            <a:endParaRPr lang="en-GB" dirty="0">
+              <a:latin typeface="Segoe UI Light" panose="020B0502040204020203" pitchFamily="34" charset="0"/>
+              <a:cs typeface="Segoe UI Light" panose="020B0502040204020203" pitchFamily="34" charset="0"/>
+            </a:endParaRPr>
+          </a:p>
+        </p:txBody>
+      </p:sp>
+      <p:sp>
+        <p:nvSpPr>
+          <p:cNvPr id="5" name="Прямоугольник 4">
+            <a:extLst>
+              <a:ext uri="{FF2B5EF4-FFF2-40B4-BE49-F238E27FC236}">
+                <a16:creationId xmlns:a16="http://schemas.microsoft.com/office/drawing/2014/main" id="{B675382F-C9B6-46FC-9283-5D13D4F5716F}"/>
+              </a:ext>
+            </a:extLst>
+          </p:cNvPr>
+          <p:cNvSpPr/>
+          <p:nvPr/>
+        </p:nvSpPr>
+        <p:spPr>
+          <a:xfrm>
+            <a:off x="838200" y="2690557"/>
+            <a:ext cx="4112280" cy="1938992"/>
+          </a:xfrm>
+          <a:prstGeom prst="rect">
+            <a:avLst/>
+          </a:prstGeom>
+        </p:spPr>
+        <p:txBody>
+          <a:bodyPr wrap="none">
+            <a:spAutoFit/>
+          </a:bodyPr>
+          <a:lstStyle/>
+          <a:p>
+            <a:pPr marL="342900" indent="-342900">
+              <a:buFont typeface="Arial" panose="020B0604020202020204" pitchFamily="34" charset="0"/>
+              <a:buChar char="•"/>
+            </a:pPr>
+            <a:r>
+              <a:rPr lang="en-GB" sz="2400" dirty="0">
+                <a:solidFill>
+                  <a:srgbClr val="002060"/>
+                </a:solidFill>
+                <a:latin typeface="Segoe UI" panose="020B0502040204020203" pitchFamily="34" charset="0"/>
+                <a:cs typeface="Segoe UI" panose="020B0502040204020203" pitchFamily="34" charset="0"/>
+                <a:hlinkClick r:id="rId2"/>
+              </a:rPr>
+              <a:t>fsharpforfunandprofit.com</a:t>
+            </a:r>
+            <a:endParaRPr lang="en-GB" sz="2400" dirty="0">
+              <a:solidFill>
+                <a:srgbClr val="002060"/>
+              </a:solidFill>
+              <a:latin typeface="Segoe UI" panose="020B0502040204020203" pitchFamily="34" charset="0"/>
+              <a:cs typeface="Segoe UI" panose="020B0502040204020203" pitchFamily="34" charset="0"/>
+            </a:endParaRPr>
+          </a:p>
+          <a:p>
+            <a:pPr marL="342900" indent="-342900">
+              <a:buFont typeface="Arial" panose="020B0604020202020204" pitchFamily="34" charset="0"/>
+              <a:buChar char="•"/>
+            </a:pPr>
+            <a:endParaRPr lang="en-US" sz="2400" dirty="0">
+              <a:solidFill>
+                <a:srgbClr val="002060"/>
+              </a:solidFill>
+              <a:latin typeface="Segoe UI" panose="020B0502040204020203" pitchFamily="34" charset="0"/>
+              <a:cs typeface="Segoe UI" panose="020B0502040204020203" pitchFamily="34" charset="0"/>
+            </a:endParaRPr>
+          </a:p>
+          <a:p>
+            <a:pPr marL="342900" indent="-342900">
+              <a:buFont typeface="Arial" panose="020B0604020202020204" pitchFamily="34" charset="0"/>
+              <a:buChar char="•"/>
+            </a:pPr>
+            <a:endParaRPr lang="en-US" sz="2400" dirty="0">
+              <a:solidFill>
+                <a:srgbClr val="002060"/>
+              </a:solidFill>
+              <a:latin typeface="Segoe UI" panose="020B0502040204020203" pitchFamily="34" charset="0"/>
+              <a:cs typeface="Segoe UI" panose="020B0502040204020203" pitchFamily="34" charset="0"/>
+            </a:endParaRPr>
+          </a:p>
+          <a:p>
+            <a:pPr marL="342900" indent="-342900">
+              <a:buFont typeface="Arial" panose="020B0604020202020204" pitchFamily="34" charset="0"/>
+              <a:buChar char="•"/>
+            </a:pPr>
+            <a:endParaRPr lang="en-GB" sz="2400" dirty="0">
+              <a:solidFill>
+                <a:srgbClr val="002060"/>
+              </a:solidFill>
+              <a:latin typeface="Segoe UI" panose="020B0502040204020203" pitchFamily="34" charset="0"/>
+              <a:cs typeface="Segoe UI" panose="020B0502040204020203" pitchFamily="34" charset="0"/>
+            </a:endParaRPr>
+          </a:p>
+          <a:p>
+            <a:pPr marL="342900" indent="-342900">
+              <a:buFont typeface="Arial" panose="020B0604020202020204" pitchFamily="34" charset="0"/>
+              <a:buChar char="•"/>
+            </a:pPr>
+            <a:r>
+              <a:rPr lang="en-GB" sz="2400" dirty="0">
+                <a:latin typeface="Segoe UI" panose="020B0502040204020203" pitchFamily="34" charset="0"/>
+                <a:cs typeface="Segoe UI" panose="020B0502040204020203" pitchFamily="34" charset="0"/>
+                <a:hlinkClick r:id="rId3"/>
+              </a:rPr>
+              <a:t>fsharp.org/learn.html</a:t>
+            </a:r>
+            <a:endParaRPr lang="en-GB" sz="2400" dirty="0">
+              <a:latin typeface="Segoe UI" panose="020B0502040204020203" pitchFamily="34" charset="0"/>
+              <a:cs typeface="Segoe UI" panose="020B0502040204020203" pitchFamily="34" charset="0"/>
+            </a:endParaRPr>
+          </a:p>
+        </p:txBody>
+      </p:sp>
+      <p:pic>
+        <p:nvPicPr>
+          <p:cNvPr id="8" name="Рисунок 7">
+            <a:extLst>
+              <a:ext uri="{FF2B5EF4-FFF2-40B4-BE49-F238E27FC236}">
+                <a16:creationId xmlns:a16="http://schemas.microsoft.com/office/drawing/2014/main" id="{2BEA2693-AA62-44AE-B748-1E2C6B2357B6}"/>
+              </a:ext>
+            </a:extLst>
+          </p:cNvPr>
+          <p:cNvPicPr>
+            <a:picLocks noChangeAspect="1"/>
+          </p:cNvPicPr>
+          <p:nvPr/>
+        </p:nvPicPr>
+        <p:blipFill>
+          <a:blip r:embed="rId4"/>
+          <a:stretch>
+            <a:fillRect/>
+          </a:stretch>
+        </p:blipFill>
+        <p:spPr>
+          <a:xfrm>
+            <a:off x="838200" y="1941179"/>
+            <a:ext cx="9294341" cy="794388"/>
+          </a:xfrm>
+          <a:prstGeom prst="rect">
+            <a:avLst/>
+          </a:prstGeom>
+        </p:spPr>
+      </p:pic>
+      <p:sp>
+        <p:nvSpPr>
+          <p:cNvPr id="9" name="TextBox 8">
+            <a:extLst>
+              <a:ext uri="{FF2B5EF4-FFF2-40B4-BE49-F238E27FC236}">
+                <a16:creationId xmlns:a16="http://schemas.microsoft.com/office/drawing/2014/main" id="{53672C8E-936F-4C10-852B-F5CEE6700CB0}"/>
+              </a:ext>
+            </a:extLst>
+          </p:cNvPr>
+          <p:cNvSpPr txBox="1"/>
+          <p:nvPr/>
+        </p:nvSpPr>
+        <p:spPr>
+          <a:xfrm>
+            <a:off x="9704855" y="2154423"/>
+            <a:ext cx="2092239" cy="584775"/>
+          </a:xfrm>
+          <a:prstGeom prst="rect">
+            <a:avLst/>
+          </a:prstGeom>
+          <a:noFill/>
+        </p:spPr>
+        <p:txBody>
+          <a:bodyPr wrap="none" rtlCol="0">
+            <a:spAutoFit/>
+          </a:bodyPr>
+          <a:lstStyle/>
+          <a:p>
+            <a:r>
+              <a:rPr lang="ru-RU" sz="1600" dirty="0">
+                <a:latin typeface="Consolas" panose="020B0609020204030204" pitchFamily="49" charset="0"/>
+                <a:cs typeface="Aparajita" panose="020B0502040204020203" pitchFamily="18" charset="0"/>
+              </a:rPr>
+              <a:t>- из </a:t>
+            </a:r>
+            <a:r>
+              <a:rPr lang="ru-RU" sz="1600" dirty="0">
+                <a:latin typeface="Consolas" panose="020B0609020204030204" pitchFamily="49" charset="0"/>
+                <a:cs typeface="Aparajita" panose="020B0502040204020203" pitchFamily="18" charset="0"/>
+                <a:hlinkClick r:id="rId5"/>
+              </a:rPr>
+              <a:t>презентации</a:t>
+            </a:r>
+            <a:r>
+              <a:rPr lang="en-GB" sz="1600" dirty="0">
+                <a:latin typeface="Consolas" panose="020B0609020204030204" pitchFamily="49" charset="0"/>
+                <a:cs typeface="Aparajita" panose="020B0502040204020203" pitchFamily="18" charset="0"/>
+              </a:rPr>
+              <a:t> </a:t>
+            </a:r>
+            <a:endParaRPr lang="ru-RU" sz="1600" dirty="0">
+              <a:latin typeface="Consolas" panose="020B0609020204030204" pitchFamily="49" charset="0"/>
+              <a:cs typeface="Aparajita" panose="020B0502040204020203" pitchFamily="18" charset="0"/>
+            </a:endParaRPr>
+          </a:p>
+          <a:p>
+            <a:r>
+              <a:rPr lang="ru-RU" sz="1600" dirty="0">
+                <a:latin typeface="Consolas" panose="020B0609020204030204" pitchFamily="49" charset="0"/>
+                <a:cs typeface="Aparajita" panose="020B0502040204020203" pitchFamily="18" charset="0"/>
+              </a:rPr>
+              <a:t>  </a:t>
+            </a:r>
+            <a:r>
+              <a:rPr lang="en-GB" sz="1600" dirty="0">
+                <a:latin typeface="Consolas" panose="020B0609020204030204" pitchFamily="49" charset="0"/>
+                <a:cs typeface="Aparajita" panose="020B0502040204020203" pitchFamily="18" charset="0"/>
+              </a:rPr>
+              <a:t>Don Syme</a:t>
+            </a:r>
+          </a:p>
+        </p:txBody>
+      </p:sp>
+      <p:pic>
+        <p:nvPicPr>
+          <p:cNvPr id="4" name="Рисунок 3">
+            <a:extLst>
+              <a:ext uri="{FF2B5EF4-FFF2-40B4-BE49-F238E27FC236}">
+                <a16:creationId xmlns:a16="http://schemas.microsoft.com/office/drawing/2014/main" id="{118FDEA6-7456-4BDD-8E29-5CBA1FBE225C}"/>
+              </a:ext>
+            </a:extLst>
+          </p:cNvPr>
+          <p:cNvPicPr>
+            <a:picLocks noChangeAspect="1"/>
+          </p:cNvPicPr>
+          <p:nvPr/>
+        </p:nvPicPr>
+        <p:blipFill>
+          <a:blip r:embed="rId6">
+            <a:extLst>
+              <a:ext uri="{28A0092B-C50C-407E-A947-70E740481C1C}">
+                <a14:useLocalDpi xmlns:a14="http://schemas.microsoft.com/office/drawing/2010/main" val="0"/>
+              </a:ext>
+            </a:extLst>
+          </a:blip>
+          <a:stretch>
+            <a:fillRect/>
+          </a:stretch>
+        </p:blipFill>
+        <p:spPr>
+          <a:xfrm>
+            <a:off x="1465590" y="3325370"/>
+            <a:ext cx="2857500" cy="714375"/>
+          </a:xfrm>
+          <a:prstGeom prst="rect">
+            <a:avLst/>
+          </a:prstGeom>
+        </p:spPr>
+      </p:pic>
+    </p:spTree>
+    <p:extLst>
+      <p:ext uri="{BB962C8B-B14F-4D97-AF65-F5344CB8AC3E}">
+        <p14:creationId xmlns:p14="http://schemas.microsoft.com/office/powerpoint/2010/main" val="3660721683"/>
+      </p:ext>
+    </p:extLst>
+  </p:cSld>
+  <p:clrMapOvr>
+    <a:masterClrMapping/>
+  </p:clrMapOvr>
+  <p:timing>
+    <p:tnLst>
+      <p:par>
+        <p:cTn id="1" dur="indefinite" restart="never" nodeType="tmRoot">
+          <p:childTnLst>
+            <p:seq concurrent="1" nextAc="seek">
+              <p:cTn id="2" dur="indefinite" nodeType="mainSeq">
+                <p:childTnLst>
+                  <p:par>
+                    <p:cTn id="3" fill="hold">
+                      <p:stCondLst>
+                        <p:cond delay="indefinite"/>
+                      </p:stCondLst>
+                      <p:childTnLst>
+                        <p:par>
+                          <p:cTn id="4" fill="hold">
+                            <p:stCondLst>
+                              <p:cond delay="0"/>
+                            </p:stCondLst>
+                            <p:childTnLst>
+                              <p:par>
+                                <p:cTn id="5" presetID="1" presetClass="entr" presetSubtype="0" fill="hold" grpId="0" nodeType="clickEffect">
+                                  <p:stCondLst>
+                                    <p:cond delay="0"/>
+                                  </p:stCondLst>
+                                  <p:childTnLst>
+                                    <p:set>
+                                      <p:cBhvr>
+                                        <p:cTn id="6" dur="1" fill="hold">
+                                          <p:stCondLst>
+                                            <p:cond delay="0"/>
+                                          </p:stCondLst>
+                                        </p:cTn>
+                                        <p:tgtEl>
+                                          <p:spTgt spid="5">
+                                            <p:txEl>
+                                              <p:pRg st="4" end="4"/>
+                                            </p:txEl>
+                                          </p:spTgt>
+                                        </p:tgtEl>
+                                        <p:attrNameLst>
+                                          <p:attrName>style.visibility</p:attrName>
+                                        </p:attrNameLst>
+                                      </p:cBhvr>
+                                      <p:to>
+                                        <p:strVal val="visible"/>
+                                      </p:to>
+                                    </p:set>
+                                  </p:childTnLst>
+                                </p:cTn>
+                              </p:par>
+                            </p:childTnLst>
+                          </p:cTn>
+                        </p:par>
+                      </p:childTnLst>
+                    </p:cTn>
+                  </p:par>
+                </p:childTnLst>
+              </p:cTn>
+              <p:prevCondLst>
+                <p:cond evt="onPrev" delay="0">
+                  <p:tgtEl>
+                    <p:sldTgt/>
+                  </p:tgtEl>
+                </p:cond>
+              </p:prevCondLst>
+              <p:nextCondLst>
+                <p:cond evt="onNext" delay="0">
+                  <p:tgtEl>
+                    <p:sldTgt/>
+                  </p:tgtEl>
+                </p:cond>
+              </p:nextCondLst>
+            </p:seq>
+          </p:childTnLst>
+        </p:cTn>
+      </p:par>
+    </p:tnLst>
+    <p:bldLst>
+      <p:bldP spid="5" grpId="0" uiExpand="1" build="p"/>
+    </p:bldLst>
+  </p:timing>
+</p:sld>
+</file>
+
+<file path=ppt/slides/slide27.xml><?xml version="1.0" encoding="utf-8"?>
+<p:sld xmlns:a="http://schemas.openxmlformats.org/drawingml/2006/main" xmlns:r="http://schemas.openxmlformats.org/officeDocument/2006/relationships" xmlns:p="http://schemas.openxmlformats.org/presentationml/2006/main">
+  <p:cSld>
+    <p:spTree>
+      <p:nvGrpSpPr>
+        <p:cNvPr id="1" name=""/>
+        <p:cNvGrpSpPr/>
+        <p:nvPr/>
+      </p:nvGrpSpPr>
+      <p:grpSpPr>
+        <a:xfrm>
+          <a:off x="0" y="0"/>
+          <a:ext cx="0" cy="0"/>
+          <a:chOff x="0" y="0"/>
+          <a:chExt cx="0" cy="0"/>
+        </a:xfrm>
+      </p:grpSpPr>
+      <p:sp>
+        <p:nvSpPr>
+          <p:cNvPr id="2" name="Заголовок 1">
+            <a:extLst>
+              <a:ext uri="{FF2B5EF4-FFF2-40B4-BE49-F238E27FC236}">
+                <a16:creationId xmlns:a16="http://schemas.microsoft.com/office/drawing/2014/main" id="{51B5F752-FADB-4F94-B08D-52EF0146E779}"/>
+              </a:ext>
+            </a:extLst>
+          </p:cNvPr>
+          <p:cNvSpPr>
+            <a:spLocks noGrp="1"/>
+          </p:cNvSpPr>
+          <p:nvPr>
+            <p:ph type="title"/>
+          </p:nvPr>
+        </p:nvSpPr>
+        <p:spPr/>
+        <p:txBody>
+          <a:bodyPr>
+            <a:normAutofit/>
+          </a:bodyPr>
+          <a:lstStyle/>
+          <a:p>
+            <a:r>
+              <a:rPr lang="ru-RU" dirty="0">
+                <a:latin typeface="Segoe UI Light" panose="020B0502040204020203" pitchFamily="34" charset="0"/>
+                <a:cs typeface="Segoe UI Light" panose="020B0502040204020203" pitchFamily="34" charset="0"/>
+              </a:rPr>
+              <a:t>Вопросы</a:t>
+            </a:r>
+            <a:r>
+              <a:rPr lang="en-GB" dirty="0">
+                <a:latin typeface="Segoe UI Light" panose="020B0502040204020203" pitchFamily="34" charset="0"/>
+                <a:cs typeface="Segoe UI Light" panose="020B0502040204020203" pitchFamily="34" charset="0"/>
+              </a:rPr>
+              <a:t>?</a:t>
+            </a:r>
+          </a:p>
+        </p:txBody>
+      </p:sp>
+      <p:pic>
+        <p:nvPicPr>
+          <p:cNvPr id="5" name="Рисунок 4">
+            <a:extLst>
+              <a:ext uri="{FF2B5EF4-FFF2-40B4-BE49-F238E27FC236}">
+                <a16:creationId xmlns:a16="http://schemas.microsoft.com/office/drawing/2014/main" id="{405980F1-6848-48AA-81E5-61E598291730}"/>
+              </a:ext>
+            </a:extLst>
+          </p:cNvPr>
+          <p:cNvPicPr>
+            <a:picLocks noChangeAspect="1"/>
+          </p:cNvPicPr>
+          <p:nvPr/>
+        </p:nvPicPr>
+        <p:blipFill>
+          <a:blip r:embed="rId2">
+            <a:extLst>
+              <a:ext uri="{28A0092B-C50C-407E-A947-70E740481C1C}">
+                <a14:useLocalDpi xmlns:a14="http://schemas.microsoft.com/office/drawing/2010/main" val="0"/>
+              </a:ext>
+              <a:ext uri="{96DAC541-7B7A-43D3-8B79-37D633B846F1}">
+                <asvg:svgBlip xmlns:asvg="http://schemas.microsoft.com/office/drawing/2016/SVG/main" r:embed="rId3"/>
+              </a:ext>
+            </a:extLst>
+          </a:blip>
+          <a:stretch>
+            <a:fillRect/>
+          </a:stretch>
+        </p:blipFill>
+        <p:spPr>
+          <a:xfrm>
+            <a:off x="4656000" y="1989000"/>
+            <a:ext cx="2880000" cy="2880000"/>
+          </a:xfrm>
+          <a:prstGeom prst="rect">
+            <a:avLst/>
+          </a:prstGeom>
+        </p:spPr>
+      </p:pic>
+      <p:sp>
+        <p:nvSpPr>
+          <p:cNvPr id="6" name="Прямоугольник 5">
+            <a:extLst>
+              <a:ext uri="{FF2B5EF4-FFF2-40B4-BE49-F238E27FC236}">
+                <a16:creationId xmlns:a16="http://schemas.microsoft.com/office/drawing/2014/main" id="{1D9C05BF-1F8C-41FC-980D-E6E1153F3BA5}"/>
+              </a:ext>
+            </a:extLst>
+          </p:cNvPr>
+          <p:cNvSpPr/>
+          <p:nvPr/>
+        </p:nvSpPr>
+        <p:spPr>
+          <a:xfrm>
+            <a:off x="2781150" y="4869000"/>
+            <a:ext cx="6629700" cy="461665"/>
+          </a:xfrm>
+          <a:prstGeom prst="rect">
+            <a:avLst/>
+          </a:prstGeom>
+        </p:spPr>
+        <p:txBody>
+          <a:bodyPr wrap="none">
+            <a:spAutoFit/>
+          </a:bodyPr>
+          <a:lstStyle/>
+          <a:p>
+            <a:r>
+              <a:rPr lang="en-GB" sz="2400" dirty="0">
+                <a:solidFill>
+                  <a:srgbClr val="002060"/>
+                </a:solidFill>
+                <a:latin typeface="Segoe UI" panose="020B0502040204020203" pitchFamily="34" charset="0"/>
+                <a:cs typeface="Segoe UI" panose="020B0502040204020203" pitchFamily="34" charset="0"/>
+                <a:hlinkClick r:id="rId4"/>
+              </a:rPr>
+              <a:t>github.com/yevgeniyredko/shpora-2018-fsharp</a:t>
+            </a:r>
+            <a:endParaRPr lang="en-GB" sz="2400" dirty="0">
+              <a:solidFill>
+                <a:srgbClr val="002060"/>
+              </a:solidFill>
+              <a:latin typeface="Segoe UI" panose="020B0502040204020203" pitchFamily="34" charset="0"/>
+              <a:cs typeface="Segoe UI" panose="020B0502040204020203" pitchFamily="34" charset="0"/>
+            </a:endParaRPr>
+          </a:p>
+        </p:txBody>
+      </p:sp>
+      <p:sp>
+        <p:nvSpPr>
+          <p:cNvPr id="14" name="TextBox 13">
+            <a:extLst>
+              <a:ext uri="{FF2B5EF4-FFF2-40B4-BE49-F238E27FC236}">
+                <a16:creationId xmlns:a16="http://schemas.microsoft.com/office/drawing/2014/main" id="{E8C67FA9-7EB6-4FBF-A8D3-14574B78DFD8}"/>
+              </a:ext>
+            </a:extLst>
+          </p:cNvPr>
+          <p:cNvSpPr txBox="1"/>
+          <p:nvPr/>
+        </p:nvSpPr>
+        <p:spPr>
+          <a:xfrm>
+            <a:off x="838200" y="5537733"/>
+            <a:ext cx="3049296" cy="369332"/>
+          </a:xfrm>
+          <a:prstGeom prst="rect">
+            <a:avLst/>
+          </a:prstGeom>
+          <a:noFill/>
+        </p:spPr>
+        <p:txBody>
+          <a:bodyPr wrap="none" rtlCol="0">
+            <a:spAutoFit/>
+          </a:bodyPr>
+          <a:lstStyle/>
+          <a:p>
+            <a:r>
+              <a:rPr lang="en-US" dirty="0"/>
+              <a:t>email: r.e.s.1997@gmail.com</a:t>
+            </a:r>
+            <a:endParaRPr lang="en-GB" dirty="0"/>
+          </a:p>
+        </p:txBody>
+      </p:sp>
+      <p:sp>
+        <p:nvSpPr>
+          <p:cNvPr id="16" name="TextBox 15">
+            <a:extLst>
+              <a:ext uri="{FF2B5EF4-FFF2-40B4-BE49-F238E27FC236}">
+                <a16:creationId xmlns:a16="http://schemas.microsoft.com/office/drawing/2014/main" id="{290B1A38-7C7A-482A-93D4-164D5BE2B8DE}"/>
+              </a:ext>
+            </a:extLst>
+          </p:cNvPr>
+          <p:cNvSpPr txBox="1"/>
+          <p:nvPr/>
+        </p:nvSpPr>
+        <p:spPr>
+          <a:xfrm>
+            <a:off x="838200" y="5907065"/>
+            <a:ext cx="5026504" cy="369332"/>
+          </a:xfrm>
+          <a:prstGeom prst="rect">
+            <a:avLst/>
+          </a:prstGeom>
+          <a:noFill/>
+        </p:spPr>
+        <p:txBody>
+          <a:bodyPr wrap="none" rtlCol="0">
+            <a:spAutoFit/>
+          </a:bodyPr>
+          <a:lstStyle/>
+          <a:p>
+            <a:r>
+              <a:rPr lang="en-US" dirty="0"/>
+              <a:t>github/telegram/twitter/fb/</a:t>
+            </a:r>
+            <a:r>
+              <a:rPr lang="en-US" dirty="0" err="1"/>
+              <a:t>vk</a:t>
+            </a:r>
+            <a:r>
+              <a:rPr lang="en-US" dirty="0"/>
+              <a:t>: @yevgeniyredko</a:t>
+            </a:r>
+            <a:endParaRPr lang="en-GB" dirty="0"/>
+          </a:p>
+        </p:txBody>
+      </p:sp>
+    </p:spTree>
+    <p:extLst>
+      <p:ext uri="{BB962C8B-B14F-4D97-AF65-F5344CB8AC3E}">
+        <p14:creationId xmlns:p14="http://schemas.microsoft.com/office/powerpoint/2010/main" val="2616911987"/>
       </p:ext>
     </p:extLst>
   </p:cSld>
@@ -14321,7 +20188,11 @@
           <a:bodyPr/>
           <a:lstStyle/>
           <a:p>
-            <a:endParaRPr lang="en-GB"/>
+            <a:r>
+              <a:rPr lang="ru-RU" dirty="0"/>
+              <a:t>Про синтаксис</a:t>
+            </a:r>
+            <a:endParaRPr lang="en-GB" dirty="0"/>
           </a:p>
         </p:txBody>
       </p:sp>
@@ -14343,10 +20214,127 @@
         </p:nvSpPr>
         <p:spPr/>
         <p:txBody>
-          <a:bodyPr/>
+          <a:bodyPr>
+            <a:normAutofit lnSpcReduction="10000"/>
+          </a:bodyPr>
           <a:lstStyle/>
           <a:p>
-            <a:endParaRPr lang="en-GB"/>
+            <a:pPr marL="514350" indent="-514350">
+              <a:buFont typeface="+mj-lt"/>
+              <a:buAutoNum type="arabicPeriod"/>
+            </a:pPr>
+            <a:r>
+              <a:rPr lang="en-US" dirty="0"/>
+              <a:t> </a:t>
+            </a:r>
+            <a:r>
+              <a:rPr lang="ru-RU" dirty="0"/>
+              <a:t>Отступы вместо скобок</a:t>
+            </a:r>
+          </a:p>
+          <a:p>
+            <a:pPr marL="514350" indent="-514350">
+              <a:buFont typeface="+mj-lt"/>
+              <a:buAutoNum type="arabicPeriod"/>
+            </a:pPr>
+            <a:r>
+              <a:rPr lang="en-US" dirty="0"/>
+              <a:t> </a:t>
+            </a:r>
+            <a:r>
+              <a:rPr lang="en-US" strike="sngStrike" dirty="0">
+                <a:latin typeface="Consolas" panose="020B0609020204030204" pitchFamily="49" charset="0"/>
+                <a:cs typeface="Aparajita" panose="02020603050405020304" pitchFamily="18" charset="0"/>
+              </a:rPr>
+              <a:t>f(a, b, c)</a:t>
+            </a:r>
+            <a:r>
+              <a:rPr lang="en-US" dirty="0">
+                <a:latin typeface="Consolas" panose="020B0609020204030204" pitchFamily="49" charset="0"/>
+                <a:cs typeface="Aparajita" panose="02020603050405020304" pitchFamily="18" charset="0"/>
+              </a:rPr>
+              <a:t>  f a b c</a:t>
+            </a:r>
+          </a:p>
+          <a:p>
+            <a:pPr marL="514350" indent="-514350">
+              <a:buFont typeface="+mj-lt"/>
+              <a:buAutoNum type="arabicPeriod"/>
+            </a:pPr>
+            <a:r>
+              <a:rPr lang="en-US" dirty="0"/>
+              <a:t> </a:t>
+            </a:r>
+            <a:r>
+              <a:rPr lang="en-US" dirty="0">
+                <a:latin typeface="Consolas" panose="020B0609020204030204" pitchFamily="49" charset="0"/>
+              </a:rPr>
+              <a:t>|&gt; - </a:t>
+            </a:r>
+            <a:r>
+              <a:rPr lang="en-US" dirty="0"/>
+              <a:t>pipe operator</a:t>
+            </a:r>
+          </a:p>
+          <a:p>
+            <a:pPr marL="0" indent="0">
+              <a:buNone/>
+            </a:pPr>
+            <a:endParaRPr lang="en-US" dirty="0">
+              <a:latin typeface="Consolas" panose="020B0609020204030204" pitchFamily="49" charset="0"/>
+            </a:endParaRPr>
+          </a:p>
+          <a:p>
+            <a:pPr marL="541338" indent="0">
+              <a:buNone/>
+            </a:pPr>
+            <a:r>
+              <a:rPr lang="en-US" dirty="0">
+                <a:latin typeface="Consolas" panose="020B0609020204030204" pitchFamily="49" charset="0"/>
+              </a:rPr>
+              <a:t>f3 (f2 (f1 x))</a:t>
+            </a:r>
+          </a:p>
+          <a:p>
+            <a:pPr marL="541338" indent="0">
+              <a:buNone/>
+            </a:pPr>
+            <a:r>
+              <a:rPr lang="en-US" dirty="0">
+                <a:latin typeface="Consolas" panose="020B0609020204030204" pitchFamily="49" charset="0"/>
+              </a:rPr>
+              <a:t>x |&gt; f1 |&gt; f2 |&gt; f3</a:t>
+            </a:r>
+          </a:p>
+          <a:p>
+            <a:pPr marL="541338" indent="0">
+              <a:buNone/>
+            </a:pPr>
+            <a:endParaRPr lang="en-US" dirty="0">
+              <a:latin typeface="Consolas" panose="020B0609020204030204" pitchFamily="49" charset="0"/>
+            </a:endParaRPr>
+          </a:p>
+          <a:p>
+            <a:pPr marL="541338" indent="0">
+              <a:buNone/>
+            </a:pPr>
+            <a:r>
+              <a:rPr lang="en-US" dirty="0">
+                <a:latin typeface="Consolas" panose="020B0609020204030204" pitchFamily="49" charset="0"/>
+              </a:rPr>
+              <a:t>f a b c</a:t>
+            </a:r>
+          </a:p>
+          <a:p>
+            <a:pPr marL="541338" indent="0">
+              <a:buNone/>
+            </a:pPr>
+            <a:r>
+              <a:rPr lang="en-US" dirty="0">
+                <a:latin typeface="Consolas" panose="020B0609020204030204" pitchFamily="49" charset="0"/>
+              </a:rPr>
+              <a:t>c |&gt; f a b</a:t>
+            </a:r>
           </a:p>
         </p:txBody>
       </p:sp>
@@ -14360,6 +20348,346 @@
   <p:clrMapOvr>
     <a:masterClrMapping/>
   </p:clrMapOvr>
+  <p:timing>
+    <p:tnLst>
+      <p:par>
+        <p:cTn id="1" dur="indefinite" restart="never" nodeType="tmRoot">
+          <p:childTnLst>
+            <p:seq concurrent="1" nextAc="seek">
+              <p:cTn id="2" dur="indefinite" nodeType="mainSeq">
+                <p:childTnLst>
+                  <p:par>
+                    <p:cTn id="3" fill="hold">
+                      <p:stCondLst>
+                        <p:cond delay="indefinite"/>
+                      </p:stCondLst>
+                      <p:childTnLst>
+                        <p:par>
+                          <p:cTn id="4" fill="hold">
+                            <p:stCondLst>
+                              <p:cond delay="0"/>
+                            </p:stCondLst>
+                            <p:childTnLst>
+                              <p:par>
+                                <p:cTn id="5" presetID="1" presetClass="entr" presetSubtype="0" fill="hold" grpId="0" nodeType="clickEffect">
+                                  <p:stCondLst>
+                                    <p:cond delay="0"/>
+                                  </p:stCondLst>
+                                  <p:childTnLst>
+                                    <p:set>
+                                      <p:cBhvr>
+                                        <p:cTn id="6" dur="1" fill="hold">
+                                          <p:stCondLst>
+                                            <p:cond delay="0"/>
+                                          </p:stCondLst>
+                                        </p:cTn>
+                                        <p:tgtEl>
+                                          <p:spTgt spid="3">
+                                            <p:txEl>
+                                              <p:pRg st="0" end="0"/>
+                                            </p:txEl>
+                                          </p:spTgt>
+                                        </p:tgtEl>
+                                        <p:attrNameLst>
+                                          <p:attrName>style.visibility</p:attrName>
+                                        </p:attrNameLst>
+                                      </p:cBhvr>
+                                      <p:to>
+                                        <p:strVal val="visible"/>
+                                      </p:to>
+                                    </p:set>
+                                  </p:childTnLst>
+                                </p:cTn>
+                              </p:par>
+                            </p:childTnLst>
+                          </p:cTn>
+                        </p:par>
+                      </p:childTnLst>
+                    </p:cTn>
+                  </p:par>
+                  <p:par>
+                    <p:cTn id="7" fill="hold">
+                      <p:stCondLst>
+                        <p:cond delay="indefinite"/>
+                      </p:stCondLst>
+                      <p:childTnLst>
+                        <p:par>
+                          <p:cTn id="8" fill="hold">
+                            <p:stCondLst>
+                              <p:cond delay="0"/>
+                            </p:stCondLst>
+                            <p:childTnLst>
+                              <p:par>
+                                <p:cTn id="9" presetID="1" presetClass="entr" presetSubtype="0" fill="hold" grpId="0" nodeType="clickEffect">
+                                  <p:stCondLst>
+                                    <p:cond delay="0"/>
+                                  </p:stCondLst>
+                                  <p:childTnLst>
+                                    <p:set>
+                                      <p:cBhvr>
+                                        <p:cTn id="10" dur="1" fill="hold">
+                                          <p:stCondLst>
+                                            <p:cond delay="0"/>
+                                          </p:stCondLst>
+                                        </p:cTn>
+                                        <p:tgtEl>
+                                          <p:spTgt spid="3">
+                                            <p:txEl>
+                                              <p:pRg st="1" end="1"/>
+                                            </p:txEl>
+                                          </p:spTgt>
+                                        </p:tgtEl>
+                                        <p:attrNameLst>
+                                          <p:attrName>style.visibility</p:attrName>
+                                        </p:attrNameLst>
+                                      </p:cBhvr>
+                                      <p:to>
+                                        <p:strVal val="visible"/>
+                                      </p:to>
+                                    </p:set>
+                                  </p:childTnLst>
+                                </p:cTn>
+                              </p:par>
+                            </p:childTnLst>
+                          </p:cTn>
+                        </p:par>
+                      </p:childTnLst>
+                    </p:cTn>
+                  </p:par>
+                  <p:par>
+                    <p:cTn id="11" fill="hold">
+                      <p:stCondLst>
+                        <p:cond delay="indefinite"/>
+                      </p:stCondLst>
+                      <p:childTnLst>
+                        <p:par>
+                          <p:cTn id="12" fill="hold">
+                            <p:stCondLst>
+                              <p:cond delay="0"/>
+                            </p:stCondLst>
+                            <p:childTnLst>
+                              <p:par>
+                                <p:cTn id="13" presetID="1" presetClass="entr" presetSubtype="0" fill="hold" grpId="0" nodeType="clickEffect">
+                                  <p:stCondLst>
+                                    <p:cond delay="0"/>
+                                  </p:stCondLst>
+                                  <p:childTnLst>
+                                    <p:set>
+                                      <p:cBhvr>
+                                        <p:cTn id="14" dur="1" fill="hold">
+                                          <p:stCondLst>
+                                            <p:cond delay="0"/>
+                                          </p:stCondLst>
+                                        </p:cTn>
+                                        <p:tgtEl>
+                                          <p:spTgt spid="3">
+                                            <p:txEl>
+                                              <p:pRg st="2" end="2"/>
+                                            </p:txEl>
+                                          </p:spTgt>
+                                        </p:tgtEl>
+                                        <p:attrNameLst>
+                                          <p:attrName>style.visibility</p:attrName>
+                                        </p:attrNameLst>
+                                      </p:cBhvr>
+                                      <p:to>
+                                        <p:strVal val="visible"/>
+                                      </p:to>
+                                    </p:set>
+                                  </p:childTnLst>
+                                </p:cTn>
+                              </p:par>
+                            </p:childTnLst>
+                          </p:cTn>
+                        </p:par>
+                      </p:childTnLst>
+                    </p:cTn>
+                  </p:par>
+                  <p:par>
+                    <p:cTn id="15" fill="hold">
+                      <p:stCondLst>
+                        <p:cond delay="indefinite"/>
+                      </p:stCondLst>
+                      <p:childTnLst>
+                        <p:par>
+                          <p:cTn id="16" fill="hold">
+                            <p:stCondLst>
+                              <p:cond delay="0"/>
+                            </p:stCondLst>
+                            <p:childTnLst>
+                              <p:par>
+                                <p:cTn id="17" presetID="1" presetClass="entr" presetSubtype="0" fill="hold" grpId="0" nodeType="clickEffect">
+                                  <p:stCondLst>
+                                    <p:cond delay="0"/>
+                                  </p:stCondLst>
+                                  <p:childTnLst>
+                                    <p:set>
+                                      <p:cBhvr>
+                                        <p:cTn id="18" dur="1" fill="hold">
+                                          <p:stCondLst>
+                                            <p:cond delay="0"/>
+                                          </p:stCondLst>
+                                        </p:cTn>
+                                        <p:tgtEl>
+                                          <p:spTgt spid="3">
+                                            <p:txEl>
+                                              <p:pRg st="4" end="4"/>
+                                            </p:txEl>
+                                          </p:spTgt>
+                                        </p:tgtEl>
+                                        <p:attrNameLst>
+                                          <p:attrName>style.visibility</p:attrName>
+                                        </p:attrNameLst>
+                                      </p:cBhvr>
+                                      <p:to>
+                                        <p:strVal val="visible"/>
+                                      </p:to>
+                                    </p:set>
+                                  </p:childTnLst>
+                                </p:cTn>
+                              </p:par>
+                              <p:par>
+                                <p:cTn id="19" presetID="1" presetClass="entr" presetSubtype="0" fill="hold" grpId="0" nodeType="withEffect">
+                                  <p:stCondLst>
+                                    <p:cond delay="0"/>
+                                  </p:stCondLst>
+                                  <p:childTnLst>
+                                    <p:set>
+                                      <p:cBhvr>
+                                        <p:cTn id="20" dur="1" fill="hold">
+                                          <p:stCondLst>
+                                            <p:cond delay="0"/>
+                                          </p:stCondLst>
+                                        </p:cTn>
+                                        <p:tgtEl>
+                                          <p:spTgt spid="3">
+                                            <p:txEl>
+                                              <p:pRg st="5" end="5"/>
+                                            </p:txEl>
+                                          </p:spTgt>
+                                        </p:tgtEl>
+                                        <p:attrNameLst>
+                                          <p:attrName>style.visibility</p:attrName>
+                                        </p:attrNameLst>
+                                      </p:cBhvr>
+                                      <p:to>
+                                        <p:strVal val="visible"/>
+                                      </p:to>
+                                    </p:set>
+                                  </p:childTnLst>
+                                </p:cTn>
+                              </p:par>
+                            </p:childTnLst>
+                          </p:cTn>
+                        </p:par>
+                      </p:childTnLst>
+                    </p:cTn>
+                  </p:par>
+                  <p:par>
+                    <p:cTn id="21" fill="hold">
+                      <p:stCondLst>
+                        <p:cond delay="indefinite"/>
+                      </p:stCondLst>
+                      <p:childTnLst>
+                        <p:par>
+                          <p:cTn id="22" fill="hold">
+                            <p:stCondLst>
+                              <p:cond delay="0"/>
+                            </p:stCondLst>
+                            <p:childTnLst>
+                              <p:par>
+                                <p:cTn id="23" presetID="1" presetClass="entr" presetSubtype="0" fill="hold" grpId="0" nodeType="clickEffect">
+                                  <p:stCondLst>
+                                    <p:cond delay="0"/>
+                                  </p:stCondLst>
+                                  <p:childTnLst>
+                                    <p:set>
+                                      <p:cBhvr>
+                                        <p:cTn id="24" dur="1" fill="hold">
+                                          <p:stCondLst>
+                                            <p:cond delay="0"/>
+                                          </p:stCondLst>
+                                        </p:cTn>
+                                        <p:tgtEl>
+                                          <p:spTgt spid="3">
+                                            <p:txEl>
+                                              <p:pRg st="7" end="7"/>
+                                            </p:txEl>
+                                          </p:spTgt>
+                                        </p:tgtEl>
+                                        <p:attrNameLst>
+                                          <p:attrName>style.visibility</p:attrName>
+                                        </p:attrNameLst>
+                                      </p:cBhvr>
+                                      <p:to>
+                                        <p:strVal val="visible"/>
+                                      </p:to>
+                                    </p:set>
+                                  </p:childTnLst>
+                                </p:cTn>
+                              </p:par>
+                              <p:par>
+                                <p:cTn id="25" presetID="1" presetClass="entr" presetSubtype="0" fill="hold" grpId="0" nodeType="withEffect">
+                                  <p:stCondLst>
+                                    <p:cond delay="0"/>
+                                  </p:stCondLst>
+                                  <p:childTnLst>
+                                    <p:set>
+                                      <p:cBhvr>
+                                        <p:cTn id="26" dur="1" fill="hold">
+                                          <p:stCondLst>
+                                            <p:cond delay="0"/>
+                                          </p:stCondLst>
+                                        </p:cTn>
+                                        <p:tgtEl>
+                                          <p:spTgt spid="3">
+                                            <p:txEl>
+                                              <p:pRg st="8" end="8"/>
+                                            </p:txEl>
+                                          </p:spTgt>
+                                        </p:tgtEl>
+                                        <p:attrNameLst>
+                                          <p:attrName>style.visibility</p:attrName>
+                                        </p:attrNameLst>
+                                      </p:cBhvr>
+                                      <p:to>
+                                        <p:strVal val="visible"/>
+                                      </p:to>
+                                    </p:set>
+                                  </p:childTnLst>
+                                </p:cTn>
+                              </p:par>
+                            </p:childTnLst>
+                          </p:cTn>
+                        </p:par>
+                      </p:childTnLst>
+                    </p:cTn>
+                  </p:par>
+                </p:childTnLst>
+              </p:cTn>
+              <p:prevCondLst>
+                <p:cond evt="onPrev" delay="0">
+                  <p:tgtEl>
+                    <p:sldTgt/>
+                  </p:tgtEl>
+                </p:cond>
+              </p:prevCondLst>
+              <p:nextCondLst>
+                <p:cond evt="onNext" delay="0">
+                  <p:tgtEl>
+                    <p:sldTgt/>
+                  </p:tgtEl>
+                </p:cond>
+              </p:nextCondLst>
+            </p:seq>
+          </p:childTnLst>
+        </p:cTn>
+      </p:par>
+    </p:tnLst>
+    <p:bldLst>
+      <p:bldP spid="3" grpId="0" uiExpand="1" build="p"/>
+    </p:bldLst>
+  </p:timing>
 </p:sld>
 </file>
 
@@ -14385,7 +20713,7 @@
           <p:cNvPr id="2" name="Заголовок 1">
             <a:extLst>
               <a:ext uri="{FF2B5EF4-FFF2-40B4-BE49-F238E27FC236}">
-                <a16:creationId xmlns:a16="http://schemas.microsoft.com/office/drawing/2014/main" id="{60AE4335-1397-4F48-867E-46EC0C69CFE1}"/>
+                <a16:creationId xmlns:a16="http://schemas.microsoft.com/office/drawing/2014/main" id="{2DB955F2-35E9-4394-85F6-2FF8F6A1E090}"/>
               </a:ext>
             </a:extLst>
           </p:cNvPr>
@@ -14398,180 +20726,50 @@
         </p:nvSpPr>
         <p:spPr/>
         <p:txBody>
-          <a:bodyPr>
-            <a:normAutofit/>
-          </a:bodyPr>
+          <a:bodyPr/>
           <a:lstStyle/>
           <a:p>
             <a:r>
-              <a:rPr lang="ru-RU" sz="5400" dirty="0">
-                <a:latin typeface="Segoe UI Light" panose="020B0502040204020203" pitchFamily="34" charset="0"/>
-                <a:cs typeface="Segoe UI Light" panose="020B0502040204020203" pitchFamily="34" charset="0"/>
-              </a:rPr>
-              <a:t>Где учить?</a:t>
-            </a:r>
-            <a:endParaRPr lang="en-GB" sz="5400" dirty="0">
-              <a:latin typeface="Segoe UI Light" panose="020B0502040204020203" pitchFamily="34" charset="0"/>
-              <a:cs typeface="Segoe UI Light" panose="020B0502040204020203" pitchFamily="34" charset="0"/>
-            </a:endParaRPr>
+              <a:rPr lang="en-US" dirty="0"/>
+              <a:t>#1</a:t>
+            </a:r>
+            <a:endParaRPr lang="en-GB" dirty="0"/>
           </a:p>
         </p:txBody>
       </p:sp>
       <p:sp>
         <p:nvSpPr>
-          <p:cNvPr id="5" name="Прямоугольник 4">
+          <p:cNvPr id="3" name="Текст 2">
             <a:extLst>
               <a:ext uri="{FF2B5EF4-FFF2-40B4-BE49-F238E27FC236}">
-                <a16:creationId xmlns:a16="http://schemas.microsoft.com/office/drawing/2014/main" id="{B675382F-C9B6-46FC-9283-5D13D4F5716F}"/>
+                <a16:creationId xmlns:a16="http://schemas.microsoft.com/office/drawing/2014/main" id="{D57BBF64-602D-477E-A3D2-D289392F7B4A}"/>
               </a:ext>
             </a:extLst>
           </p:cNvPr>
-          <p:cNvSpPr/>
-          <p:nvPr/>
+          <p:cNvSpPr>
+            <a:spLocks noGrp="1"/>
+          </p:cNvSpPr>
+          <p:nvPr>
+            <p:ph type="body" idx="1"/>
+          </p:nvPr>
         </p:nvSpPr>
-        <p:spPr>
-          <a:xfrm>
-            <a:off x="838200" y="2690557"/>
-            <a:ext cx="3766031" cy="461665"/>
-          </a:xfrm>
-          <a:prstGeom prst="rect">
-            <a:avLst/>
-          </a:prstGeom>
-        </p:spPr>
+        <p:spPr/>
         <p:txBody>
-          <a:bodyPr wrap="none">
-            <a:spAutoFit/>
-          </a:bodyPr>
+          <a:bodyPr/>
           <a:lstStyle/>
           <a:p>
             <a:r>
-              <a:rPr lang="en-GB" sz="2400" dirty="0">
-                <a:solidFill>
-                  <a:srgbClr val="002060"/>
-                </a:solidFill>
-                <a:latin typeface="Segoe UI" panose="020B0502040204020203" pitchFamily="34" charset="0"/>
-                <a:cs typeface="Segoe UI" panose="020B0502040204020203" pitchFamily="34" charset="0"/>
-                <a:hlinkClick r:id="rId2"/>
-              </a:rPr>
-              <a:t>fsharpforfunandprofit.com</a:t>
-            </a:r>
-            <a:endParaRPr lang="en-GB" sz="2400" dirty="0">
-              <a:solidFill>
-                <a:srgbClr val="002060"/>
-              </a:solidFill>
-              <a:latin typeface="Segoe UI" panose="020B0502040204020203" pitchFamily="34" charset="0"/>
-              <a:cs typeface="Segoe UI" panose="020B0502040204020203" pitchFamily="34" charset="0"/>
-            </a:endParaRPr>
-          </a:p>
-        </p:txBody>
-      </p:sp>
-      <p:pic>
-        <p:nvPicPr>
-          <p:cNvPr id="8" name="Рисунок 7">
-            <a:extLst>
-              <a:ext uri="{FF2B5EF4-FFF2-40B4-BE49-F238E27FC236}">
-                <a16:creationId xmlns:a16="http://schemas.microsoft.com/office/drawing/2014/main" id="{2BEA2693-AA62-44AE-B748-1E2C6B2357B6}"/>
-              </a:ext>
-            </a:extLst>
-          </p:cNvPr>
-          <p:cNvPicPr>
-            <a:picLocks noChangeAspect="1"/>
-          </p:cNvPicPr>
-          <p:nvPr/>
-        </p:nvPicPr>
-        <p:blipFill>
-          <a:blip r:embed="rId3"/>
-          <a:stretch>
-            <a:fillRect/>
-          </a:stretch>
-        </p:blipFill>
-        <p:spPr>
-          <a:xfrm>
-            <a:off x="838200" y="1941179"/>
-            <a:ext cx="9294341" cy="794388"/>
-          </a:xfrm>
-          <a:prstGeom prst="rect">
-            <a:avLst/>
-          </a:prstGeom>
-        </p:spPr>
-      </p:pic>
-      <p:sp>
-        <p:nvSpPr>
-          <p:cNvPr id="9" name="TextBox 8">
-            <a:extLst>
-              <a:ext uri="{FF2B5EF4-FFF2-40B4-BE49-F238E27FC236}">
-                <a16:creationId xmlns:a16="http://schemas.microsoft.com/office/drawing/2014/main" id="{53672C8E-936F-4C10-852B-F5CEE6700CB0}"/>
-              </a:ext>
-            </a:extLst>
-          </p:cNvPr>
-          <p:cNvSpPr txBox="1"/>
-          <p:nvPr/>
-        </p:nvSpPr>
-        <p:spPr>
-          <a:xfrm>
-            <a:off x="9704855" y="2154423"/>
-            <a:ext cx="2092239" cy="584775"/>
-          </a:xfrm>
-          <a:prstGeom prst="rect">
-            <a:avLst/>
-          </a:prstGeom>
-          <a:noFill/>
-        </p:spPr>
-        <p:txBody>
-          <a:bodyPr wrap="none" rtlCol="0">
-            <a:spAutoFit/>
-          </a:bodyPr>
-          <a:lstStyle/>
-          <a:p>
-            <a:r>
-              <a:rPr lang="ru-RU" sz="1600" dirty="0">
-                <a:latin typeface="Consolas" panose="020B0609020204030204" pitchFamily="49" charset="0"/>
-                <a:cs typeface="Aparajita" panose="020B0502040204020203" pitchFamily="18" charset="0"/>
-              </a:rPr>
-              <a:t>- из </a:t>
-            </a:r>
-            <a:r>
-              <a:rPr lang="ru-RU" sz="1600" dirty="0">
-                <a:latin typeface="Consolas" panose="020B0609020204030204" pitchFamily="49" charset="0"/>
-                <a:cs typeface="Aparajita" panose="020B0502040204020203" pitchFamily="18" charset="0"/>
-                <a:hlinkClick r:id="rId4"/>
-              </a:rPr>
-              <a:t>презентации</a:t>
-            </a:r>
-            <a:r>
-              <a:rPr lang="en-GB" sz="1600" dirty="0">
-                <a:latin typeface="Consolas" panose="020B0609020204030204" pitchFamily="49" charset="0"/>
-                <a:cs typeface="Aparajita" panose="020B0502040204020203" pitchFamily="18" charset="0"/>
-              </a:rPr>
-              <a:t> </a:t>
-            </a:r>
-            <a:endParaRPr lang="ru-RU" sz="1600" dirty="0">
-              <a:latin typeface="Consolas" panose="020B0609020204030204" pitchFamily="49" charset="0"/>
-              <a:cs typeface="Aparajita" panose="020B0502040204020203" pitchFamily="18" charset="0"/>
-            </a:endParaRPr>
-          </a:p>
-          <a:p>
-            <a:r>
-              <a:rPr lang="ru-RU" sz="1600" dirty="0">
-                <a:latin typeface="Consolas" panose="020B0609020204030204" pitchFamily="49" charset="0"/>
-                <a:cs typeface="Aparajita" panose="020B0502040204020203" pitchFamily="18" charset="0"/>
-              </a:rPr>
-              <a:t>  </a:t>
-            </a:r>
-            <a:r>
-              <a:rPr lang="en-GB" sz="1600" dirty="0">
-                <a:latin typeface="Consolas" panose="020B0609020204030204" pitchFamily="49" charset="0"/>
-                <a:cs typeface="Aparajita" panose="020B0502040204020203" pitchFamily="18" charset="0"/>
-              </a:rPr>
-              <a:t>Don Syme</a:t>
-            </a:r>
+              <a:rPr lang="en-US" dirty="0"/>
+              <a:t>Type Providers</a:t>
+            </a:r>
+            <a:endParaRPr lang="en-GB" dirty="0"/>
           </a:p>
         </p:txBody>
       </p:sp>
     </p:spTree>
     <p:extLst>
       <p:ext uri="{BB962C8B-B14F-4D97-AF65-F5344CB8AC3E}">
-        <p14:creationId xmlns:p14="http://schemas.microsoft.com/office/powerpoint/2010/main" val="3660721683"/>
+        <p14:creationId xmlns:p14="http://schemas.microsoft.com/office/powerpoint/2010/main" val="2991119712"/>
       </p:ext>
     </p:extLst>
   </p:cSld>
@@ -14603,7 +20801,7 @@
           <p:cNvPr id="2" name="Заголовок 1">
             <a:extLst>
               <a:ext uri="{FF2B5EF4-FFF2-40B4-BE49-F238E27FC236}">
-                <a16:creationId xmlns:a16="http://schemas.microsoft.com/office/drawing/2014/main" id="{51B5F752-FADB-4F94-B08D-52EF0146E779}"/>
+                <a16:creationId xmlns:a16="http://schemas.microsoft.com/office/drawing/2014/main" id="{0DB7C78C-767A-4182-9C6B-9CE65B19C503}"/>
               </a:ext>
             </a:extLst>
           </p:cNvPr>
@@ -14616,119 +20814,385 @@
         </p:nvSpPr>
         <p:spPr/>
         <p:txBody>
+          <a:bodyPr/>
+          <a:lstStyle/>
+          <a:p>
+            <a:r>
+              <a:rPr lang="en-US" dirty="0"/>
+              <a:t>Type Provider</a:t>
+            </a:r>
+            <a:endParaRPr lang="en-GB" dirty="0"/>
+          </a:p>
+        </p:txBody>
+      </p:sp>
+      <p:sp>
+        <p:nvSpPr>
+          <p:cNvPr id="3" name="Объект 2">
+            <a:extLst>
+              <a:ext uri="{FF2B5EF4-FFF2-40B4-BE49-F238E27FC236}">
+                <a16:creationId xmlns:a16="http://schemas.microsoft.com/office/drawing/2014/main" id="{42F3DA48-E414-4060-8964-9DC9F4A0B9A3}"/>
+              </a:ext>
+            </a:extLst>
+          </p:cNvPr>
+          <p:cNvSpPr>
+            <a:spLocks noGrp="1"/>
+          </p:cNvSpPr>
+          <p:nvPr>
+            <p:ph idx="1"/>
+          </p:nvPr>
+        </p:nvSpPr>
+        <p:spPr>
+          <a:xfrm>
+            <a:off x="838200" y="1825625"/>
+            <a:ext cx="10515600" cy="4351338"/>
+          </a:xfrm>
+        </p:spPr>
+        <p:txBody>
           <a:bodyPr>
             <a:normAutofit/>
           </a:bodyPr>
           <a:lstStyle/>
           <a:p>
-            <a:r>
-              <a:rPr lang="ru-RU" sz="5400" dirty="0">
-                <a:latin typeface="Segoe UI Light" panose="020B0502040204020203" pitchFamily="34" charset="0"/>
-                <a:cs typeface="Segoe UI Light" panose="020B0502040204020203" pitchFamily="34" charset="0"/>
-              </a:rPr>
-              <a:t>Вопросы</a:t>
-            </a:r>
-            <a:r>
-              <a:rPr lang="en-GB" sz="5400" dirty="0">
-                <a:latin typeface="Segoe UI Light" panose="020B0502040204020203" pitchFamily="34" charset="0"/>
-                <a:cs typeface="Segoe UI Light" panose="020B0502040204020203" pitchFamily="34" charset="0"/>
-              </a:rPr>
-              <a:t>?</a:t>
-            </a:r>
-          </a:p>
-        </p:txBody>
-      </p:sp>
-      <p:pic>
-        <p:nvPicPr>
-          <p:cNvPr id="5" name="Рисунок 4">
-            <a:extLst>
-              <a:ext uri="{FF2B5EF4-FFF2-40B4-BE49-F238E27FC236}">
-                <a16:creationId xmlns:a16="http://schemas.microsoft.com/office/drawing/2014/main" id="{405980F1-6848-48AA-81E5-61E598291730}"/>
-              </a:ext>
-            </a:extLst>
-          </p:cNvPr>
-          <p:cNvPicPr>
-            <a:picLocks noChangeAspect="1"/>
-          </p:cNvPicPr>
-          <p:nvPr/>
-        </p:nvPicPr>
-        <p:blipFill>
-          <a:blip r:embed="rId2">
-            <a:extLst>
-              <a:ext uri="{28A0092B-C50C-407E-A947-70E740481C1C}">
-                <a14:useLocalDpi xmlns:a14="http://schemas.microsoft.com/office/drawing/2010/main" val="0"/>
-              </a:ext>
-              <a:ext uri="{96DAC541-7B7A-43D3-8B79-37D633B846F1}">
-                <asvg:svgBlip xmlns:asvg="http://schemas.microsoft.com/office/drawing/2016/SVG/main" r:embed="rId3"/>
-              </a:ext>
-            </a:extLst>
-          </a:blip>
-          <a:stretch>
-            <a:fillRect/>
-          </a:stretch>
-        </p:blipFill>
-        <p:spPr>
-          <a:xfrm>
-            <a:off x="4655999" y="2625837"/>
-            <a:ext cx="2880000" cy="2880000"/>
-          </a:xfrm>
-          <a:prstGeom prst="rect">
-            <a:avLst/>
-          </a:prstGeom>
-        </p:spPr>
-      </p:pic>
-      <p:sp>
-        <p:nvSpPr>
-          <p:cNvPr id="6" name="Прямоугольник 5">
-            <a:extLst>
-              <a:ext uri="{FF2B5EF4-FFF2-40B4-BE49-F238E27FC236}">
-                <a16:creationId xmlns:a16="http://schemas.microsoft.com/office/drawing/2014/main" id="{1D9C05BF-1F8C-41FC-980D-E6E1153F3BA5}"/>
-              </a:ext>
-            </a:extLst>
-          </p:cNvPr>
-          <p:cNvSpPr/>
-          <p:nvPr/>
-        </p:nvSpPr>
-        <p:spPr>
-          <a:xfrm>
-            <a:off x="2781150" y="5505837"/>
-            <a:ext cx="6629700" cy="461665"/>
-          </a:xfrm>
-          <a:prstGeom prst="rect">
-            <a:avLst/>
-          </a:prstGeom>
-        </p:spPr>
-        <p:txBody>
-          <a:bodyPr wrap="none">
-            <a:spAutoFit/>
-          </a:bodyPr>
-          <a:lstStyle/>
-          <a:p>
-            <a:r>
-              <a:rPr lang="en-GB" sz="2400" dirty="0">
+            <a:pPr marL="0" indent="0">
+              <a:lnSpc>
+                <a:spcPct val="150000"/>
+              </a:lnSpc>
+              <a:buNone/>
+            </a:pPr>
+            <a:r>
+              <a:rPr lang="en-GB" dirty="0">
                 <a:solidFill>
-                  <a:srgbClr val="002060"/>
+                  <a:srgbClr val="0033CC"/>
                 </a:solidFill>
-                <a:latin typeface="Segoe UI" panose="020B0502040204020203" pitchFamily="34" charset="0"/>
-                <a:cs typeface="Segoe UI" panose="020B0502040204020203" pitchFamily="34" charset="0"/>
-                <a:hlinkClick r:id="rId4"/>
-              </a:rPr>
-              <a:t>github.com/yevgeniyredko/shpora-2018-fsharp</a:t>
-            </a:r>
-            <a:endParaRPr lang="en-GB" sz="2400" dirty="0">
-              <a:solidFill>
-                <a:srgbClr val="002060"/>
-              </a:solidFill>
-              <a:latin typeface="Segoe UI" panose="020B0502040204020203" pitchFamily="34" charset="0"/>
-              <a:cs typeface="Segoe UI" panose="020B0502040204020203" pitchFamily="34" charset="0"/>
+                <a:latin typeface="Consolas" panose="020B0609020204030204" pitchFamily="49" charset="0"/>
+              </a:rPr>
+              <a:t>type</a:t>
+            </a:r>
+            <a:r>
+              <a:rPr lang="en-GB" dirty="0">
+                <a:latin typeface="Consolas" panose="020B0609020204030204" pitchFamily="49" charset="0"/>
+              </a:rPr>
+              <a:t> </a:t>
+            </a:r>
+            <a:r>
+              <a:rPr lang="en-GB" dirty="0">
+                <a:solidFill>
+                  <a:srgbClr val="0070C0"/>
+                </a:solidFill>
+                <a:latin typeface="Consolas" panose="020B0609020204030204" pitchFamily="49" charset="0"/>
+              </a:rPr>
+              <a:t>Weather</a:t>
+            </a:r>
+            <a:r>
+              <a:rPr lang="en-GB" dirty="0">
+                <a:latin typeface="Consolas" panose="020B0609020204030204" pitchFamily="49" charset="0"/>
+              </a:rPr>
+              <a:t> = </a:t>
+            </a:r>
+            <a:r>
+              <a:rPr lang="en-GB" dirty="0" err="1">
+                <a:solidFill>
+                  <a:srgbClr val="0070C0"/>
+                </a:solidFill>
+                <a:latin typeface="Consolas" panose="020B0609020204030204" pitchFamily="49" charset="0"/>
+              </a:rPr>
+              <a:t>JsonProvider</a:t>
+            </a:r>
+            <a:r>
+              <a:rPr lang="en-GB" dirty="0">
+                <a:latin typeface="Consolas" panose="020B0609020204030204" pitchFamily="49" charset="0"/>
+              </a:rPr>
+              <a:t>&lt;</a:t>
+            </a:r>
+            <a:r>
+              <a:rPr lang="en-GB" dirty="0">
+                <a:solidFill>
+                  <a:srgbClr val="C00000"/>
+                </a:solidFill>
+                <a:latin typeface="Consolas" panose="020B0609020204030204" pitchFamily="49" charset="0"/>
+              </a:rPr>
+              <a:t>"../</a:t>
+            </a:r>
+            <a:r>
+              <a:rPr lang="en-GB" dirty="0" err="1">
+                <a:solidFill>
+                  <a:srgbClr val="C00000"/>
+                </a:solidFill>
+                <a:latin typeface="Consolas" panose="020B0609020204030204" pitchFamily="49" charset="0"/>
+              </a:rPr>
+              <a:t>weather.json</a:t>
+            </a:r>
+            <a:r>
+              <a:rPr lang="en-GB" dirty="0">
+                <a:solidFill>
+                  <a:srgbClr val="C00000"/>
+                </a:solidFill>
+                <a:latin typeface="Consolas" panose="020B0609020204030204" pitchFamily="49" charset="0"/>
+              </a:rPr>
+              <a:t>"</a:t>
+            </a:r>
+            <a:r>
+              <a:rPr lang="en-GB" dirty="0">
+                <a:latin typeface="Consolas" panose="020B0609020204030204" pitchFamily="49" charset="0"/>
+              </a:rPr>
+              <a:t>&gt;</a:t>
+            </a:r>
+            <a:endParaRPr lang="ru-RU" dirty="0">
+              <a:latin typeface="Consolas" panose="020B0609020204030204" pitchFamily="49" charset="0"/>
             </a:endParaRPr>
+          </a:p>
+          <a:p>
+            <a:pPr marL="0" indent="0">
+              <a:lnSpc>
+                <a:spcPct val="100000"/>
+              </a:lnSpc>
+              <a:buNone/>
+            </a:pPr>
+            <a:r>
+              <a:rPr lang="ru-RU" dirty="0"/>
+              <a:t>Создаёт типы</a:t>
+            </a:r>
+            <a:r>
+              <a:rPr lang="en-US" dirty="0"/>
+              <a:t> </a:t>
+            </a:r>
+            <a:r>
+              <a:rPr lang="ru-RU" dirty="0"/>
+              <a:t>на основе информации, полученной компилятором из источника данных</a:t>
+            </a:r>
+            <a:endParaRPr lang="en-US" dirty="0"/>
           </a:p>
         </p:txBody>
       </p:sp>
     </p:spTree>
     <p:extLst>
       <p:ext uri="{BB962C8B-B14F-4D97-AF65-F5344CB8AC3E}">
-        <p14:creationId xmlns:p14="http://schemas.microsoft.com/office/powerpoint/2010/main" val="2616911987"/>
+        <p14:creationId xmlns:p14="http://schemas.microsoft.com/office/powerpoint/2010/main" val="1655670483"/>
+      </p:ext>
+    </p:extLst>
+  </p:cSld>
+  <p:clrMapOvr>
+    <a:masterClrMapping/>
+  </p:clrMapOvr>
+</p:sld>
+</file>
+
+<file path=ppt/slides/slide8.xml><?xml version="1.0" encoding="utf-8"?>
+<p:sld xmlns:a="http://schemas.openxmlformats.org/drawingml/2006/main" xmlns:r="http://schemas.openxmlformats.org/officeDocument/2006/relationships" xmlns:p="http://schemas.openxmlformats.org/presentationml/2006/main">
+  <p:cSld>
+    <p:spTree>
+      <p:nvGrpSpPr>
+        <p:cNvPr id="1" name=""/>
+        <p:cNvGrpSpPr/>
+        <p:nvPr/>
+      </p:nvGrpSpPr>
+      <p:grpSpPr>
+        <a:xfrm>
+          <a:off x="0" y="0"/>
+          <a:ext cx="0" cy="0"/>
+          <a:chOff x="0" y="0"/>
+          <a:chExt cx="0" cy="0"/>
+        </a:xfrm>
+      </p:grpSpPr>
+      <p:sp>
+        <p:nvSpPr>
+          <p:cNvPr id="2" name="Заголовок 1">
+            <a:extLst>
+              <a:ext uri="{FF2B5EF4-FFF2-40B4-BE49-F238E27FC236}">
+                <a16:creationId xmlns:a16="http://schemas.microsoft.com/office/drawing/2014/main" id="{D89F1BF0-0FF3-43F9-85E7-D15FCD5E9C6A}"/>
+              </a:ext>
+            </a:extLst>
+          </p:cNvPr>
+          <p:cNvSpPr>
+            <a:spLocks noGrp="1"/>
+          </p:cNvSpPr>
+          <p:nvPr>
+            <p:ph type="title"/>
+          </p:nvPr>
+        </p:nvSpPr>
+        <p:spPr/>
+        <p:txBody>
+          <a:bodyPr/>
+          <a:lstStyle/>
+          <a:p>
+            <a:r>
+              <a:rPr lang="en-US" dirty="0"/>
+              <a:t>Type Provider</a:t>
+            </a:r>
+            <a:endParaRPr lang="en-GB" dirty="0"/>
+          </a:p>
+        </p:txBody>
+      </p:sp>
+      <p:sp>
+        <p:nvSpPr>
+          <p:cNvPr id="3" name="Объект 2">
+            <a:extLst>
+              <a:ext uri="{FF2B5EF4-FFF2-40B4-BE49-F238E27FC236}">
+                <a16:creationId xmlns:a16="http://schemas.microsoft.com/office/drawing/2014/main" id="{D80DAF77-AC79-46F1-9B5D-4E7665543388}"/>
+              </a:ext>
+            </a:extLst>
+          </p:cNvPr>
+          <p:cNvSpPr>
+            <a:spLocks noGrp="1"/>
+          </p:cNvSpPr>
+          <p:nvPr>
+            <p:ph idx="1"/>
+          </p:nvPr>
+        </p:nvSpPr>
+        <p:spPr/>
+        <p:txBody>
+          <a:bodyPr/>
+          <a:lstStyle/>
+          <a:p>
+            <a:pPr marL="0" indent="0">
+              <a:buNone/>
+            </a:pPr>
+            <a:r>
+              <a:rPr lang="ru-RU" dirty="0"/>
+              <a:t>Примеры:</a:t>
+            </a:r>
+          </a:p>
+          <a:p>
+            <a:r>
+              <a:rPr lang="en-US" dirty="0"/>
+              <a:t>JSON</a:t>
+            </a:r>
+            <a:endParaRPr lang="ru-RU" dirty="0"/>
+          </a:p>
+          <a:p>
+            <a:r>
+              <a:rPr lang="en-US" dirty="0"/>
+              <a:t>XML</a:t>
+            </a:r>
+            <a:endParaRPr lang="ru-RU" dirty="0"/>
+          </a:p>
+          <a:p>
+            <a:r>
+              <a:rPr lang="en-US" dirty="0"/>
+              <a:t>CSV</a:t>
+            </a:r>
+          </a:p>
+          <a:p>
+            <a:r>
+              <a:rPr lang="en-US" dirty="0"/>
+              <a:t>SQL</a:t>
+            </a:r>
+          </a:p>
+          <a:p>
+            <a:pPr marL="0" indent="0">
+              <a:buNone/>
+            </a:pPr>
+            <a:r>
+              <a:rPr lang="en-US" dirty="0"/>
+              <a:t>…</a:t>
+            </a:r>
+          </a:p>
+          <a:p>
+            <a:r>
+              <a:rPr lang="en-US" dirty="0"/>
+              <a:t>R</a:t>
+            </a:r>
+          </a:p>
+          <a:p>
+            <a:pPr marL="0" indent="0">
+              <a:buNone/>
+            </a:pPr>
+            <a:endParaRPr lang="en-GB" dirty="0"/>
+          </a:p>
+        </p:txBody>
+      </p:sp>
+    </p:spTree>
+    <p:extLst>
+      <p:ext uri="{BB962C8B-B14F-4D97-AF65-F5344CB8AC3E}">
+        <p14:creationId xmlns:p14="http://schemas.microsoft.com/office/powerpoint/2010/main" val="3115235951"/>
+      </p:ext>
+    </p:extLst>
+  </p:cSld>
+  <p:clrMapOvr>
+    <a:masterClrMapping/>
+  </p:clrMapOvr>
+</p:sld>
+</file>
+
+<file path=ppt/slides/slide9.xml><?xml version="1.0" encoding="utf-8"?>
+<p:sld xmlns:a="http://schemas.openxmlformats.org/drawingml/2006/main" xmlns:r="http://schemas.openxmlformats.org/officeDocument/2006/relationships" xmlns:p="http://schemas.openxmlformats.org/presentationml/2006/main">
+  <p:cSld>
+    <p:spTree>
+      <p:nvGrpSpPr>
+        <p:cNvPr id="1" name=""/>
+        <p:cNvGrpSpPr/>
+        <p:nvPr/>
+      </p:nvGrpSpPr>
+      <p:grpSpPr>
+        <a:xfrm>
+          <a:off x="0" y="0"/>
+          <a:ext cx="0" cy="0"/>
+          <a:chOff x="0" y="0"/>
+          <a:chExt cx="0" cy="0"/>
+        </a:xfrm>
+      </p:grpSpPr>
+      <p:sp>
+        <p:nvSpPr>
+          <p:cNvPr id="2" name="Заголовок 1">
+            <a:extLst>
+              <a:ext uri="{FF2B5EF4-FFF2-40B4-BE49-F238E27FC236}">
+                <a16:creationId xmlns:a16="http://schemas.microsoft.com/office/drawing/2014/main" id="{BC94BEF2-AE8F-4B55-95C8-0731F3BDC0AF}"/>
+              </a:ext>
+            </a:extLst>
+          </p:cNvPr>
+          <p:cNvSpPr>
+            <a:spLocks noGrp="1"/>
+          </p:cNvSpPr>
+          <p:nvPr>
+            <p:ph type="title"/>
+          </p:nvPr>
+        </p:nvSpPr>
+        <p:spPr/>
+        <p:txBody>
+          <a:bodyPr/>
+          <a:lstStyle/>
+          <a:p>
+            <a:r>
+              <a:rPr lang="en-US" dirty="0"/>
+              <a:t>#2</a:t>
+            </a:r>
+            <a:endParaRPr lang="en-GB" dirty="0"/>
+          </a:p>
+        </p:txBody>
+      </p:sp>
+      <p:sp>
+        <p:nvSpPr>
+          <p:cNvPr id="3" name="Текст 2">
+            <a:extLst>
+              <a:ext uri="{FF2B5EF4-FFF2-40B4-BE49-F238E27FC236}">
+                <a16:creationId xmlns:a16="http://schemas.microsoft.com/office/drawing/2014/main" id="{7C9EA29B-0484-4CF0-B94D-5B96405E366B}"/>
+              </a:ext>
+            </a:extLst>
+          </p:cNvPr>
+          <p:cNvSpPr>
+            <a:spLocks noGrp="1"/>
+          </p:cNvSpPr>
+          <p:nvPr>
+            <p:ph type="body" idx="1"/>
+          </p:nvPr>
+        </p:nvSpPr>
+        <p:spPr/>
+        <p:txBody>
+          <a:bodyPr/>
+          <a:lstStyle/>
+          <a:p>
+            <a:r>
+              <a:rPr lang="en-US" dirty="0"/>
+              <a:t>Discriminated Unions</a:t>
+            </a:r>
+            <a:endParaRPr lang="en-GB" dirty="0"/>
+          </a:p>
+        </p:txBody>
+      </p:sp>
+    </p:spTree>
+    <p:extLst>
+      <p:ext uri="{BB962C8B-B14F-4D97-AF65-F5344CB8AC3E}">
+        <p14:creationId xmlns:p14="http://schemas.microsoft.com/office/powerpoint/2010/main" val="2195678205"/>
       </p:ext>
     </p:extLst>
   </p:cSld>
